--- a/PID_Course/PID.pptx
+++ b/PID_Course/PID.pptx
@@ -124,10 +124,10 @@
   </p:defaultTextStyle>
   <p:extLst>
     <p:ext uri="{EFAFB233-063F-42B5-8137-9DF3F51BA10A}">
-      <p15:sldGuideLst xmlns="" xmlns:p15="http://schemas.microsoft.com/office/powerpoint/2012/main"/>
+      <p15:sldGuideLst xmlns:p15="http://schemas.microsoft.com/office/powerpoint/2012/main" xmlns=""/>
     </p:ext>
     <p:ext uri="{2D200454-40CA-4A62-9FC3-DE9A4176ACB9}">
-      <p15:notesGuideLst xmlns="" xmlns:p15="http://schemas.microsoft.com/office/powerpoint/2012/main"/>
+      <p15:notesGuideLst xmlns:p15="http://schemas.microsoft.com/office/powerpoint/2012/main" xmlns=""/>
     </p:ext>
   </p:extLst>
 </p:presentation>
@@ -172,7 +172,7 @@
           <p:cNvPr id="2" name="Header Placeholder 1">
             <a:extLst>
               <a:ext uri="{FF2B5EF4-FFF2-40B4-BE49-F238E27FC236}">
-                <a16:creationId xmlns="" xmlns:a16="http://schemas.microsoft.com/office/drawing/2014/main" id="{7FB8B65A-D69F-C26C-B67E-036EF77BF1FA}"/>
+                <a16:creationId xmlns:a16="http://schemas.microsoft.com/office/drawing/2014/main" xmlns="" id="{7FB8B65A-D69F-C26C-B67E-036EF77BF1FA}"/>
               </a:ext>
             </a:extLst>
           </p:cNvPr>
@@ -209,7 +209,7 @@
           <p:cNvPr id="3" name="Date Placeholder 2">
             <a:extLst>
               <a:ext uri="{FF2B5EF4-FFF2-40B4-BE49-F238E27FC236}">
-                <a16:creationId xmlns="" xmlns:a16="http://schemas.microsoft.com/office/drawing/2014/main" id="{652B9064-AE57-427F-E5AF-71DE7D52FE6E}"/>
+                <a16:creationId xmlns:a16="http://schemas.microsoft.com/office/drawing/2014/main" xmlns="" id="{652B9064-AE57-427F-E5AF-71DE7D52FE6E}"/>
               </a:ext>
             </a:extLst>
           </p:cNvPr>
@@ -250,7 +250,7 @@
           <p:cNvPr id="4" name="Footer Placeholder 3">
             <a:extLst>
               <a:ext uri="{FF2B5EF4-FFF2-40B4-BE49-F238E27FC236}">
-                <a16:creationId xmlns="" xmlns:a16="http://schemas.microsoft.com/office/drawing/2014/main" id="{8186157A-CEB9-B0FC-3A49-BE950AEAD6F3}"/>
+                <a16:creationId xmlns:a16="http://schemas.microsoft.com/office/drawing/2014/main" xmlns="" id="{8186157A-CEB9-B0FC-3A49-BE950AEAD6F3}"/>
               </a:ext>
             </a:extLst>
           </p:cNvPr>
@@ -287,7 +287,7 @@
           <p:cNvPr id="5" name="Slide Number Placeholder 4">
             <a:extLst>
               <a:ext uri="{FF2B5EF4-FFF2-40B4-BE49-F238E27FC236}">
-                <a16:creationId xmlns="" xmlns:a16="http://schemas.microsoft.com/office/drawing/2014/main" id="{E0819CA0-A57D-42D7-A625-56C22D0FA7C6}"/>
+                <a16:creationId xmlns:a16="http://schemas.microsoft.com/office/drawing/2014/main" xmlns="" id="{E0819CA0-A57D-42D7-A625-56C22D0FA7C6}"/>
               </a:ext>
             </a:extLst>
           </p:cNvPr>
@@ -1862,10 +1862,10 @@
           <p:cNvPr id="4" name="Rectangle 3">
             <a:extLst>
               <a:ext uri="{FF2B5EF4-FFF2-40B4-BE49-F238E27FC236}">
-                <a16:creationId xmlns="" xmlns:a16="http://schemas.microsoft.com/office/drawing/2014/main" id="{9AC79249-FDC0-364D-A734-AE1DE1605D28}"/>
+                <a16:creationId xmlns:a16="http://schemas.microsoft.com/office/drawing/2014/main" xmlns="" id="{9AC79249-FDC0-364D-A734-AE1DE1605D28}"/>
               </a:ext>
               <a:ext uri="{C183D7F6-B498-43B3-948B-1728B52AA6E4}">
-                <adec:decorative xmlns="" xmlns:adec="http://schemas.microsoft.com/office/drawing/2017/decorative" val="1"/>
+                <adec:decorative xmlns:adec="http://schemas.microsoft.com/office/drawing/2017/decorative" xmlns="" val="1"/>
               </a:ext>
             </a:extLst>
           </p:cNvPr>
@@ -1917,10 +1917,10 @@
           <p:cNvPr id="7" name="Group 6">
             <a:extLst>
               <a:ext uri="{FF2B5EF4-FFF2-40B4-BE49-F238E27FC236}">
-                <a16:creationId xmlns="" xmlns:a16="http://schemas.microsoft.com/office/drawing/2014/main" id="{13537B6D-42A5-F449-2691-321A167F7C08}"/>
+                <a16:creationId xmlns:a16="http://schemas.microsoft.com/office/drawing/2014/main" xmlns="" id="{13537B6D-42A5-F449-2691-321A167F7C08}"/>
               </a:ext>
               <a:ext uri="{C183D7F6-B498-43B3-948B-1728B52AA6E4}">
-                <adec:decorative xmlns="" xmlns:adec="http://schemas.microsoft.com/office/drawing/2017/decorative" val="1"/>
+                <adec:decorative xmlns:adec="http://schemas.microsoft.com/office/drawing/2017/decorative" xmlns="" val="1"/>
               </a:ext>
             </a:extLst>
           </p:cNvPr>
@@ -1940,7 +1940,7 @@
             <p:cNvPr id="5" name="Oval 4">
               <a:extLst>
                 <a:ext uri="{FF2B5EF4-FFF2-40B4-BE49-F238E27FC236}">
-                  <a16:creationId xmlns="" xmlns:a16="http://schemas.microsoft.com/office/drawing/2014/main" id="{902465C8-266D-104C-9C49-323DF4A8277E}"/>
+                  <a16:creationId xmlns:a16="http://schemas.microsoft.com/office/drawing/2014/main" xmlns="" id="{902465C8-266D-104C-9C49-323DF4A8277E}"/>
                 </a:ext>
               </a:extLst>
             </p:cNvPr>
@@ -1989,7 +1989,7 @@
             <p:cNvPr id="11" name="Freeform 10">
               <a:extLst>
                 <a:ext uri="{FF2B5EF4-FFF2-40B4-BE49-F238E27FC236}">
-                  <a16:creationId xmlns="" xmlns:a16="http://schemas.microsoft.com/office/drawing/2014/main" id="{37979A1C-BF60-B345-A664-2E4F7A3461EB}"/>
+                  <a16:creationId xmlns:a16="http://schemas.microsoft.com/office/drawing/2014/main" xmlns="" id="{37979A1C-BF60-B345-A664-2E4F7A3461EB}"/>
                 </a:ext>
               </a:extLst>
             </p:cNvPr>
@@ -2088,7 +2088,7 @@
             <p:cNvPr id="9" name="Freeform 8">
               <a:extLst>
                 <a:ext uri="{FF2B5EF4-FFF2-40B4-BE49-F238E27FC236}">
-                  <a16:creationId xmlns="" xmlns:a16="http://schemas.microsoft.com/office/drawing/2014/main" id="{58080B3E-915C-2D4C-8608-596E1BFD6387}"/>
+                  <a16:creationId xmlns:a16="http://schemas.microsoft.com/office/drawing/2014/main" xmlns="" id="{58080B3E-915C-2D4C-8608-596E1BFD6387}"/>
                 </a:ext>
               </a:extLst>
             </p:cNvPr>
@@ -2187,7 +2187,7 @@
             <p:cNvPr id="6" name="Group 5">
               <a:extLst>
                 <a:ext uri="{FF2B5EF4-FFF2-40B4-BE49-F238E27FC236}">
-                  <a16:creationId xmlns="" xmlns:a16="http://schemas.microsoft.com/office/drawing/2014/main" id="{F15FBB50-09C8-B64E-AE57-67C5E70810CB}"/>
+                  <a16:creationId xmlns:a16="http://schemas.microsoft.com/office/drawing/2014/main" xmlns="" id="{F15FBB50-09C8-B64E-AE57-67C5E70810CB}"/>
                 </a:ext>
               </a:extLst>
             </p:cNvPr>
@@ -2207,7 +2207,7 @@
               <p:cNvPr id="15" name="Freeform 14">
                 <a:extLst>
                   <a:ext uri="{FF2B5EF4-FFF2-40B4-BE49-F238E27FC236}">
-                    <a16:creationId xmlns="" xmlns:a16="http://schemas.microsoft.com/office/drawing/2014/main" id="{EFBF1E52-11FA-DC48-B7AD-75734232FFE8}"/>
+                    <a16:creationId xmlns:a16="http://schemas.microsoft.com/office/drawing/2014/main" xmlns="" id="{EFBF1E52-11FA-DC48-B7AD-75734232FFE8}"/>
                   </a:ext>
                 </a:extLst>
               </p:cNvPr>
@@ -2332,7 +2332,7 @@
               <p:cNvPr id="16" name="Freeform 15">
                 <a:extLst>
                   <a:ext uri="{FF2B5EF4-FFF2-40B4-BE49-F238E27FC236}">
-                    <a16:creationId xmlns="" xmlns:a16="http://schemas.microsoft.com/office/drawing/2014/main" id="{4850B620-49F5-3748-84AF-682555D52792}"/>
+                    <a16:creationId xmlns:a16="http://schemas.microsoft.com/office/drawing/2014/main" xmlns="" id="{4850B620-49F5-3748-84AF-682555D52792}"/>
                   </a:ext>
                 </a:extLst>
               </p:cNvPr>
@@ -2458,7 +2458,7 @@
             <p:cNvPr id="22" name="Freeform 21">
               <a:extLst>
                 <a:ext uri="{FF2B5EF4-FFF2-40B4-BE49-F238E27FC236}">
-                  <a16:creationId xmlns="" xmlns:a16="http://schemas.microsoft.com/office/drawing/2014/main" id="{BC68F289-2744-2F48-893A-3F17911625C8}"/>
+                  <a16:creationId xmlns:a16="http://schemas.microsoft.com/office/drawing/2014/main" xmlns="" id="{BC68F289-2744-2F48-893A-3F17911625C8}"/>
                 </a:ext>
               </a:extLst>
             </p:cNvPr>
@@ -2557,7 +2557,7 @@
             <p:cNvPr id="28" name="Freeform 27">
               <a:extLst>
                 <a:ext uri="{FF2B5EF4-FFF2-40B4-BE49-F238E27FC236}">
-                  <a16:creationId xmlns="" xmlns:a16="http://schemas.microsoft.com/office/drawing/2014/main" id="{9E240E8A-950E-7946-826C-415CB5DACA43}"/>
+                  <a16:creationId xmlns:a16="http://schemas.microsoft.com/office/drawing/2014/main" xmlns="" id="{9E240E8A-950E-7946-826C-415CB5DACA43}"/>
                 </a:ext>
               </a:extLst>
             </p:cNvPr>
@@ -2710,7 +2710,7 @@
           <p:cNvPr id="2" name="Title 1">
             <a:extLst>
               <a:ext uri="{FF2B5EF4-FFF2-40B4-BE49-F238E27FC236}">
-                <a16:creationId xmlns="" xmlns:a16="http://schemas.microsoft.com/office/drawing/2014/main" id="{494248F2-5264-4601-AA0B-6C092F77F2DD}"/>
+                <a16:creationId xmlns:a16="http://schemas.microsoft.com/office/drawing/2014/main" xmlns="" id="{494248F2-5264-4601-AA0B-6C092F77F2DD}"/>
               </a:ext>
             </a:extLst>
           </p:cNvPr>
@@ -2789,10 +2789,10 @@
           <p:cNvPr id="9" name="Group 8">
             <a:extLst>
               <a:ext uri="{FF2B5EF4-FFF2-40B4-BE49-F238E27FC236}">
-                <a16:creationId xmlns="" xmlns:a16="http://schemas.microsoft.com/office/drawing/2014/main" id="{ABA2A58C-57B7-834C-8F5C-3299322411B1}"/>
+                <a16:creationId xmlns:a16="http://schemas.microsoft.com/office/drawing/2014/main" xmlns="" id="{ABA2A58C-57B7-834C-8F5C-3299322411B1}"/>
               </a:ext>
               <a:ext uri="{C183D7F6-B498-43B3-948B-1728B52AA6E4}">
-                <adec:decorative xmlns="" xmlns:adec="http://schemas.microsoft.com/office/drawing/2017/decorative" val="1"/>
+                <adec:decorative xmlns:adec="http://schemas.microsoft.com/office/drawing/2017/decorative" xmlns="" val="1"/>
               </a:ext>
             </a:extLst>
           </p:cNvPr>
@@ -2812,7 +2812,7 @@
             <p:cNvPr id="13" name="Freeform 12">
               <a:extLst>
                 <a:ext uri="{FF2B5EF4-FFF2-40B4-BE49-F238E27FC236}">
-                  <a16:creationId xmlns="" xmlns:a16="http://schemas.microsoft.com/office/drawing/2014/main" id="{801D8067-144A-FE48-AF1E-529B662DCAD3}"/>
+                  <a16:creationId xmlns:a16="http://schemas.microsoft.com/office/drawing/2014/main" xmlns="" id="{801D8067-144A-FE48-AF1E-529B662DCAD3}"/>
                 </a:ext>
               </a:extLst>
             </p:cNvPr>
@@ -2937,7 +2937,7 @@
             <p:cNvPr id="14" name="Freeform 13">
               <a:extLst>
                 <a:ext uri="{FF2B5EF4-FFF2-40B4-BE49-F238E27FC236}">
-                  <a16:creationId xmlns="" xmlns:a16="http://schemas.microsoft.com/office/drawing/2014/main" id="{2ECA7D87-C78C-C140-AA28-C0FB20209045}"/>
+                  <a16:creationId xmlns:a16="http://schemas.microsoft.com/office/drawing/2014/main" xmlns="" id="{2ECA7D87-C78C-C140-AA28-C0FB20209045}"/>
                 </a:ext>
               </a:extLst>
             </p:cNvPr>
@@ -3063,7 +3063,7 @@
           <p:cNvPr id="2" name="Title 1">
             <a:extLst>
               <a:ext uri="{FF2B5EF4-FFF2-40B4-BE49-F238E27FC236}">
-                <a16:creationId xmlns="" xmlns:a16="http://schemas.microsoft.com/office/drawing/2014/main" id="{3CD97974-B93C-4C96-B3F6-F69E3D6DE6CA}"/>
+                <a16:creationId xmlns:a16="http://schemas.microsoft.com/office/drawing/2014/main" xmlns="" id="{3CD97974-B93C-4C96-B3F6-F69E3D6DE6CA}"/>
               </a:ext>
             </a:extLst>
           </p:cNvPr>
@@ -3104,7 +3104,7 @@
           <p:cNvPr id="4" name="Content Placeholder 2">
             <a:extLst>
               <a:ext uri="{FF2B5EF4-FFF2-40B4-BE49-F238E27FC236}">
-                <a16:creationId xmlns="" xmlns:a16="http://schemas.microsoft.com/office/drawing/2014/main" id="{C45E425B-455F-127B-1647-045FD094F15D}"/>
+                <a16:creationId xmlns:a16="http://schemas.microsoft.com/office/drawing/2014/main" xmlns="" id="{C45E425B-455F-127B-1647-045FD094F15D}"/>
               </a:ext>
             </a:extLst>
           </p:cNvPr>
@@ -3199,7 +3199,7 @@
           <p:cNvPr id="3" name="Content Placeholder 2">
             <a:extLst>
               <a:ext uri="{FF2B5EF4-FFF2-40B4-BE49-F238E27FC236}">
-                <a16:creationId xmlns="" xmlns:a16="http://schemas.microsoft.com/office/drawing/2014/main" id="{8A6FC6F2-80B4-49A7-9448-33FE2DF0E967}"/>
+                <a16:creationId xmlns:a16="http://schemas.microsoft.com/office/drawing/2014/main" xmlns="" id="{8A6FC6F2-80B4-49A7-9448-33FE2DF0E967}"/>
               </a:ext>
             </a:extLst>
           </p:cNvPr>
@@ -3294,7 +3294,7 @@
           <p:cNvPr id="10" name="Date Placeholder 3">
             <a:extLst>
               <a:ext uri="{FF2B5EF4-FFF2-40B4-BE49-F238E27FC236}">
-                <a16:creationId xmlns="" xmlns:a16="http://schemas.microsoft.com/office/drawing/2014/main" id="{7536C149-3EFE-A94E-902D-57CED00B2C0F}"/>
+                <a16:creationId xmlns:a16="http://schemas.microsoft.com/office/drawing/2014/main" xmlns="" id="{7536C149-3EFE-A94E-902D-57CED00B2C0F}"/>
               </a:ext>
             </a:extLst>
           </p:cNvPr>
@@ -3341,7 +3341,7 @@
           <p:cNvPr id="11" name="Footer Placeholder 4">
             <a:extLst>
               <a:ext uri="{FF2B5EF4-FFF2-40B4-BE49-F238E27FC236}">
-                <a16:creationId xmlns="" xmlns:a16="http://schemas.microsoft.com/office/drawing/2014/main" id="{53CA1E78-F17D-F34D-9F81-0DBF44F37894}"/>
+                <a16:creationId xmlns:a16="http://schemas.microsoft.com/office/drawing/2014/main" xmlns="" id="{53CA1E78-F17D-F34D-9F81-0DBF44F37894}"/>
               </a:ext>
             </a:extLst>
           </p:cNvPr>
@@ -3385,7 +3385,7 @@
           <p:cNvPr id="12" name="Slide Number Placeholder 5">
             <a:extLst>
               <a:ext uri="{FF2B5EF4-FFF2-40B4-BE49-F238E27FC236}">
-                <a16:creationId xmlns="" xmlns:a16="http://schemas.microsoft.com/office/drawing/2014/main" id="{1FE54918-A625-F64F-A42E-A427E9B2D489}"/>
+                <a16:creationId xmlns:a16="http://schemas.microsoft.com/office/drawing/2014/main" xmlns="" id="{1FE54918-A625-F64F-A42E-A427E9B2D489}"/>
               </a:ext>
             </a:extLst>
           </p:cNvPr>
@@ -3464,10 +3464,10 @@
           <p:cNvPr id="14" name="Group 13">
             <a:extLst>
               <a:ext uri="{FF2B5EF4-FFF2-40B4-BE49-F238E27FC236}">
-                <a16:creationId xmlns="" xmlns:a16="http://schemas.microsoft.com/office/drawing/2014/main" id="{79F46B00-4AE8-52A2-6926-FC2F5DD1FAD4}"/>
+                <a16:creationId xmlns:a16="http://schemas.microsoft.com/office/drawing/2014/main" xmlns="" id="{79F46B00-4AE8-52A2-6926-FC2F5DD1FAD4}"/>
               </a:ext>
               <a:ext uri="{C183D7F6-B498-43B3-948B-1728B52AA6E4}">
-                <adec:decorative xmlns="" xmlns:adec="http://schemas.microsoft.com/office/drawing/2017/decorative" val="1"/>
+                <adec:decorative xmlns:adec="http://schemas.microsoft.com/office/drawing/2017/decorative" xmlns="" val="1"/>
               </a:ext>
             </a:extLst>
           </p:cNvPr>
@@ -3487,7 +3487,7 @@
             <p:cNvPr id="4" name="Freeform 3">
               <a:extLst>
                 <a:ext uri="{FF2B5EF4-FFF2-40B4-BE49-F238E27FC236}">
-                  <a16:creationId xmlns="" xmlns:a16="http://schemas.microsoft.com/office/drawing/2014/main" id="{6A7F6A3F-E1DD-A246-9A6D-5F9B18BA2588}"/>
+                  <a16:creationId xmlns:a16="http://schemas.microsoft.com/office/drawing/2014/main" xmlns="" id="{6A7F6A3F-E1DD-A246-9A6D-5F9B18BA2588}"/>
                 </a:ext>
               </a:extLst>
             </p:cNvPr>
@@ -3586,7 +3586,7 @@
             <p:cNvPr id="5" name="Freeform 4">
               <a:extLst>
                 <a:ext uri="{FF2B5EF4-FFF2-40B4-BE49-F238E27FC236}">
-                  <a16:creationId xmlns="" xmlns:a16="http://schemas.microsoft.com/office/drawing/2014/main" id="{055FD0FC-C8FF-6741-A364-A29CDC6F9495}"/>
+                  <a16:creationId xmlns:a16="http://schemas.microsoft.com/office/drawing/2014/main" xmlns="" id="{055FD0FC-C8FF-6741-A364-A29CDC6F9495}"/>
                 </a:ext>
               </a:extLst>
             </p:cNvPr>
@@ -3687,7 +3687,7 @@
             <p:cNvPr id="9" name="Group 8">
               <a:extLst>
                 <a:ext uri="{FF2B5EF4-FFF2-40B4-BE49-F238E27FC236}">
-                  <a16:creationId xmlns="" xmlns:a16="http://schemas.microsoft.com/office/drawing/2014/main" id="{9861BC34-DFBF-2D4F-B463-FCFBC08391FF}"/>
+                  <a16:creationId xmlns:a16="http://schemas.microsoft.com/office/drawing/2014/main" xmlns="" id="{9861BC34-DFBF-2D4F-B463-FCFBC08391FF}"/>
                 </a:ext>
               </a:extLst>
             </p:cNvPr>
@@ -3707,7 +3707,7 @@
               <p:cNvPr id="7" name="Freeform 6">
                 <a:extLst>
                   <a:ext uri="{FF2B5EF4-FFF2-40B4-BE49-F238E27FC236}">
-                    <a16:creationId xmlns="" xmlns:a16="http://schemas.microsoft.com/office/drawing/2014/main" id="{55C37C19-F268-4A43-A0D4-3B1B38D48952}"/>
+                    <a16:creationId xmlns:a16="http://schemas.microsoft.com/office/drawing/2014/main" xmlns="" id="{55C37C19-F268-4A43-A0D4-3B1B38D48952}"/>
                   </a:ext>
                 </a:extLst>
               </p:cNvPr>
@@ -3834,7 +3834,7 @@
               <p:cNvPr id="8" name="Freeform 7">
                 <a:extLst>
                   <a:ext uri="{FF2B5EF4-FFF2-40B4-BE49-F238E27FC236}">
-                    <a16:creationId xmlns="" xmlns:a16="http://schemas.microsoft.com/office/drawing/2014/main" id="{E4F760E5-9D5D-E44F-AEBF-20CA8DE87D11}"/>
+                    <a16:creationId xmlns:a16="http://schemas.microsoft.com/office/drawing/2014/main" xmlns="" id="{E4F760E5-9D5D-E44F-AEBF-20CA8DE87D11}"/>
                   </a:ext>
                 </a:extLst>
               </p:cNvPr>
@@ -3963,7 +3963,7 @@
           <p:cNvPr id="2" name="Title 1">
             <a:extLst>
               <a:ext uri="{FF2B5EF4-FFF2-40B4-BE49-F238E27FC236}">
-                <a16:creationId xmlns="" xmlns:a16="http://schemas.microsoft.com/office/drawing/2014/main" id="{3CD97974-B93C-4C96-B3F6-F69E3D6DE6CA}"/>
+                <a16:creationId xmlns:a16="http://schemas.microsoft.com/office/drawing/2014/main" xmlns="" id="{3CD97974-B93C-4C96-B3F6-F69E3D6DE6CA}"/>
               </a:ext>
             </a:extLst>
           </p:cNvPr>
@@ -4004,7 +4004,7 @@
           <p:cNvPr id="15" name="Content Placeholder 2">
             <a:extLst>
               <a:ext uri="{FF2B5EF4-FFF2-40B4-BE49-F238E27FC236}">
-                <a16:creationId xmlns="" xmlns:a16="http://schemas.microsoft.com/office/drawing/2014/main" id="{6BBDFA0C-B372-969D-6C8A-F664A4BF8D41}"/>
+                <a16:creationId xmlns:a16="http://schemas.microsoft.com/office/drawing/2014/main" xmlns="" id="{6BBDFA0C-B372-969D-6C8A-F664A4BF8D41}"/>
               </a:ext>
             </a:extLst>
           </p:cNvPr>
@@ -4110,7 +4110,7 @@
           <p:cNvPr id="10" name="Date Placeholder 3">
             <a:extLst>
               <a:ext uri="{FF2B5EF4-FFF2-40B4-BE49-F238E27FC236}">
-                <a16:creationId xmlns="" xmlns:a16="http://schemas.microsoft.com/office/drawing/2014/main" id="{7536C149-3EFE-A94E-902D-57CED00B2C0F}"/>
+                <a16:creationId xmlns:a16="http://schemas.microsoft.com/office/drawing/2014/main" xmlns="" id="{7536C149-3EFE-A94E-902D-57CED00B2C0F}"/>
               </a:ext>
             </a:extLst>
           </p:cNvPr>
@@ -4157,7 +4157,7 @@
           <p:cNvPr id="11" name="Footer Placeholder 4">
             <a:extLst>
               <a:ext uri="{FF2B5EF4-FFF2-40B4-BE49-F238E27FC236}">
-                <a16:creationId xmlns="" xmlns:a16="http://schemas.microsoft.com/office/drawing/2014/main" id="{53CA1E78-F17D-F34D-9F81-0DBF44F37894}"/>
+                <a16:creationId xmlns:a16="http://schemas.microsoft.com/office/drawing/2014/main" xmlns="" id="{53CA1E78-F17D-F34D-9F81-0DBF44F37894}"/>
               </a:ext>
             </a:extLst>
           </p:cNvPr>
@@ -4201,7 +4201,7 @@
           <p:cNvPr id="12" name="Slide Number Placeholder 5">
             <a:extLst>
               <a:ext uri="{FF2B5EF4-FFF2-40B4-BE49-F238E27FC236}">
-                <a16:creationId xmlns="" xmlns:a16="http://schemas.microsoft.com/office/drawing/2014/main" id="{1FE54918-A625-F64F-A42E-A427E9B2D489}"/>
+                <a16:creationId xmlns:a16="http://schemas.microsoft.com/office/drawing/2014/main" xmlns="" id="{1FE54918-A625-F64F-A42E-A427E9B2D489}"/>
               </a:ext>
             </a:extLst>
           </p:cNvPr>
@@ -4250,7 +4250,7 @@
           <p:cNvPr id="3" name="Content Placeholder 2">
             <a:extLst>
               <a:ext uri="{FF2B5EF4-FFF2-40B4-BE49-F238E27FC236}">
-                <a16:creationId xmlns="" xmlns:a16="http://schemas.microsoft.com/office/drawing/2014/main" id="{99A8D2CC-EE75-85FA-1577-88C0BEC7B10C}"/>
+                <a16:creationId xmlns:a16="http://schemas.microsoft.com/office/drawing/2014/main" xmlns="" id="{99A8D2CC-EE75-85FA-1577-88C0BEC7B10C}"/>
               </a:ext>
             </a:extLst>
           </p:cNvPr>
@@ -4418,10 +4418,10 @@
           <p:cNvPr id="9" name="Group 8">
             <a:extLst>
               <a:ext uri="{FF2B5EF4-FFF2-40B4-BE49-F238E27FC236}">
-                <a16:creationId xmlns="" xmlns:a16="http://schemas.microsoft.com/office/drawing/2014/main" id="{ABA2A58C-57B7-834C-8F5C-3299322411B1}"/>
+                <a16:creationId xmlns:a16="http://schemas.microsoft.com/office/drawing/2014/main" xmlns="" id="{ABA2A58C-57B7-834C-8F5C-3299322411B1}"/>
               </a:ext>
               <a:ext uri="{C183D7F6-B498-43B3-948B-1728B52AA6E4}">
-                <adec:decorative xmlns="" xmlns:adec="http://schemas.microsoft.com/office/drawing/2017/decorative" val="1"/>
+                <adec:decorative xmlns:adec="http://schemas.microsoft.com/office/drawing/2017/decorative" xmlns="" val="1"/>
               </a:ext>
             </a:extLst>
           </p:cNvPr>
@@ -4441,7 +4441,7 @@
             <p:cNvPr id="13" name="Freeform 12">
               <a:extLst>
                 <a:ext uri="{FF2B5EF4-FFF2-40B4-BE49-F238E27FC236}">
-                  <a16:creationId xmlns="" xmlns:a16="http://schemas.microsoft.com/office/drawing/2014/main" id="{801D8067-144A-FE48-AF1E-529B662DCAD3}"/>
+                  <a16:creationId xmlns:a16="http://schemas.microsoft.com/office/drawing/2014/main" xmlns="" id="{801D8067-144A-FE48-AF1E-529B662DCAD3}"/>
                 </a:ext>
               </a:extLst>
             </p:cNvPr>
@@ -4566,7 +4566,7 @@
             <p:cNvPr id="14" name="Freeform 13">
               <a:extLst>
                 <a:ext uri="{FF2B5EF4-FFF2-40B4-BE49-F238E27FC236}">
-                  <a16:creationId xmlns="" xmlns:a16="http://schemas.microsoft.com/office/drawing/2014/main" id="{2ECA7D87-C78C-C140-AA28-C0FB20209045}"/>
+                  <a16:creationId xmlns:a16="http://schemas.microsoft.com/office/drawing/2014/main" xmlns="" id="{2ECA7D87-C78C-C140-AA28-C0FB20209045}"/>
                 </a:ext>
               </a:extLst>
             </p:cNvPr>
@@ -4692,7 +4692,7 @@
           <p:cNvPr id="2" name="Title 1">
             <a:extLst>
               <a:ext uri="{FF2B5EF4-FFF2-40B4-BE49-F238E27FC236}">
-                <a16:creationId xmlns="" xmlns:a16="http://schemas.microsoft.com/office/drawing/2014/main" id="{3CD97974-B93C-4C96-B3F6-F69E3D6DE6CA}"/>
+                <a16:creationId xmlns:a16="http://schemas.microsoft.com/office/drawing/2014/main" xmlns="" id="{3CD97974-B93C-4C96-B3F6-F69E3D6DE6CA}"/>
               </a:ext>
             </a:extLst>
           </p:cNvPr>
@@ -4733,7 +4733,7 @@
           <p:cNvPr id="3" name="Content Placeholder 2">
             <a:extLst>
               <a:ext uri="{FF2B5EF4-FFF2-40B4-BE49-F238E27FC236}">
-                <a16:creationId xmlns="" xmlns:a16="http://schemas.microsoft.com/office/drawing/2014/main" id="{8A6FC6F2-80B4-49A7-9448-33FE2DF0E967}"/>
+                <a16:creationId xmlns:a16="http://schemas.microsoft.com/office/drawing/2014/main" xmlns="" id="{8A6FC6F2-80B4-49A7-9448-33FE2DF0E967}"/>
               </a:ext>
             </a:extLst>
           </p:cNvPr>
@@ -4828,7 +4828,7 @@
           <p:cNvPr id="10" name="Date Placeholder 3">
             <a:extLst>
               <a:ext uri="{FF2B5EF4-FFF2-40B4-BE49-F238E27FC236}">
-                <a16:creationId xmlns="" xmlns:a16="http://schemas.microsoft.com/office/drawing/2014/main" id="{7536C149-3EFE-A94E-902D-57CED00B2C0F}"/>
+                <a16:creationId xmlns:a16="http://schemas.microsoft.com/office/drawing/2014/main" xmlns="" id="{7536C149-3EFE-A94E-902D-57CED00B2C0F}"/>
               </a:ext>
             </a:extLst>
           </p:cNvPr>
@@ -4875,7 +4875,7 @@
           <p:cNvPr id="11" name="Footer Placeholder 4">
             <a:extLst>
               <a:ext uri="{FF2B5EF4-FFF2-40B4-BE49-F238E27FC236}">
-                <a16:creationId xmlns="" xmlns:a16="http://schemas.microsoft.com/office/drawing/2014/main" id="{53CA1E78-F17D-F34D-9F81-0DBF44F37894}"/>
+                <a16:creationId xmlns:a16="http://schemas.microsoft.com/office/drawing/2014/main" xmlns="" id="{53CA1E78-F17D-F34D-9F81-0DBF44F37894}"/>
               </a:ext>
             </a:extLst>
           </p:cNvPr>
@@ -4919,7 +4919,7 @@
           <p:cNvPr id="12" name="Slide Number Placeholder 5">
             <a:extLst>
               <a:ext uri="{FF2B5EF4-FFF2-40B4-BE49-F238E27FC236}">
-                <a16:creationId xmlns="" xmlns:a16="http://schemas.microsoft.com/office/drawing/2014/main" id="{1FE54918-A625-F64F-A42E-A427E9B2D489}"/>
+                <a16:creationId xmlns:a16="http://schemas.microsoft.com/office/drawing/2014/main" xmlns="" id="{1FE54918-A625-F64F-A42E-A427E9B2D489}"/>
               </a:ext>
             </a:extLst>
           </p:cNvPr>
@@ -4998,10 +4998,10 @@
           <p:cNvPr id="5" name="Group 4">
             <a:extLst>
               <a:ext uri="{FF2B5EF4-FFF2-40B4-BE49-F238E27FC236}">
-                <a16:creationId xmlns="" xmlns:a16="http://schemas.microsoft.com/office/drawing/2014/main" id="{78AD52EA-B01E-8D38-D87A-BF7EB5B58A82}"/>
+                <a16:creationId xmlns:a16="http://schemas.microsoft.com/office/drawing/2014/main" xmlns="" id="{78AD52EA-B01E-8D38-D87A-BF7EB5B58A82}"/>
               </a:ext>
               <a:ext uri="{C183D7F6-B498-43B3-948B-1728B52AA6E4}">
-                <adec:decorative xmlns="" xmlns:adec="http://schemas.microsoft.com/office/drawing/2017/decorative" val="1"/>
+                <adec:decorative xmlns:adec="http://schemas.microsoft.com/office/drawing/2017/decorative" xmlns="" val="1"/>
               </a:ext>
             </a:extLst>
           </p:cNvPr>
@@ -5021,7 +5021,7 @@
             <p:cNvPr id="4" name="Rectangle 3">
               <a:extLst>
                 <a:ext uri="{FF2B5EF4-FFF2-40B4-BE49-F238E27FC236}">
-                  <a16:creationId xmlns="" xmlns:a16="http://schemas.microsoft.com/office/drawing/2014/main" id="{9AC79249-FDC0-364D-A734-AE1DE1605D28}"/>
+                  <a16:creationId xmlns:a16="http://schemas.microsoft.com/office/drawing/2014/main" xmlns="" id="{9AC79249-FDC0-364D-A734-AE1DE1605D28}"/>
                 </a:ext>
               </a:extLst>
             </p:cNvPr>
@@ -5073,7 +5073,7 @@
             <p:cNvPr id="6" name="Group 5">
               <a:extLst>
                 <a:ext uri="{FF2B5EF4-FFF2-40B4-BE49-F238E27FC236}">
-                  <a16:creationId xmlns="" xmlns:a16="http://schemas.microsoft.com/office/drawing/2014/main" id="{F15FBB50-09C8-B64E-AE57-67C5E70810CB}"/>
+                  <a16:creationId xmlns:a16="http://schemas.microsoft.com/office/drawing/2014/main" xmlns="" id="{F15FBB50-09C8-B64E-AE57-67C5E70810CB}"/>
                 </a:ext>
               </a:extLst>
             </p:cNvPr>
@@ -5093,7 +5093,7 @@
               <p:cNvPr id="15" name="Freeform 14">
                 <a:extLst>
                   <a:ext uri="{FF2B5EF4-FFF2-40B4-BE49-F238E27FC236}">
-                    <a16:creationId xmlns="" xmlns:a16="http://schemas.microsoft.com/office/drawing/2014/main" id="{EFBF1E52-11FA-DC48-B7AD-75734232FFE8}"/>
+                    <a16:creationId xmlns:a16="http://schemas.microsoft.com/office/drawing/2014/main" xmlns="" id="{EFBF1E52-11FA-DC48-B7AD-75734232FFE8}"/>
                   </a:ext>
                 </a:extLst>
               </p:cNvPr>
@@ -5218,7 +5218,7 @@
               <p:cNvPr id="16" name="Freeform 15">
                 <a:extLst>
                   <a:ext uri="{FF2B5EF4-FFF2-40B4-BE49-F238E27FC236}">
-                    <a16:creationId xmlns="" xmlns:a16="http://schemas.microsoft.com/office/drawing/2014/main" id="{4850B620-49F5-3748-84AF-682555D52792}"/>
+                    <a16:creationId xmlns:a16="http://schemas.microsoft.com/office/drawing/2014/main" xmlns="" id="{4850B620-49F5-3748-84AF-682555D52792}"/>
                   </a:ext>
                 </a:extLst>
               </p:cNvPr>
@@ -5344,7 +5344,7 @@
             <p:cNvPr id="22" name="Freeform 21">
               <a:extLst>
                 <a:ext uri="{FF2B5EF4-FFF2-40B4-BE49-F238E27FC236}">
-                  <a16:creationId xmlns="" xmlns:a16="http://schemas.microsoft.com/office/drawing/2014/main" id="{BC68F289-2744-2F48-893A-3F17911625C8}"/>
+                  <a16:creationId xmlns:a16="http://schemas.microsoft.com/office/drawing/2014/main" xmlns="" id="{BC68F289-2744-2F48-893A-3F17911625C8}"/>
                 </a:ext>
               </a:extLst>
             </p:cNvPr>
@@ -5443,7 +5443,7 @@
             <p:cNvPr id="17" name="Freeform 16">
               <a:extLst>
                 <a:ext uri="{FF2B5EF4-FFF2-40B4-BE49-F238E27FC236}">
-                  <a16:creationId xmlns="" xmlns:a16="http://schemas.microsoft.com/office/drawing/2014/main" id="{39563C76-BC00-DE47-88F5-C24D3CE3325A}"/>
+                  <a16:creationId xmlns:a16="http://schemas.microsoft.com/office/drawing/2014/main" xmlns="" id="{39563C76-BC00-DE47-88F5-C24D3CE3325A}"/>
                 </a:ext>
               </a:extLst>
             </p:cNvPr>
@@ -5588,7 +5588,7 @@
           <p:cNvPr id="2" name="Title 1">
             <a:extLst>
               <a:ext uri="{FF2B5EF4-FFF2-40B4-BE49-F238E27FC236}">
-                <a16:creationId xmlns="" xmlns:a16="http://schemas.microsoft.com/office/drawing/2014/main" id="{494248F2-5264-4601-AA0B-6C092F77F2DD}"/>
+                <a16:creationId xmlns:a16="http://schemas.microsoft.com/office/drawing/2014/main" xmlns="" id="{494248F2-5264-4601-AA0B-6C092F77F2DD}"/>
               </a:ext>
             </a:extLst>
           </p:cNvPr>
@@ -5629,7 +5629,7 @@
           <p:cNvPr id="3" name="Subtitle 2">
             <a:extLst>
               <a:ext uri="{FF2B5EF4-FFF2-40B4-BE49-F238E27FC236}">
-                <a16:creationId xmlns="" xmlns:a16="http://schemas.microsoft.com/office/drawing/2014/main" id="{DCFB69D3-5632-4285-A209-9DCA67DA668C}"/>
+                <a16:creationId xmlns:a16="http://schemas.microsoft.com/office/drawing/2014/main" xmlns="" id="{DCFB69D3-5632-4285-A209-9DCA67DA668C}"/>
               </a:ext>
             </a:extLst>
           </p:cNvPr>
@@ -5734,10 +5734,10 @@
           <p:cNvPr id="13" name="Group 12">
             <a:extLst>
               <a:ext uri="{FF2B5EF4-FFF2-40B4-BE49-F238E27FC236}">
-                <a16:creationId xmlns="" xmlns:a16="http://schemas.microsoft.com/office/drawing/2014/main" id="{AC10D125-AB73-D276-4947-94204736A30D}"/>
+                <a16:creationId xmlns:a16="http://schemas.microsoft.com/office/drawing/2014/main" xmlns="" id="{AC10D125-AB73-D276-4947-94204736A30D}"/>
               </a:ext>
               <a:ext uri="{C183D7F6-B498-43B3-948B-1728B52AA6E4}">
-                <adec:decorative xmlns="" xmlns:adec="http://schemas.microsoft.com/office/drawing/2017/decorative" val="1"/>
+                <adec:decorative xmlns:adec="http://schemas.microsoft.com/office/drawing/2017/decorative" xmlns="" val="1"/>
               </a:ext>
             </a:extLst>
           </p:cNvPr>
@@ -5757,10 +5757,10 @@
             <p:cNvPr id="4" name="Freeform 3">
               <a:extLst>
                 <a:ext uri="{FF2B5EF4-FFF2-40B4-BE49-F238E27FC236}">
-                  <a16:creationId xmlns="" xmlns:a16="http://schemas.microsoft.com/office/drawing/2014/main" id="{6A7F6A3F-E1DD-A246-9A6D-5F9B18BA2588}"/>
+                  <a16:creationId xmlns:a16="http://schemas.microsoft.com/office/drawing/2014/main" xmlns="" id="{6A7F6A3F-E1DD-A246-9A6D-5F9B18BA2588}"/>
                 </a:ext>
                 <a:ext uri="{C183D7F6-B498-43B3-948B-1728B52AA6E4}">
-                  <adec:decorative xmlns="" xmlns:adec="http://schemas.microsoft.com/office/drawing/2017/decorative" val="1"/>
+                  <adec:decorative xmlns:adec="http://schemas.microsoft.com/office/drawing/2017/decorative" xmlns="" val="1"/>
                 </a:ext>
               </a:extLst>
             </p:cNvPr>
@@ -5859,10 +5859,10 @@
             <p:cNvPr id="5" name="Freeform 4">
               <a:extLst>
                 <a:ext uri="{FF2B5EF4-FFF2-40B4-BE49-F238E27FC236}">
-                  <a16:creationId xmlns="" xmlns:a16="http://schemas.microsoft.com/office/drawing/2014/main" id="{055FD0FC-C8FF-6741-A364-A29CDC6F9495}"/>
+                  <a16:creationId xmlns:a16="http://schemas.microsoft.com/office/drawing/2014/main" xmlns="" id="{055FD0FC-C8FF-6741-A364-A29CDC6F9495}"/>
                 </a:ext>
                 <a:ext uri="{C183D7F6-B498-43B3-948B-1728B52AA6E4}">
-                  <adec:decorative xmlns="" xmlns:adec="http://schemas.microsoft.com/office/drawing/2017/decorative" val="1"/>
+                  <adec:decorative xmlns:adec="http://schemas.microsoft.com/office/drawing/2017/decorative" xmlns="" val="1"/>
                 </a:ext>
               </a:extLst>
             </p:cNvPr>
@@ -5963,10 +5963,10 @@
             <p:cNvPr id="6" name="Freeform 5">
               <a:extLst>
                 <a:ext uri="{FF2B5EF4-FFF2-40B4-BE49-F238E27FC236}">
-                  <a16:creationId xmlns="" xmlns:a16="http://schemas.microsoft.com/office/drawing/2014/main" id="{D11C9832-A021-954E-A34F-2988D1189AE9}"/>
+                  <a16:creationId xmlns:a16="http://schemas.microsoft.com/office/drawing/2014/main" xmlns="" id="{D11C9832-A021-954E-A34F-2988D1189AE9}"/>
                 </a:ext>
                 <a:ext uri="{C183D7F6-B498-43B3-948B-1728B52AA6E4}">
-                  <adec:decorative xmlns="" xmlns:adec="http://schemas.microsoft.com/office/drawing/2017/decorative" val="1"/>
+                  <adec:decorative xmlns:adec="http://schemas.microsoft.com/office/drawing/2017/decorative" xmlns="" val="1"/>
                 </a:ext>
               </a:extLst>
             </p:cNvPr>
@@ -6065,10 +6065,10 @@
             <p:cNvPr id="9" name="Group 8">
               <a:extLst>
                 <a:ext uri="{FF2B5EF4-FFF2-40B4-BE49-F238E27FC236}">
-                  <a16:creationId xmlns="" xmlns:a16="http://schemas.microsoft.com/office/drawing/2014/main" id="{9861BC34-DFBF-2D4F-B463-FCFBC08391FF}"/>
+                  <a16:creationId xmlns:a16="http://schemas.microsoft.com/office/drawing/2014/main" xmlns="" id="{9861BC34-DFBF-2D4F-B463-FCFBC08391FF}"/>
                 </a:ext>
                 <a:ext uri="{C183D7F6-B498-43B3-948B-1728B52AA6E4}">
-                  <adec:decorative xmlns="" xmlns:adec="http://schemas.microsoft.com/office/drawing/2017/decorative" val="1"/>
+                  <adec:decorative xmlns:adec="http://schemas.microsoft.com/office/drawing/2017/decorative" xmlns="" val="1"/>
                 </a:ext>
               </a:extLst>
             </p:cNvPr>
@@ -6088,7 +6088,7 @@
               <p:cNvPr id="7" name="Freeform 6">
                 <a:extLst>
                   <a:ext uri="{FF2B5EF4-FFF2-40B4-BE49-F238E27FC236}">
-                    <a16:creationId xmlns="" xmlns:a16="http://schemas.microsoft.com/office/drawing/2014/main" id="{55C37C19-F268-4A43-A0D4-3B1B38D48952}"/>
+                    <a16:creationId xmlns:a16="http://schemas.microsoft.com/office/drawing/2014/main" xmlns="" id="{55C37C19-F268-4A43-A0D4-3B1B38D48952}"/>
                   </a:ext>
                 </a:extLst>
               </p:cNvPr>
@@ -6215,7 +6215,7 @@
               <p:cNvPr id="8" name="Freeform 7">
                 <a:extLst>
                   <a:ext uri="{FF2B5EF4-FFF2-40B4-BE49-F238E27FC236}">
-                    <a16:creationId xmlns="" xmlns:a16="http://schemas.microsoft.com/office/drawing/2014/main" id="{E4F760E5-9D5D-E44F-AEBF-20CA8DE87D11}"/>
+                    <a16:creationId xmlns:a16="http://schemas.microsoft.com/office/drawing/2014/main" xmlns="" id="{E4F760E5-9D5D-E44F-AEBF-20CA8DE87D11}"/>
                   </a:ext>
                 </a:extLst>
               </p:cNvPr>
@@ -6344,7 +6344,7 @@
           <p:cNvPr id="2" name="Title 1">
             <a:extLst>
               <a:ext uri="{FF2B5EF4-FFF2-40B4-BE49-F238E27FC236}">
-                <a16:creationId xmlns="" xmlns:a16="http://schemas.microsoft.com/office/drawing/2014/main" id="{3CD97974-B93C-4C96-B3F6-F69E3D6DE6CA}"/>
+                <a16:creationId xmlns:a16="http://schemas.microsoft.com/office/drawing/2014/main" xmlns="" id="{3CD97974-B93C-4C96-B3F6-F69E3D6DE6CA}"/>
               </a:ext>
             </a:extLst>
           </p:cNvPr>
@@ -6385,7 +6385,7 @@
           <p:cNvPr id="3" name="Content Placeholder 2">
             <a:extLst>
               <a:ext uri="{FF2B5EF4-FFF2-40B4-BE49-F238E27FC236}">
-                <a16:creationId xmlns="" xmlns:a16="http://schemas.microsoft.com/office/drawing/2014/main" id="{8A6FC6F2-80B4-49A7-9448-33FE2DF0E967}"/>
+                <a16:creationId xmlns:a16="http://schemas.microsoft.com/office/drawing/2014/main" xmlns="" id="{8A6FC6F2-80B4-49A7-9448-33FE2DF0E967}"/>
               </a:ext>
             </a:extLst>
           </p:cNvPr>
@@ -6480,7 +6480,7 @@
           <p:cNvPr id="10" name="Date Placeholder 3">
             <a:extLst>
               <a:ext uri="{FF2B5EF4-FFF2-40B4-BE49-F238E27FC236}">
-                <a16:creationId xmlns="" xmlns:a16="http://schemas.microsoft.com/office/drawing/2014/main" id="{7536C149-3EFE-A94E-902D-57CED00B2C0F}"/>
+                <a16:creationId xmlns:a16="http://schemas.microsoft.com/office/drawing/2014/main" xmlns="" id="{7536C149-3EFE-A94E-902D-57CED00B2C0F}"/>
               </a:ext>
             </a:extLst>
           </p:cNvPr>
@@ -6527,7 +6527,7 @@
           <p:cNvPr id="11" name="Footer Placeholder 4">
             <a:extLst>
               <a:ext uri="{FF2B5EF4-FFF2-40B4-BE49-F238E27FC236}">
-                <a16:creationId xmlns="" xmlns:a16="http://schemas.microsoft.com/office/drawing/2014/main" id="{53CA1E78-F17D-F34D-9F81-0DBF44F37894}"/>
+                <a16:creationId xmlns:a16="http://schemas.microsoft.com/office/drawing/2014/main" xmlns="" id="{53CA1E78-F17D-F34D-9F81-0DBF44F37894}"/>
               </a:ext>
             </a:extLst>
           </p:cNvPr>
@@ -6571,7 +6571,7 @@
           <p:cNvPr id="12" name="Slide Number Placeholder 5">
             <a:extLst>
               <a:ext uri="{FF2B5EF4-FFF2-40B4-BE49-F238E27FC236}">
-                <a16:creationId xmlns="" xmlns:a16="http://schemas.microsoft.com/office/drawing/2014/main" id="{1FE54918-A625-F64F-A42E-A427E9B2D489}"/>
+                <a16:creationId xmlns:a16="http://schemas.microsoft.com/office/drawing/2014/main" xmlns="" id="{1FE54918-A625-F64F-A42E-A427E9B2D489}"/>
               </a:ext>
             </a:extLst>
           </p:cNvPr>
@@ -6650,10 +6650,10 @@
           <p:cNvPr id="13" name="Group 12">
             <a:extLst>
               <a:ext uri="{FF2B5EF4-FFF2-40B4-BE49-F238E27FC236}">
-                <a16:creationId xmlns="" xmlns:a16="http://schemas.microsoft.com/office/drawing/2014/main" id="{AC10D125-AB73-D276-4947-94204736A30D}"/>
+                <a16:creationId xmlns:a16="http://schemas.microsoft.com/office/drawing/2014/main" xmlns="" id="{AC10D125-AB73-D276-4947-94204736A30D}"/>
               </a:ext>
               <a:ext uri="{C183D7F6-B498-43B3-948B-1728B52AA6E4}">
-                <adec:decorative xmlns="" xmlns:adec="http://schemas.microsoft.com/office/drawing/2017/decorative" val="1"/>
+                <adec:decorative xmlns:adec="http://schemas.microsoft.com/office/drawing/2017/decorative" xmlns="" val="1"/>
               </a:ext>
             </a:extLst>
           </p:cNvPr>
@@ -6673,10 +6673,10 @@
             <p:cNvPr id="4" name="Freeform 3">
               <a:extLst>
                 <a:ext uri="{FF2B5EF4-FFF2-40B4-BE49-F238E27FC236}">
-                  <a16:creationId xmlns="" xmlns:a16="http://schemas.microsoft.com/office/drawing/2014/main" id="{6A7F6A3F-E1DD-A246-9A6D-5F9B18BA2588}"/>
+                  <a16:creationId xmlns:a16="http://schemas.microsoft.com/office/drawing/2014/main" xmlns="" id="{6A7F6A3F-E1DD-A246-9A6D-5F9B18BA2588}"/>
                 </a:ext>
                 <a:ext uri="{C183D7F6-B498-43B3-948B-1728B52AA6E4}">
-                  <adec:decorative xmlns="" xmlns:adec="http://schemas.microsoft.com/office/drawing/2017/decorative" val="1"/>
+                  <adec:decorative xmlns:adec="http://schemas.microsoft.com/office/drawing/2017/decorative" xmlns="" val="1"/>
                 </a:ext>
               </a:extLst>
             </p:cNvPr>
@@ -6775,10 +6775,10 @@
             <p:cNvPr id="5" name="Freeform 4">
               <a:extLst>
                 <a:ext uri="{FF2B5EF4-FFF2-40B4-BE49-F238E27FC236}">
-                  <a16:creationId xmlns="" xmlns:a16="http://schemas.microsoft.com/office/drawing/2014/main" id="{055FD0FC-C8FF-6741-A364-A29CDC6F9495}"/>
+                  <a16:creationId xmlns:a16="http://schemas.microsoft.com/office/drawing/2014/main" xmlns="" id="{055FD0FC-C8FF-6741-A364-A29CDC6F9495}"/>
                 </a:ext>
                 <a:ext uri="{C183D7F6-B498-43B3-948B-1728B52AA6E4}">
-                  <adec:decorative xmlns="" xmlns:adec="http://schemas.microsoft.com/office/drawing/2017/decorative" val="1"/>
+                  <adec:decorative xmlns:adec="http://schemas.microsoft.com/office/drawing/2017/decorative" xmlns="" val="1"/>
                 </a:ext>
               </a:extLst>
             </p:cNvPr>
@@ -6879,10 +6879,10 @@
             <p:cNvPr id="6" name="Freeform 5">
               <a:extLst>
                 <a:ext uri="{FF2B5EF4-FFF2-40B4-BE49-F238E27FC236}">
-                  <a16:creationId xmlns="" xmlns:a16="http://schemas.microsoft.com/office/drawing/2014/main" id="{D11C9832-A021-954E-A34F-2988D1189AE9}"/>
+                  <a16:creationId xmlns:a16="http://schemas.microsoft.com/office/drawing/2014/main" xmlns="" id="{D11C9832-A021-954E-A34F-2988D1189AE9}"/>
                 </a:ext>
                 <a:ext uri="{C183D7F6-B498-43B3-948B-1728B52AA6E4}">
-                  <adec:decorative xmlns="" xmlns:adec="http://schemas.microsoft.com/office/drawing/2017/decorative" val="1"/>
+                  <adec:decorative xmlns:adec="http://schemas.microsoft.com/office/drawing/2017/decorative" xmlns="" val="1"/>
                 </a:ext>
               </a:extLst>
             </p:cNvPr>
@@ -6981,10 +6981,10 @@
             <p:cNvPr id="9" name="Group 8">
               <a:extLst>
                 <a:ext uri="{FF2B5EF4-FFF2-40B4-BE49-F238E27FC236}">
-                  <a16:creationId xmlns="" xmlns:a16="http://schemas.microsoft.com/office/drawing/2014/main" id="{9861BC34-DFBF-2D4F-B463-FCFBC08391FF}"/>
+                  <a16:creationId xmlns:a16="http://schemas.microsoft.com/office/drawing/2014/main" xmlns="" id="{9861BC34-DFBF-2D4F-B463-FCFBC08391FF}"/>
                 </a:ext>
                 <a:ext uri="{C183D7F6-B498-43B3-948B-1728B52AA6E4}">
-                  <adec:decorative xmlns="" xmlns:adec="http://schemas.microsoft.com/office/drawing/2017/decorative" val="1"/>
+                  <adec:decorative xmlns:adec="http://schemas.microsoft.com/office/drawing/2017/decorative" xmlns="" val="1"/>
                 </a:ext>
               </a:extLst>
             </p:cNvPr>
@@ -7004,7 +7004,7 @@
               <p:cNvPr id="7" name="Freeform 6">
                 <a:extLst>
                   <a:ext uri="{FF2B5EF4-FFF2-40B4-BE49-F238E27FC236}">
-                    <a16:creationId xmlns="" xmlns:a16="http://schemas.microsoft.com/office/drawing/2014/main" id="{55C37C19-F268-4A43-A0D4-3B1B38D48952}"/>
+                    <a16:creationId xmlns:a16="http://schemas.microsoft.com/office/drawing/2014/main" xmlns="" id="{55C37C19-F268-4A43-A0D4-3B1B38D48952}"/>
                   </a:ext>
                 </a:extLst>
               </p:cNvPr>
@@ -7131,7 +7131,7 @@
               <p:cNvPr id="8" name="Freeform 7">
                 <a:extLst>
                   <a:ext uri="{FF2B5EF4-FFF2-40B4-BE49-F238E27FC236}">
-                    <a16:creationId xmlns="" xmlns:a16="http://schemas.microsoft.com/office/drawing/2014/main" id="{E4F760E5-9D5D-E44F-AEBF-20CA8DE87D11}"/>
+                    <a16:creationId xmlns:a16="http://schemas.microsoft.com/office/drawing/2014/main" xmlns="" id="{E4F760E5-9D5D-E44F-AEBF-20CA8DE87D11}"/>
                   </a:ext>
                 </a:extLst>
               </p:cNvPr>
@@ -7260,7 +7260,7 @@
           <p:cNvPr id="2" name="Title 1">
             <a:extLst>
               <a:ext uri="{FF2B5EF4-FFF2-40B4-BE49-F238E27FC236}">
-                <a16:creationId xmlns="" xmlns:a16="http://schemas.microsoft.com/office/drawing/2014/main" id="{3CD97974-B93C-4C96-B3F6-F69E3D6DE6CA}"/>
+                <a16:creationId xmlns:a16="http://schemas.microsoft.com/office/drawing/2014/main" xmlns="" id="{3CD97974-B93C-4C96-B3F6-F69E3D6DE6CA}"/>
               </a:ext>
             </a:extLst>
           </p:cNvPr>
@@ -7301,7 +7301,7 @@
           <p:cNvPr id="15" name="Picture Placeholder 14">
             <a:extLst>
               <a:ext uri="{FF2B5EF4-FFF2-40B4-BE49-F238E27FC236}">
-                <a16:creationId xmlns="" xmlns:a16="http://schemas.microsoft.com/office/drawing/2014/main" id="{3124234B-E1C4-2616-9993-A23142AA69B2}"/>
+                <a16:creationId xmlns:a16="http://schemas.microsoft.com/office/drawing/2014/main" xmlns="" id="{3124234B-E1C4-2616-9993-A23142AA69B2}"/>
               </a:ext>
             </a:extLst>
           </p:cNvPr>
@@ -7345,7 +7345,7 @@
           <p:cNvPr id="10" name="Date Placeholder 3">
             <a:extLst>
               <a:ext uri="{FF2B5EF4-FFF2-40B4-BE49-F238E27FC236}">
-                <a16:creationId xmlns="" xmlns:a16="http://schemas.microsoft.com/office/drawing/2014/main" id="{7536C149-3EFE-A94E-902D-57CED00B2C0F}"/>
+                <a16:creationId xmlns:a16="http://schemas.microsoft.com/office/drawing/2014/main" xmlns="" id="{7536C149-3EFE-A94E-902D-57CED00B2C0F}"/>
               </a:ext>
             </a:extLst>
           </p:cNvPr>
@@ -7392,7 +7392,7 @@
           <p:cNvPr id="11" name="Footer Placeholder 4">
             <a:extLst>
               <a:ext uri="{FF2B5EF4-FFF2-40B4-BE49-F238E27FC236}">
-                <a16:creationId xmlns="" xmlns:a16="http://schemas.microsoft.com/office/drawing/2014/main" id="{53CA1E78-F17D-F34D-9F81-0DBF44F37894}"/>
+                <a16:creationId xmlns:a16="http://schemas.microsoft.com/office/drawing/2014/main" xmlns="" id="{53CA1E78-F17D-F34D-9F81-0DBF44F37894}"/>
               </a:ext>
             </a:extLst>
           </p:cNvPr>
@@ -7436,7 +7436,7 @@
           <p:cNvPr id="12" name="Slide Number Placeholder 5">
             <a:extLst>
               <a:ext uri="{FF2B5EF4-FFF2-40B4-BE49-F238E27FC236}">
-                <a16:creationId xmlns="" xmlns:a16="http://schemas.microsoft.com/office/drawing/2014/main" id="{1FE54918-A625-F64F-A42E-A427E9B2D489}"/>
+                <a16:creationId xmlns:a16="http://schemas.microsoft.com/office/drawing/2014/main" xmlns="" id="{1FE54918-A625-F64F-A42E-A427E9B2D489}"/>
               </a:ext>
             </a:extLst>
           </p:cNvPr>
@@ -7515,10 +7515,10 @@
           <p:cNvPr id="13" name="Group 12">
             <a:extLst>
               <a:ext uri="{FF2B5EF4-FFF2-40B4-BE49-F238E27FC236}">
-                <a16:creationId xmlns="" xmlns:a16="http://schemas.microsoft.com/office/drawing/2014/main" id="{AC10D125-AB73-D276-4947-94204736A30D}"/>
+                <a16:creationId xmlns:a16="http://schemas.microsoft.com/office/drawing/2014/main" xmlns="" id="{AC10D125-AB73-D276-4947-94204736A30D}"/>
               </a:ext>
               <a:ext uri="{C183D7F6-B498-43B3-948B-1728B52AA6E4}">
-                <adec:decorative xmlns="" xmlns:adec="http://schemas.microsoft.com/office/drawing/2017/decorative" val="1"/>
+                <adec:decorative xmlns:adec="http://schemas.microsoft.com/office/drawing/2017/decorative" xmlns="" val="1"/>
               </a:ext>
             </a:extLst>
           </p:cNvPr>
@@ -7538,10 +7538,10 @@
             <p:cNvPr id="4" name="Freeform 3">
               <a:extLst>
                 <a:ext uri="{FF2B5EF4-FFF2-40B4-BE49-F238E27FC236}">
-                  <a16:creationId xmlns="" xmlns:a16="http://schemas.microsoft.com/office/drawing/2014/main" id="{6A7F6A3F-E1DD-A246-9A6D-5F9B18BA2588}"/>
+                  <a16:creationId xmlns:a16="http://schemas.microsoft.com/office/drawing/2014/main" xmlns="" id="{6A7F6A3F-E1DD-A246-9A6D-5F9B18BA2588}"/>
                 </a:ext>
                 <a:ext uri="{C183D7F6-B498-43B3-948B-1728B52AA6E4}">
-                  <adec:decorative xmlns="" xmlns:adec="http://schemas.microsoft.com/office/drawing/2017/decorative" val="1"/>
+                  <adec:decorative xmlns:adec="http://schemas.microsoft.com/office/drawing/2017/decorative" xmlns="" val="1"/>
                 </a:ext>
               </a:extLst>
             </p:cNvPr>
@@ -7640,10 +7640,10 @@
             <p:cNvPr id="5" name="Freeform 4">
               <a:extLst>
                 <a:ext uri="{FF2B5EF4-FFF2-40B4-BE49-F238E27FC236}">
-                  <a16:creationId xmlns="" xmlns:a16="http://schemas.microsoft.com/office/drawing/2014/main" id="{055FD0FC-C8FF-6741-A364-A29CDC6F9495}"/>
+                  <a16:creationId xmlns:a16="http://schemas.microsoft.com/office/drawing/2014/main" xmlns="" id="{055FD0FC-C8FF-6741-A364-A29CDC6F9495}"/>
                 </a:ext>
                 <a:ext uri="{C183D7F6-B498-43B3-948B-1728B52AA6E4}">
-                  <adec:decorative xmlns="" xmlns:adec="http://schemas.microsoft.com/office/drawing/2017/decorative" val="1"/>
+                  <adec:decorative xmlns:adec="http://schemas.microsoft.com/office/drawing/2017/decorative" xmlns="" val="1"/>
                 </a:ext>
               </a:extLst>
             </p:cNvPr>
@@ -7744,10 +7744,10 @@
             <p:cNvPr id="6" name="Freeform 5">
               <a:extLst>
                 <a:ext uri="{FF2B5EF4-FFF2-40B4-BE49-F238E27FC236}">
-                  <a16:creationId xmlns="" xmlns:a16="http://schemas.microsoft.com/office/drawing/2014/main" id="{D11C9832-A021-954E-A34F-2988D1189AE9}"/>
+                  <a16:creationId xmlns:a16="http://schemas.microsoft.com/office/drawing/2014/main" xmlns="" id="{D11C9832-A021-954E-A34F-2988D1189AE9}"/>
                 </a:ext>
                 <a:ext uri="{C183D7F6-B498-43B3-948B-1728B52AA6E4}">
-                  <adec:decorative xmlns="" xmlns:adec="http://schemas.microsoft.com/office/drawing/2017/decorative" val="1"/>
+                  <adec:decorative xmlns:adec="http://schemas.microsoft.com/office/drawing/2017/decorative" xmlns="" val="1"/>
                 </a:ext>
               </a:extLst>
             </p:cNvPr>
@@ -7846,10 +7846,10 @@
             <p:cNvPr id="9" name="Group 8">
               <a:extLst>
                 <a:ext uri="{FF2B5EF4-FFF2-40B4-BE49-F238E27FC236}">
-                  <a16:creationId xmlns="" xmlns:a16="http://schemas.microsoft.com/office/drawing/2014/main" id="{9861BC34-DFBF-2D4F-B463-FCFBC08391FF}"/>
+                  <a16:creationId xmlns:a16="http://schemas.microsoft.com/office/drawing/2014/main" xmlns="" id="{9861BC34-DFBF-2D4F-B463-FCFBC08391FF}"/>
                 </a:ext>
                 <a:ext uri="{C183D7F6-B498-43B3-948B-1728B52AA6E4}">
-                  <adec:decorative xmlns="" xmlns:adec="http://schemas.microsoft.com/office/drawing/2017/decorative" val="1"/>
+                  <adec:decorative xmlns:adec="http://schemas.microsoft.com/office/drawing/2017/decorative" xmlns="" val="1"/>
                 </a:ext>
               </a:extLst>
             </p:cNvPr>
@@ -7869,7 +7869,7 @@
               <p:cNvPr id="7" name="Freeform 6">
                 <a:extLst>
                   <a:ext uri="{FF2B5EF4-FFF2-40B4-BE49-F238E27FC236}">
-                    <a16:creationId xmlns="" xmlns:a16="http://schemas.microsoft.com/office/drawing/2014/main" id="{55C37C19-F268-4A43-A0D4-3B1B38D48952}"/>
+                    <a16:creationId xmlns:a16="http://schemas.microsoft.com/office/drawing/2014/main" xmlns="" id="{55C37C19-F268-4A43-A0D4-3B1B38D48952}"/>
                   </a:ext>
                 </a:extLst>
               </p:cNvPr>
@@ -7996,7 +7996,7 @@
               <p:cNvPr id="8" name="Freeform 7">
                 <a:extLst>
                   <a:ext uri="{FF2B5EF4-FFF2-40B4-BE49-F238E27FC236}">
-                    <a16:creationId xmlns="" xmlns:a16="http://schemas.microsoft.com/office/drawing/2014/main" id="{E4F760E5-9D5D-E44F-AEBF-20CA8DE87D11}"/>
+                    <a16:creationId xmlns:a16="http://schemas.microsoft.com/office/drawing/2014/main" xmlns="" id="{E4F760E5-9D5D-E44F-AEBF-20CA8DE87D11}"/>
                   </a:ext>
                 </a:extLst>
               </p:cNvPr>
@@ -8125,7 +8125,7 @@
           <p:cNvPr id="2" name="Title 1">
             <a:extLst>
               <a:ext uri="{FF2B5EF4-FFF2-40B4-BE49-F238E27FC236}">
-                <a16:creationId xmlns="" xmlns:a16="http://schemas.microsoft.com/office/drawing/2014/main" id="{3CD97974-B93C-4C96-B3F6-F69E3D6DE6CA}"/>
+                <a16:creationId xmlns:a16="http://schemas.microsoft.com/office/drawing/2014/main" xmlns="" id="{3CD97974-B93C-4C96-B3F6-F69E3D6DE6CA}"/>
               </a:ext>
             </a:extLst>
           </p:cNvPr>
@@ -8166,7 +8166,7 @@
           <p:cNvPr id="3" name="Subtitle 2">
             <a:extLst>
               <a:ext uri="{FF2B5EF4-FFF2-40B4-BE49-F238E27FC236}">
-                <a16:creationId xmlns="" xmlns:a16="http://schemas.microsoft.com/office/drawing/2014/main" id="{8763DBBF-E63D-81E5-E7CE-32F6F2C2F935}"/>
+                <a16:creationId xmlns:a16="http://schemas.microsoft.com/office/drawing/2014/main" xmlns="" id="{8763DBBF-E63D-81E5-E7CE-32F6F2C2F935}"/>
               </a:ext>
             </a:extLst>
           </p:cNvPr>
@@ -8240,7 +8240,7 @@
           <p:cNvPr id="15" name="Picture Placeholder 14">
             <a:extLst>
               <a:ext uri="{FF2B5EF4-FFF2-40B4-BE49-F238E27FC236}">
-                <a16:creationId xmlns="" xmlns:a16="http://schemas.microsoft.com/office/drawing/2014/main" id="{64033732-ADA1-C540-7276-3FF5CDEF2C5E}"/>
+                <a16:creationId xmlns:a16="http://schemas.microsoft.com/office/drawing/2014/main" xmlns="" id="{64033732-ADA1-C540-7276-3FF5CDEF2C5E}"/>
               </a:ext>
             </a:extLst>
           </p:cNvPr>
@@ -8284,7 +8284,7 @@
           <p:cNvPr id="10" name="Date Placeholder 3">
             <a:extLst>
               <a:ext uri="{FF2B5EF4-FFF2-40B4-BE49-F238E27FC236}">
-                <a16:creationId xmlns="" xmlns:a16="http://schemas.microsoft.com/office/drawing/2014/main" id="{7536C149-3EFE-A94E-902D-57CED00B2C0F}"/>
+                <a16:creationId xmlns:a16="http://schemas.microsoft.com/office/drawing/2014/main" xmlns="" id="{7536C149-3EFE-A94E-902D-57CED00B2C0F}"/>
               </a:ext>
             </a:extLst>
           </p:cNvPr>
@@ -8331,7 +8331,7 @@
           <p:cNvPr id="11" name="Footer Placeholder 4">
             <a:extLst>
               <a:ext uri="{FF2B5EF4-FFF2-40B4-BE49-F238E27FC236}">
-                <a16:creationId xmlns="" xmlns:a16="http://schemas.microsoft.com/office/drawing/2014/main" id="{53CA1E78-F17D-F34D-9F81-0DBF44F37894}"/>
+                <a16:creationId xmlns:a16="http://schemas.microsoft.com/office/drawing/2014/main" xmlns="" id="{53CA1E78-F17D-F34D-9F81-0DBF44F37894}"/>
               </a:ext>
             </a:extLst>
           </p:cNvPr>
@@ -8375,7 +8375,7 @@
           <p:cNvPr id="12" name="Slide Number Placeholder 5">
             <a:extLst>
               <a:ext uri="{FF2B5EF4-FFF2-40B4-BE49-F238E27FC236}">
-                <a16:creationId xmlns="" xmlns:a16="http://schemas.microsoft.com/office/drawing/2014/main" id="{1FE54918-A625-F64F-A42E-A427E9B2D489}"/>
+                <a16:creationId xmlns:a16="http://schemas.microsoft.com/office/drawing/2014/main" xmlns="" id="{1FE54918-A625-F64F-A42E-A427E9B2D489}"/>
               </a:ext>
             </a:extLst>
           </p:cNvPr>
@@ -8462,10 +8462,10 @@
           <p:cNvPr id="2" name="Group 1">
             <a:extLst>
               <a:ext uri="{FF2B5EF4-FFF2-40B4-BE49-F238E27FC236}">
-                <a16:creationId xmlns="" xmlns:a16="http://schemas.microsoft.com/office/drawing/2014/main" id="{CCEDB282-8288-C81F-52B5-048A3E80C931}"/>
+                <a16:creationId xmlns:a16="http://schemas.microsoft.com/office/drawing/2014/main" xmlns="" id="{CCEDB282-8288-C81F-52B5-048A3E80C931}"/>
               </a:ext>
               <a:ext uri="{C183D7F6-B498-43B3-948B-1728B52AA6E4}">
-                <adec:decorative xmlns="" xmlns:adec="http://schemas.microsoft.com/office/drawing/2017/decorative" val="1"/>
+                <adec:decorative xmlns:adec="http://schemas.microsoft.com/office/drawing/2017/decorative" xmlns="" val="1"/>
               </a:ext>
             </a:extLst>
           </p:cNvPr>
@@ -8485,7 +8485,7 @@
             <p:cNvPr id="7" name="Rectangle 6">
               <a:extLst>
                 <a:ext uri="{FF2B5EF4-FFF2-40B4-BE49-F238E27FC236}">
-                  <a16:creationId xmlns="" xmlns:a16="http://schemas.microsoft.com/office/drawing/2014/main" id="{2A62587F-7496-384A-AF40-18FC8CF0709D}"/>
+                  <a16:creationId xmlns:a16="http://schemas.microsoft.com/office/drawing/2014/main" xmlns="" id="{2A62587F-7496-384A-AF40-18FC8CF0709D}"/>
                 </a:ext>
               </a:extLst>
             </p:cNvPr>
@@ -8534,7 +8534,7 @@
             <p:cNvPr id="12" name="Freeform 11">
               <a:extLst>
                 <a:ext uri="{FF2B5EF4-FFF2-40B4-BE49-F238E27FC236}">
-                  <a16:creationId xmlns="" xmlns:a16="http://schemas.microsoft.com/office/drawing/2014/main" id="{84DB028B-A475-224B-B675-A15A56CAD0BF}"/>
+                  <a16:creationId xmlns:a16="http://schemas.microsoft.com/office/drawing/2014/main" xmlns="" id="{84DB028B-A475-224B-B675-A15A56CAD0BF}"/>
                 </a:ext>
               </a:extLst>
             </p:cNvPr>
@@ -8633,7 +8633,7 @@
             <p:cNvPr id="14" name="Freeform 13">
               <a:extLst>
                 <a:ext uri="{FF2B5EF4-FFF2-40B4-BE49-F238E27FC236}">
-                  <a16:creationId xmlns="" xmlns:a16="http://schemas.microsoft.com/office/drawing/2014/main" id="{61C34955-105B-4D4D-B51D-754C5D38A85D}"/>
+                  <a16:creationId xmlns:a16="http://schemas.microsoft.com/office/drawing/2014/main" xmlns="" id="{61C34955-105B-4D4D-B51D-754C5D38A85D}"/>
                 </a:ext>
               </a:extLst>
             </p:cNvPr>
@@ -8732,7 +8732,7 @@
             <p:cNvPr id="15" name="Freeform 14">
               <a:extLst>
                 <a:ext uri="{FF2B5EF4-FFF2-40B4-BE49-F238E27FC236}">
-                  <a16:creationId xmlns="" xmlns:a16="http://schemas.microsoft.com/office/drawing/2014/main" id="{2734DEB1-EC02-2E42-9292-4ADD115060A5}"/>
+                  <a16:creationId xmlns:a16="http://schemas.microsoft.com/office/drawing/2014/main" xmlns="" id="{2734DEB1-EC02-2E42-9292-4ADD115060A5}"/>
                 </a:ext>
               </a:extLst>
             </p:cNvPr>
@@ -8858,7 +8858,7 @@
           <p:cNvPr id="13" name="Title 1">
             <a:extLst>
               <a:ext uri="{FF2B5EF4-FFF2-40B4-BE49-F238E27FC236}">
-                <a16:creationId xmlns="" xmlns:a16="http://schemas.microsoft.com/office/drawing/2014/main" id="{5E932F0D-7FC3-634B-932C-3625C16C8DE2}"/>
+                <a16:creationId xmlns:a16="http://schemas.microsoft.com/office/drawing/2014/main" xmlns="" id="{5E932F0D-7FC3-634B-932C-3625C16C8DE2}"/>
               </a:ext>
             </a:extLst>
           </p:cNvPr>
@@ -8899,7 +8899,7 @@
           <p:cNvPr id="3" name="Content Placeholder 2">
             <a:extLst>
               <a:ext uri="{FF2B5EF4-FFF2-40B4-BE49-F238E27FC236}">
-                <a16:creationId xmlns="" xmlns:a16="http://schemas.microsoft.com/office/drawing/2014/main" id="{CA1EED44-783E-8705-4119-D7E9F7D4F2B4}"/>
+                <a16:creationId xmlns:a16="http://schemas.microsoft.com/office/drawing/2014/main" xmlns="" id="{CA1EED44-783E-8705-4119-D7E9F7D4F2B4}"/>
               </a:ext>
             </a:extLst>
           </p:cNvPr>
@@ -9029,7 +9029,7 @@
           <p:cNvPr id="4" name="Date Placeholder 3">
             <a:extLst>
               <a:ext uri="{FF2B5EF4-FFF2-40B4-BE49-F238E27FC236}">
-                <a16:creationId xmlns="" xmlns:a16="http://schemas.microsoft.com/office/drawing/2014/main" id="{8E95D4F5-F69B-42F6-8A9D-330F696E144B}"/>
+                <a16:creationId xmlns:a16="http://schemas.microsoft.com/office/drawing/2014/main" xmlns="" id="{8E95D4F5-F69B-42F6-8A9D-330F696E144B}"/>
               </a:ext>
             </a:extLst>
           </p:cNvPr>
@@ -9068,7 +9068,7 @@
           <p:cNvPr id="5" name="Footer Placeholder 4">
             <a:extLst>
               <a:ext uri="{FF2B5EF4-FFF2-40B4-BE49-F238E27FC236}">
-                <a16:creationId xmlns="" xmlns:a16="http://schemas.microsoft.com/office/drawing/2014/main" id="{FA79A23A-2238-4904-8692-9F2DAE8B8FC9}"/>
+                <a16:creationId xmlns:a16="http://schemas.microsoft.com/office/drawing/2014/main" xmlns="" id="{FA79A23A-2238-4904-8692-9F2DAE8B8FC9}"/>
               </a:ext>
             </a:extLst>
           </p:cNvPr>
@@ -9104,7 +9104,7 @@
           <p:cNvPr id="6" name="Slide Number Placeholder 5">
             <a:extLst>
               <a:ext uri="{FF2B5EF4-FFF2-40B4-BE49-F238E27FC236}">
-                <a16:creationId xmlns="" xmlns:a16="http://schemas.microsoft.com/office/drawing/2014/main" id="{DB69FC35-DDC8-45FB-8ACB-21C15F57C1F1}"/>
+                <a16:creationId xmlns:a16="http://schemas.microsoft.com/office/drawing/2014/main" xmlns="" id="{DB69FC35-DDC8-45FB-8ACB-21C15F57C1F1}"/>
               </a:ext>
             </a:extLst>
           </p:cNvPr>
@@ -9180,10 +9180,10 @@
           <p:cNvPr id="4" name="Group 3">
             <a:extLst>
               <a:ext uri="{FF2B5EF4-FFF2-40B4-BE49-F238E27FC236}">
-                <a16:creationId xmlns="" xmlns:a16="http://schemas.microsoft.com/office/drawing/2014/main" id="{95FBCE6F-2AA9-31FE-8148-33B480735599}"/>
+                <a16:creationId xmlns:a16="http://schemas.microsoft.com/office/drawing/2014/main" xmlns="" id="{95FBCE6F-2AA9-31FE-8148-33B480735599}"/>
               </a:ext>
               <a:ext uri="{C183D7F6-B498-43B3-948B-1728B52AA6E4}">
-                <adec:decorative xmlns="" xmlns:adec="http://schemas.microsoft.com/office/drawing/2017/decorative" val="1"/>
+                <adec:decorative xmlns:adec="http://schemas.microsoft.com/office/drawing/2017/decorative" xmlns="" val="1"/>
               </a:ext>
             </a:extLst>
           </p:cNvPr>
@@ -9203,7 +9203,7 @@
             <p:cNvPr id="23" name="Freeform 22">
               <a:extLst>
                 <a:ext uri="{FF2B5EF4-FFF2-40B4-BE49-F238E27FC236}">
-                  <a16:creationId xmlns="" xmlns:a16="http://schemas.microsoft.com/office/drawing/2014/main" id="{067EACEC-C2DD-EA42-8504-176673AD1F20}"/>
+                  <a16:creationId xmlns:a16="http://schemas.microsoft.com/office/drawing/2014/main" xmlns="" id="{067EACEC-C2DD-EA42-8504-176673AD1F20}"/>
                 </a:ext>
               </a:extLst>
             </p:cNvPr>
@@ -9309,7 +9309,7 @@
             <p:cNvPr id="6" name="Group 5">
               <a:extLst>
                 <a:ext uri="{FF2B5EF4-FFF2-40B4-BE49-F238E27FC236}">
-                  <a16:creationId xmlns="" xmlns:a16="http://schemas.microsoft.com/office/drawing/2014/main" id="{89843C7E-5704-7A46-8974-F3BFA42E7310}"/>
+                  <a16:creationId xmlns:a16="http://schemas.microsoft.com/office/drawing/2014/main" xmlns="" id="{89843C7E-5704-7A46-8974-F3BFA42E7310}"/>
                 </a:ext>
               </a:extLst>
             </p:cNvPr>
@@ -9329,7 +9329,7 @@
               <p:cNvPr id="15" name="Freeform 14">
                 <a:extLst>
                   <a:ext uri="{FF2B5EF4-FFF2-40B4-BE49-F238E27FC236}">
-                    <a16:creationId xmlns="" xmlns:a16="http://schemas.microsoft.com/office/drawing/2014/main" id="{EFBF1E52-11FA-DC48-B7AD-75734232FFE8}"/>
+                    <a16:creationId xmlns:a16="http://schemas.microsoft.com/office/drawing/2014/main" xmlns="" id="{EFBF1E52-11FA-DC48-B7AD-75734232FFE8}"/>
                   </a:ext>
                 </a:extLst>
               </p:cNvPr>
@@ -9454,7 +9454,7 @@
               <p:cNvPr id="16" name="Freeform 15">
                 <a:extLst>
                   <a:ext uri="{FF2B5EF4-FFF2-40B4-BE49-F238E27FC236}">
-                    <a16:creationId xmlns="" xmlns:a16="http://schemas.microsoft.com/office/drawing/2014/main" id="{4850B620-49F5-3748-84AF-682555D52792}"/>
+                    <a16:creationId xmlns:a16="http://schemas.microsoft.com/office/drawing/2014/main" xmlns="" id="{4850B620-49F5-3748-84AF-682555D52792}"/>
                   </a:ext>
                 </a:extLst>
               </p:cNvPr>
@@ -9580,7 +9580,7 @@
             <p:cNvPr id="17" name="Freeform 16">
               <a:extLst>
                 <a:ext uri="{FF2B5EF4-FFF2-40B4-BE49-F238E27FC236}">
-                  <a16:creationId xmlns="" xmlns:a16="http://schemas.microsoft.com/office/drawing/2014/main" id="{0B179973-08D2-EF40-B516-35E75E906394}"/>
+                  <a16:creationId xmlns:a16="http://schemas.microsoft.com/office/drawing/2014/main" xmlns="" id="{0B179973-08D2-EF40-B516-35E75E906394}"/>
                 </a:ext>
               </a:extLst>
             </p:cNvPr>
@@ -9679,7 +9679,7 @@
             <p:cNvPr id="18" name="Freeform 17">
               <a:extLst>
                 <a:ext uri="{FF2B5EF4-FFF2-40B4-BE49-F238E27FC236}">
-                  <a16:creationId xmlns="" xmlns:a16="http://schemas.microsoft.com/office/drawing/2014/main" id="{6C811FF3-E48A-194D-8022-65F8C3A17449}"/>
+                  <a16:creationId xmlns:a16="http://schemas.microsoft.com/office/drawing/2014/main" xmlns="" id="{6C811FF3-E48A-194D-8022-65F8C3A17449}"/>
                 </a:ext>
               </a:extLst>
             </p:cNvPr>
@@ -9779,7 +9779,7 @@
           <p:cNvPr id="2" name="Title 1">
             <a:extLst>
               <a:ext uri="{FF2B5EF4-FFF2-40B4-BE49-F238E27FC236}">
-                <a16:creationId xmlns="" xmlns:a16="http://schemas.microsoft.com/office/drawing/2014/main" id="{494248F2-5264-4601-AA0B-6C092F77F2DD}"/>
+                <a16:creationId xmlns:a16="http://schemas.microsoft.com/office/drawing/2014/main" xmlns="" id="{494248F2-5264-4601-AA0B-6C092F77F2DD}"/>
               </a:ext>
             </a:extLst>
           </p:cNvPr>
@@ -9823,7 +9823,7 @@
           <p:cNvPr id="3" name="Subtitle 2">
             <a:extLst>
               <a:ext uri="{FF2B5EF4-FFF2-40B4-BE49-F238E27FC236}">
-                <a16:creationId xmlns="" xmlns:a16="http://schemas.microsoft.com/office/drawing/2014/main" id="{DCFB69D3-5632-4285-A209-9DCA67DA668C}"/>
+                <a16:creationId xmlns:a16="http://schemas.microsoft.com/office/drawing/2014/main" xmlns="" id="{DCFB69D3-5632-4285-A209-9DCA67DA668C}"/>
               </a:ext>
             </a:extLst>
           </p:cNvPr>
@@ -9930,10 +9930,10 @@
           <p:cNvPr id="16" name="Group 15">
             <a:extLst>
               <a:ext uri="{FF2B5EF4-FFF2-40B4-BE49-F238E27FC236}">
-                <a16:creationId xmlns="" xmlns:a16="http://schemas.microsoft.com/office/drawing/2014/main" id="{14DB56B5-5DD7-95E3-52B2-EDC4B3F13058}"/>
+                <a16:creationId xmlns:a16="http://schemas.microsoft.com/office/drawing/2014/main" xmlns="" id="{14DB56B5-5DD7-95E3-52B2-EDC4B3F13058}"/>
               </a:ext>
               <a:ext uri="{C183D7F6-B498-43B3-948B-1728B52AA6E4}">
-                <adec:decorative xmlns="" xmlns:adec="http://schemas.microsoft.com/office/drawing/2017/decorative" val="1"/>
+                <adec:decorative xmlns:adec="http://schemas.microsoft.com/office/drawing/2017/decorative" xmlns="" val="1"/>
               </a:ext>
             </a:extLst>
           </p:cNvPr>
@@ -9953,7 +9953,7 @@
             <p:cNvPr id="4" name="Freeform 3">
               <a:extLst>
                 <a:ext uri="{FF2B5EF4-FFF2-40B4-BE49-F238E27FC236}">
-                  <a16:creationId xmlns="" xmlns:a16="http://schemas.microsoft.com/office/drawing/2014/main" id="{6A7F6A3F-E1DD-A246-9A6D-5F9B18BA2588}"/>
+                  <a16:creationId xmlns:a16="http://schemas.microsoft.com/office/drawing/2014/main" xmlns="" id="{6A7F6A3F-E1DD-A246-9A6D-5F9B18BA2588}"/>
                 </a:ext>
               </a:extLst>
             </p:cNvPr>
@@ -10052,7 +10052,7 @@
             <p:cNvPr id="5" name="Freeform 4">
               <a:extLst>
                 <a:ext uri="{FF2B5EF4-FFF2-40B4-BE49-F238E27FC236}">
-                  <a16:creationId xmlns="" xmlns:a16="http://schemas.microsoft.com/office/drawing/2014/main" id="{055FD0FC-C8FF-6741-A364-A29CDC6F9495}"/>
+                  <a16:creationId xmlns:a16="http://schemas.microsoft.com/office/drawing/2014/main" xmlns="" id="{055FD0FC-C8FF-6741-A364-A29CDC6F9495}"/>
                 </a:ext>
               </a:extLst>
             </p:cNvPr>
@@ -10151,7 +10151,7 @@
             <p:cNvPr id="6" name="Freeform 5">
               <a:extLst>
                 <a:ext uri="{FF2B5EF4-FFF2-40B4-BE49-F238E27FC236}">
-                  <a16:creationId xmlns="" xmlns:a16="http://schemas.microsoft.com/office/drawing/2014/main" id="{D11C9832-A021-954E-A34F-2988D1189AE9}"/>
+                  <a16:creationId xmlns:a16="http://schemas.microsoft.com/office/drawing/2014/main" xmlns="" id="{D11C9832-A021-954E-A34F-2988D1189AE9}"/>
                 </a:ext>
               </a:extLst>
             </p:cNvPr>
@@ -10250,7 +10250,7 @@
             <p:cNvPr id="9" name="Group 8">
               <a:extLst>
                 <a:ext uri="{FF2B5EF4-FFF2-40B4-BE49-F238E27FC236}">
-                  <a16:creationId xmlns="" xmlns:a16="http://schemas.microsoft.com/office/drawing/2014/main" id="{9861BC34-DFBF-2D4F-B463-FCFBC08391FF}"/>
+                  <a16:creationId xmlns:a16="http://schemas.microsoft.com/office/drawing/2014/main" xmlns="" id="{9861BC34-DFBF-2D4F-B463-FCFBC08391FF}"/>
                 </a:ext>
               </a:extLst>
             </p:cNvPr>
@@ -10270,7 +10270,7 @@
               <p:cNvPr id="7" name="Freeform 6">
                 <a:extLst>
                   <a:ext uri="{FF2B5EF4-FFF2-40B4-BE49-F238E27FC236}">
-                    <a16:creationId xmlns="" xmlns:a16="http://schemas.microsoft.com/office/drawing/2014/main" id="{55C37C19-F268-4A43-A0D4-3B1B38D48952}"/>
+                    <a16:creationId xmlns:a16="http://schemas.microsoft.com/office/drawing/2014/main" xmlns="" id="{55C37C19-F268-4A43-A0D4-3B1B38D48952}"/>
                   </a:ext>
                 </a:extLst>
               </p:cNvPr>
@@ -10397,7 +10397,7 @@
               <p:cNvPr id="8" name="Freeform 7">
                 <a:extLst>
                   <a:ext uri="{FF2B5EF4-FFF2-40B4-BE49-F238E27FC236}">
-                    <a16:creationId xmlns="" xmlns:a16="http://schemas.microsoft.com/office/drawing/2014/main" id="{E4F760E5-9D5D-E44F-AEBF-20CA8DE87D11}"/>
+                    <a16:creationId xmlns:a16="http://schemas.microsoft.com/office/drawing/2014/main" xmlns="" id="{E4F760E5-9D5D-E44F-AEBF-20CA8DE87D11}"/>
                   </a:ext>
                 </a:extLst>
               </p:cNvPr>
@@ -10526,7 +10526,7 @@
           <p:cNvPr id="2" name="Title 1">
             <a:extLst>
               <a:ext uri="{FF2B5EF4-FFF2-40B4-BE49-F238E27FC236}">
-                <a16:creationId xmlns="" xmlns:a16="http://schemas.microsoft.com/office/drawing/2014/main" id="{3CD97974-B93C-4C96-B3F6-F69E3D6DE6CA}"/>
+                <a16:creationId xmlns:a16="http://schemas.microsoft.com/office/drawing/2014/main" xmlns="" id="{3CD97974-B93C-4C96-B3F6-F69E3D6DE6CA}"/>
               </a:ext>
             </a:extLst>
           </p:cNvPr>
@@ -10567,7 +10567,7 @@
           <p:cNvPr id="3" name="Content Placeholder 2">
             <a:extLst>
               <a:ext uri="{FF2B5EF4-FFF2-40B4-BE49-F238E27FC236}">
-                <a16:creationId xmlns="" xmlns:a16="http://schemas.microsoft.com/office/drawing/2014/main" id="{8A6FC6F2-80B4-49A7-9448-33FE2DF0E967}"/>
+                <a16:creationId xmlns:a16="http://schemas.microsoft.com/office/drawing/2014/main" xmlns="" id="{8A6FC6F2-80B4-49A7-9448-33FE2DF0E967}"/>
               </a:ext>
             </a:extLst>
           </p:cNvPr>
@@ -10682,7 +10682,7 @@
           <p:cNvPr id="13" name="Content Placeholder 2">
             <a:extLst>
               <a:ext uri="{FF2B5EF4-FFF2-40B4-BE49-F238E27FC236}">
-                <a16:creationId xmlns="" xmlns:a16="http://schemas.microsoft.com/office/drawing/2014/main" id="{94CA559C-3355-DE44-ACF9-BDB6083C4225}"/>
+                <a16:creationId xmlns:a16="http://schemas.microsoft.com/office/drawing/2014/main" xmlns="" id="{94CA559C-3355-DE44-ACF9-BDB6083C4225}"/>
               </a:ext>
             </a:extLst>
           </p:cNvPr>
@@ -10797,7 +10797,7 @@
           <p:cNvPr id="10" name="Date Placeholder 3">
             <a:extLst>
               <a:ext uri="{FF2B5EF4-FFF2-40B4-BE49-F238E27FC236}">
-                <a16:creationId xmlns="" xmlns:a16="http://schemas.microsoft.com/office/drawing/2014/main" id="{7536C149-3EFE-A94E-902D-57CED00B2C0F}"/>
+                <a16:creationId xmlns:a16="http://schemas.microsoft.com/office/drawing/2014/main" xmlns="" id="{7536C149-3EFE-A94E-902D-57CED00B2C0F}"/>
               </a:ext>
             </a:extLst>
           </p:cNvPr>
@@ -10844,7 +10844,7 @@
           <p:cNvPr id="11" name="Footer Placeholder 4">
             <a:extLst>
               <a:ext uri="{FF2B5EF4-FFF2-40B4-BE49-F238E27FC236}">
-                <a16:creationId xmlns="" xmlns:a16="http://schemas.microsoft.com/office/drawing/2014/main" id="{53CA1E78-F17D-F34D-9F81-0DBF44F37894}"/>
+                <a16:creationId xmlns:a16="http://schemas.microsoft.com/office/drawing/2014/main" xmlns="" id="{53CA1E78-F17D-F34D-9F81-0DBF44F37894}"/>
               </a:ext>
             </a:extLst>
           </p:cNvPr>
@@ -10888,7 +10888,7 @@
           <p:cNvPr id="12" name="Slide Number Placeholder 5">
             <a:extLst>
               <a:ext uri="{FF2B5EF4-FFF2-40B4-BE49-F238E27FC236}">
-                <a16:creationId xmlns="" xmlns:a16="http://schemas.microsoft.com/office/drawing/2014/main" id="{1FE54918-A625-F64F-A42E-A427E9B2D489}"/>
+                <a16:creationId xmlns:a16="http://schemas.microsoft.com/office/drawing/2014/main" xmlns="" id="{1FE54918-A625-F64F-A42E-A427E9B2D489}"/>
               </a:ext>
             </a:extLst>
           </p:cNvPr>
@@ -10975,10 +10975,10 @@
           <p:cNvPr id="6" name="Group 5">
             <a:extLst>
               <a:ext uri="{FF2B5EF4-FFF2-40B4-BE49-F238E27FC236}">
-                <a16:creationId xmlns="" xmlns:a16="http://schemas.microsoft.com/office/drawing/2014/main" id="{1A0E8D4A-B13C-C7EE-5E27-278124A1276E}"/>
+                <a16:creationId xmlns:a16="http://schemas.microsoft.com/office/drawing/2014/main" xmlns="" id="{1A0E8D4A-B13C-C7EE-5E27-278124A1276E}"/>
               </a:ext>
               <a:ext uri="{C183D7F6-B498-43B3-948B-1728B52AA6E4}">
-                <adec:decorative xmlns="" xmlns:adec="http://schemas.microsoft.com/office/drawing/2017/decorative" val="1"/>
+                <adec:decorative xmlns:adec="http://schemas.microsoft.com/office/drawing/2017/decorative" xmlns="" val="1"/>
               </a:ext>
             </a:extLst>
           </p:cNvPr>
@@ -10998,7 +10998,7 @@
             <p:cNvPr id="4" name="Freeform 3">
               <a:extLst>
                 <a:ext uri="{FF2B5EF4-FFF2-40B4-BE49-F238E27FC236}">
-                  <a16:creationId xmlns="" xmlns:a16="http://schemas.microsoft.com/office/drawing/2014/main" id="{6A7F6A3F-E1DD-A246-9A6D-5F9B18BA2588}"/>
+                  <a16:creationId xmlns:a16="http://schemas.microsoft.com/office/drawing/2014/main" xmlns="" id="{6A7F6A3F-E1DD-A246-9A6D-5F9B18BA2588}"/>
                 </a:ext>
               </a:extLst>
             </p:cNvPr>
@@ -11097,7 +11097,7 @@
             <p:cNvPr id="5" name="Freeform 4">
               <a:extLst>
                 <a:ext uri="{FF2B5EF4-FFF2-40B4-BE49-F238E27FC236}">
-                  <a16:creationId xmlns="" xmlns:a16="http://schemas.microsoft.com/office/drawing/2014/main" id="{055FD0FC-C8FF-6741-A364-A29CDC6F9495}"/>
+                  <a16:creationId xmlns:a16="http://schemas.microsoft.com/office/drawing/2014/main" xmlns="" id="{055FD0FC-C8FF-6741-A364-A29CDC6F9495}"/>
                 </a:ext>
               </a:extLst>
             </p:cNvPr>
@@ -11197,7 +11197,7 @@
           <p:cNvPr id="2" name="Title 1">
             <a:extLst>
               <a:ext uri="{FF2B5EF4-FFF2-40B4-BE49-F238E27FC236}">
-                <a16:creationId xmlns="" xmlns:a16="http://schemas.microsoft.com/office/drawing/2014/main" id="{3CD97974-B93C-4C96-B3F6-F69E3D6DE6CA}"/>
+                <a16:creationId xmlns:a16="http://schemas.microsoft.com/office/drawing/2014/main" xmlns="" id="{3CD97974-B93C-4C96-B3F6-F69E3D6DE6CA}"/>
               </a:ext>
             </a:extLst>
           </p:cNvPr>
@@ -11241,7 +11241,7 @@
           <p:cNvPr id="14" name="Content Placeholder 2">
             <a:extLst>
               <a:ext uri="{FF2B5EF4-FFF2-40B4-BE49-F238E27FC236}">
-                <a16:creationId xmlns="" xmlns:a16="http://schemas.microsoft.com/office/drawing/2014/main" id="{926B296A-EB6A-9BE9-E813-B15C46524F4D}"/>
+                <a16:creationId xmlns:a16="http://schemas.microsoft.com/office/drawing/2014/main" xmlns="" id="{926B296A-EB6A-9BE9-E813-B15C46524F4D}"/>
               </a:ext>
             </a:extLst>
           </p:cNvPr>
@@ -11371,7 +11371,7 @@
           <p:cNvPr id="9" name="Content Placeholder 2">
             <a:extLst>
               <a:ext uri="{FF2B5EF4-FFF2-40B4-BE49-F238E27FC236}">
-                <a16:creationId xmlns="" xmlns:a16="http://schemas.microsoft.com/office/drawing/2014/main" id="{9435B7D5-E7F8-1267-8942-3C97BE836B98}"/>
+                <a16:creationId xmlns:a16="http://schemas.microsoft.com/office/drawing/2014/main" xmlns="" id="{9435B7D5-E7F8-1267-8942-3C97BE836B98}"/>
               </a:ext>
             </a:extLst>
           </p:cNvPr>
@@ -11501,7 +11501,7 @@
           <p:cNvPr id="10" name="Date Placeholder 3">
             <a:extLst>
               <a:ext uri="{FF2B5EF4-FFF2-40B4-BE49-F238E27FC236}">
-                <a16:creationId xmlns="" xmlns:a16="http://schemas.microsoft.com/office/drawing/2014/main" id="{7536C149-3EFE-A94E-902D-57CED00B2C0F}"/>
+                <a16:creationId xmlns:a16="http://schemas.microsoft.com/office/drawing/2014/main" xmlns="" id="{7536C149-3EFE-A94E-902D-57CED00B2C0F}"/>
               </a:ext>
             </a:extLst>
           </p:cNvPr>
@@ -11548,7 +11548,7 @@
           <p:cNvPr id="11" name="Footer Placeholder 4">
             <a:extLst>
               <a:ext uri="{FF2B5EF4-FFF2-40B4-BE49-F238E27FC236}">
-                <a16:creationId xmlns="" xmlns:a16="http://schemas.microsoft.com/office/drawing/2014/main" id="{53CA1E78-F17D-F34D-9F81-0DBF44F37894}"/>
+                <a16:creationId xmlns:a16="http://schemas.microsoft.com/office/drawing/2014/main" xmlns="" id="{53CA1E78-F17D-F34D-9F81-0DBF44F37894}"/>
               </a:ext>
             </a:extLst>
           </p:cNvPr>
@@ -11592,7 +11592,7 @@
           <p:cNvPr id="12" name="Slide Number Placeholder 5">
             <a:extLst>
               <a:ext uri="{FF2B5EF4-FFF2-40B4-BE49-F238E27FC236}">
-                <a16:creationId xmlns="" xmlns:a16="http://schemas.microsoft.com/office/drawing/2014/main" id="{1FE54918-A625-F64F-A42E-A427E9B2D489}"/>
+                <a16:creationId xmlns:a16="http://schemas.microsoft.com/office/drawing/2014/main" xmlns="" id="{1FE54918-A625-F64F-A42E-A427E9B2D489}"/>
               </a:ext>
             </a:extLst>
           </p:cNvPr>
@@ -11679,10 +11679,10 @@
           <p:cNvPr id="2" name="Group 1">
             <a:extLst>
               <a:ext uri="{FF2B5EF4-FFF2-40B4-BE49-F238E27FC236}">
-                <a16:creationId xmlns="" xmlns:a16="http://schemas.microsoft.com/office/drawing/2014/main" id="{CCEDB282-8288-C81F-52B5-048A3E80C931}"/>
+                <a16:creationId xmlns:a16="http://schemas.microsoft.com/office/drawing/2014/main" xmlns="" id="{CCEDB282-8288-C81F-52B5-048A3E80C931}"/>
               </a:ext>
               <a:ext uri="{C183D7F6-B498-43B3-948B-1728B52AA6E4}">
-                <adec:decorative xmlns="" xmlns:adec="http://schemas.microsoft.com/office/drawing/2017/decorative" val="1"/>
+                <adec:decorative xmlns:adec="http://schemas.microsoft.com/office/drawing/2017/decorative" xmlns="" val="1"/>
               </a:ext>
             </a:extLst>
           </p:cNvPr>
@@ -11702,7 +11702,7 @@
             <p:cNvPr id="7" name="Rectangle 6">
               <a:extLst>
                 <a:ext uri="{FF2B5EF4-FFF2-40B4-BE49-F238E27FC236}">
-                  <a16:creationId xmlns="" xmlns:a16="http://schemas.microsoft.com/office/drawing/2014/main" id="{2A62587F-7496-384A-AF40-18FC8CF0709D}"/>
+                  <a16:creationId xmlns:a16="http://schemas.microsoft.com/office/drawing/2014/main" xmlns="" id="{2A62587F-7496-384A-AF40-18FC8CF0709D}"/>
                 </a:ext>
               </a:extLst>
             </p:cNvPr>
@@ -11751,7 +11751,7 @@
             <p:cNvPr id="12" name="Freeform 11">
               <a:extLst>
                 <a:ext uri="{FF2B5EF4-FFF2-40B4-BE49-F238E27FC236}">
-                  <a16:creationId xmlns="" xmlns:a16="http://schemas.microsoft.com/office/drawing/2014/main" id="{84DB028B-A475-224B-B675-A15A56CAD0BF}"/>
+                  <a16:creationId xmlns:a16="http://schemas.microsoft.com/office/drawing/2014/main" xmlns="" id="{84DB028B-A475-224B-B675-A15A56CAD0BF}"/>
                 </a:ext>
               </a:extLst>
             </p:cNvPr>
@@ -11850,7 +11850,7 @@
             <p:cNvPr id="14" name="Freeform 13">
               <a:extLst>
                 <a:ext uri="{FF2B5EF4-FFF2-40B4-BE49-F238E27FC236}">
-                  <a16:creationId xmlns="" xmlns:a16="http://schemas.microsoft.com/office/drawing/2014/main" id="{61C34955-105B-4D4D-B51D-754C5D38A85D}"/>
+                  <a16:creationId xmlns:a16="http://schemas.microsoft.com/office/drawing/2014/main" xmlns="" id="{61C34955-105B-4D4D-B51D-754C5D38A85D}"/>
                 </a:ext>
               </a:extLst>
             </p:cNvPr>
@@ -11950,7 +11950,7 @@
           <p:cNvPr id="13" name="Title 1">
             <a:extLst>
               <a:ext uri="{FF2B5EF4-FFF2-40B4-BE49-F238E27FC236}">
-                <a16:creationId xmlns="" xmlns:a16="http://schemas.microsoft.com/office/drawing/2014/main" id="{5E932F0D-7FC3-634B-932C-3625C16C8DE2}"/>
+                <a16:creationId xmlns:a16="http://schemas.microsoft.com/office/drawing/2014/main" xmlns="" id="{5E932F0D-7FC3-634B-932C-3625C16C8DE2}"/>
               </a:ext>
             </a:extLst>
           </p:cNvPr>
@@ -11991,7 +11991,7 @@
           <p:cNvPr id="10" name="Content Placeholder 2">
             <a:extLst>
               <a:ext uri="{FF2B5EF4-FFF2-40B4-BE49-F238E27FC236}">
-                <a16:creationId xmlns="" xmlns:a16="http://schemas.microsoft.com/office/drawing/2014/main" id="{B07A1CF7-9B3B-E43E-830E-DAB65B608249}"/>
+                <a16:creationId xmlns:a16="http://schemas.microsoft.com/office/drawing/2014/main" xmlns="" id="{B07A1CF7-9B3B-E43E-830E-DAB65B608249}"/>
               </a:ext>
             </a:extLst>
           </p:cNvPr>
@@ -12121,7 +12121,7 @@
           <p:cNvPr id="8" name="Picture Placeholder 14">
             <a:extLst>
               <a:ext uri="{FF2B5EF4-FFF2-40B4-BE49-F238E27FC236}">
-                <a16:creationId xmlns="" xmlns:a16="http://schemas.microsoft.com/office/drawing/2014/main" id="{D976D8D6-3BDC-1908-3425-FEE3EEF51A26}"/>
+                <a16:creationId xmlns:a16="http://schemas.microsoft.com/office/drawing/2014/main" xmlns="" id="{D976D8D6-3BDC-1908-3425-FEE3EEF51A26}"/>
               </a:ext>
             </a:extLst>
           </p:cNvPr>
@@ -12165,7 +12165,7 @@
           <p:cNvPr id="4" name="Date Placeholder 3">
             <a:extLst>
               <a:ext uri="{FF2B5EF4-FFF2-40B4-BE49-F238E27FC236}">
-                <a16:creationId xmlns="" xmlns:a16="http://schemas.microsoft.com/office/drawing/2014/main" id="{8E95D4F5-F69B-42F6-8A9D-330F696E144B}"/>
+                <a16:creationId xmlns:a16="http://schemas.microsoft.com/office/drawing/2014/main" xmlns="" id="{8E95D4F5-F69B-42F6-8A9D-330F696E144B}"/>
               </a:ext>
             </a:extLst>
           </p:cNvPr>
@@ -12204,7 +12204,7 @@
           <p:cNvPr id="5" name="Footer Placeholder 4">
             <a:extLst>
               <a:ext uri="{FF2B5EF4-FFF2-40B4-BE49-F238E27FC236}">
-                <a16:creationId xmlns="" xmlns:a16="http://schemas.microsoft.com/office/drawing/2014/main" id="{FA79A23A-2238-4904-8692-9F2DAE8B8FC9}"/>
+                <a16:creationId xmlns:a16="http://schemas.microsoft.com/office/drawing/2014/main" xmlns="" id="{FA79A23A-2238-4904-8692-9F2DAE8B8FC9}"/>
               </a:ext>
             </a:extLst>
           </p:cNvPr>
@@ -12240,7 +12240,7 @@
           <p:cNvPr id="6" name="Slide Number Placeholder 5">
             <a:extLst>
               <a:ext uri="{FF2B5EF4-FFF2-40B4-BE49-F238E27FC236}">
-                <a16:creationId xmlns="" xmlns:a16="http://schemas.microsoft.com/office/drawing/2014/main" id="{DB69FC35-DDC8-45FB-8ACB-21C15F57C1F1}"/>
+                <a16:creationId xmlns:a16="http://schemas.microsoft.com/office/drawing/2014/main" xmlns="" id="{DB69FC35-DDC8-45FB-8ACB-21C15F57C1F1}"/>
               </a:ext>
             </a:extLst>
           </p:cNvPr>
@@ -12321,7 +12321,7 @@
           <p:cNvPr id="2" name="Title Placeholder 1">
             <a:extLst>
               <a:ext uri="{FF2B5EF4-FFF2-40B4-BE49-F238E27FC236}">
-                <a16:creationId xmlns="" xmlns:a16="http://schemas.microsoft.com/office/drawing/2014/main" id="{9198F9AA-2C87-421D-97C1-B4248DFDC2C2}"/>
+                <a16:creationId xmlns:a16="http://schemas.microsoft.com/office/drawing/2014/main" xmlns="" id="{9198F9AA-2C87-421D-97C1-B4248DFDC2C2}"/>
               </a:ext>
             </a:extLst>
           </p:cNvPr>
@@ -12359,7 +12359,7 @@
           <p:cNvPr id="3" name="Text Placeholder 2">
             <a:extLst>
               <a:ext uri="{FF2B5EF4-FFF2-40B4-BE49-F238E27FC236}">
-                <a16:creationId xmlns="" xmlns:a16="http://schemas.microsoft.com/office/drawing/2014/main" id="{AE98FC63-C8D2-4CE6-A3F1-EE8ED24590C4}"/>
+                <a16:creationId xmlns:a16="http://schemas.microsoft.com/office/drawing/2014/main" xmlns="" id="{AE98FC63-C8D2-4CE6-A3F1-EE8ED24590C4}"/>
               </a:ext>
             </a:extLst>
           </p:cNvPr>
@@ -12426,7 +12426,7 @@
           <p:cNvPr id="4" name="Date Placeholder 3">
             <a:extLst>
               <a:ext uri="{FF2B5EF4-FFF2-40B4-BE49-F238E27FC236}">
-                <a16:creationId xmlns="" xmlns:a16="http://schemas.microsoft.com/office/drawing/2014/main" id="{EED77A09-15C2-4E47-948E-AACAFCA47D40}"/>
+                <a16:creationId xmlns:a16="http://schemas.microsoft.com/office/drawing/2014/main" xmlns="" id="{EED77A09-15C2-4E47-948E-AACAFCA47D40}"/>
               </a:ext>
             </a:extLst>
           </p:cNvPr>
@@ -12473,7 +12473,7 @@
           <p:cNvPr id="5" name="Footer Placeholder 4">
             <a:extLst>
               <a:ext uri="{FF2B5EF4-FFF2-40B4-BE49-F238E27FC236}">
-                <a16:creationId xmlns="" xmlns:a16="http://schemas.microsoft.com/office/drawing/2014/main" id="{60567522-C3B6-46EB-A361-BEC2510B00CA}"/>
+                <a16:creationId xmlns:a16="http://schemas.microsoft.com/office/drawing/2014/main" xmlns="" id="{60567522-C3B6-46EB-A361-BEC2510B00CA}"/>
               </a:ext>
             </a:extLst>
           </p:cNvPr>
@@ -12517,7 +12517,7 @@
           <p:cNvPr id="6" name="Slide Number Placeholder 5">
             <a:extLst>
               <a:ext uri="{FF2B5EF4-FFF2-40B4-BE49-F238E27FC236}">
-                <a16:creationId xmlns="" xmlns:a16="http://schemas.microsoft.com/office/drawing/2014/main" id="{CDC57CF0-034F-450D-937C-718D5AF1A059}"/>
+                <a16:creationId xmlns:a16="http://schemas.microsoft.com/office/drawing/2014/main" xmlns="" id="{CDC57CF0-034F-450D-937C-718D5AF1A059}"/>
               </a:ext>
             </a:extLst>
           </p:cNvPr>
@@ -12867,7 +12867,7 @@
   </p:txStyles>
   <p:extLst mod="1">
     <p:ext uri="{27BBF7A9-308A-43DC-89C8-2F10F3537804}">
-      <p15:sldGuideLst xmlns="" xmlns:p15="http://schemas.microsoft.com/office/powerpoint/2012/main">
+      <p15:sldGuideLst xmlns:p15="http://schemas.microsoft.com/office/powerpoint/2012/main" xmlns="">
         <p15:guide id="1" orient="horz" pos="2160" userDrawn="1">
           <p15:clr>
             <a:srgbClr val="A4A3A4"/>
@@ -12976,7 +12976,7 @@
           <p:cNvPr id="2" name="Title 1">
             <a:extLst>
               <a:ext uri="{FF2B5EF4-FFF2-40B4-BE49-F238E27FC236}">
-                <a16:creationId xmlns="" xmlns:a16="http://schemas.microsoft.com/office/drawing/2014/main" id="{51DF3D98-3C30-4CFC-8643-C81E829C8C25}"/>
+                <a16:creationId xmlns:a16="http://schemas.microsoft.com/office/drawing/2014/main" xmlns="" id="{51DF3D98-3C30-4CFC-8643-C81E829C8C25}"/>
               </a:ext>
             </a:extLst>
           </p:cNvPr>
@@ -12989,7 +12989,7 @@
         </p:nvSpPr>
         <p:spPr>
           <a:xfrm>
-            <a:off x="1653873" y="-2271023"/>
+            <a:off x="1542113" y="-2353336"/>
             <a:ext cx="6919510" cy="4085472"/>
           </a:xfrm>
         </p:spPr>
@@ -12998,10 +12998,16 @@
           <a:lstStyle/>
           <a:p>
             <a:r>
-              <a:rPr lang="en-US" dirty="0" smtClean="0"/>
+              <a:rPr lang="en-US" sz="6600" dirty="0" smtClean="0">
+                <a:latin typeface="Times New Roman" pitchFamily="18" charset="0"/>
+                <a:cs typeface="Times New Roman" pitchFamily="18" charset="0"/>
+              </a:rPr>
               <a:t>PID Algorithm</a:t>
             </a:r>
-            <a:endParaRPr lang="en-US" dirty="0"/>
+            <a:endParaRPr lang="en-US" sz="6600" dirty="0">
+              <a:latin typeface="Times New Roman" pitchFamily="18" charset="0"/>
+              <a:cs typeface="Times New Roman" pitchFamily="18" charset="0"/>
+            </a:endParaRPr>
           </a:p>
         </p:txBody>
       </p:sp>
@@ -13030,6 +13036,196 @@
           <a:xfrm>
             <a:off x="10273141" y="1280009"/>
             <a:ext cx="1211356" cy="1011078"/>
+          </a:xfrm>
+          <a:prstGeom prst="rect">
+            <a:avLst/>
+          </a:prstGeom>
+          <a:noFill/>
+          <a:extLst>
+            <a:ext uri="{909E8E84-426E-40DD-AFC4-6F175D3DCCD1}">
+              <a14:hiddenFill xmlns:a14="http://schemas.microsoft.com/office/drawing/2010/main">
+                <a:solidFill>
+                  <a:srgbClr val="FFFFFF"/>
+                </a:solidFill>
+              </a14:hiddenFill>
+            </a:ext>
+          </a:extLst>
+        </p:spPr>
+      </p:pic>
+      <p:pic>
+        <p:nvPicPr>
+          <p:cNvPr id="3" name="Picture 2" descr="C:\Users\user\Downloads\095ab152-bccc-41d2-9bfb-141ab9659486.png"/>
+          <p:cNvPicPr>
+            <a:picLocks noChangeAspect="1" noChangeArrowheads="1"/>
+          </p:cNvPicPr>
+          <p:nvPr/>
+        </p:nvPicPr>
+        <p:blipFill>
+          <a:blip r:embed="rId4">
+            <a:extLst>
+              <a:ext uri="{28A0092B-C50C-407E-A947-70E740481C1C}">
+                <a14:useLocalDpi xmlns:a14="http://schemas.microsoft.com/office/drawing/2010/main" val="0"/>
+              </a:ext>
+            </a:extLst>
+          </a:blip>
+          <a:srcRect/>
+          <a:stretch>
+            <a:fillRect/>
+          </a:stretch>
+        </p:blipFill>
+        <p:spPr bwMode="auto">
+          <a:xfrm>
+            <a:off x="8798560" y="5811520"/>
+            <a:ext cx="1920240" cy="1920240"/>
+          </a:xfrm>
+          <a:prstGeom prst="rect">
+            <a:avLst/>
+          </a:prstGeom>
+          <a:noFill/>
+          <a:extLst>
+            <a:ext uri="{909E8E84-426E-40DD-AFC4-6F175D3DCCD1}">
+              <a14:hiddenFill xmlns:a14="http://schemas.microsoft.com/office/drawing/2010/main">
+                <a:solidFill>
+                  <a:srgbClr val="FFFFFF"/>
+                </a:solidFill>
+              </a14:hiddenFill>
+            </a:ext>
+          </a:extLst>
+        </p:spPr>
+      </p:pic>
+      <p:sp>
+        <p:nvSpPr>
+          <p:cNvPr id="5" name="Rectangle 4"/>
+          <p:cNvSpPr/>
+          <p:nvPr/>
+        </p:nvSpPr>
+        <p:spPr>
+          <a:xfrm>
+            <a:off x="2236552" y="6746240"/>
+            <a:ext cx="3089372" cy="369332"/>
+          </a:xfrm>
+          <a:prstGeom prst="rect">
+            <a:avLst/>
+          </a:prstGeom>
+        </p:spPr>
+        <p:txBody>
+          <a:bodyPr wrap="none">
+            <a:spAutoFit/>
+          </a:bodyPr>
+          <a:lstStyle/>
+          <a:p>
+            <a:r>
+              <a:rPr lang="en-US" dirty="0" smtClean="0">
+                <a:latin typeface="Times New Roman" pitchFamily="18" charset="0"/>
+                <a:cs typeface="Times New Roman" pitchFamily="18" charset="0"/>
+              </a:rPr>
+              <a:t>Prepared </a:t>
+            </a:r>
+            <a:r>
+              <a:rPr lang="en-US" dirty="0">
+                <a:latin typeface="Times New Roman" pitchFamily="18" charset="0"/>
+                <a:cs typeface="Times New Roman" pitchFamily="18" charset="0"/>
+              </a:rPr>
+              <a:t>by: </a:t>
+            </a:r>
+            <a:r>
+              <a:rPr lang="en-US" dirty="0" err="1">
+                <a:latin typeface="Times New Roman" pitchFamily="18" charset="0"/>
+                <a:cs typeface="Times New Roman" pitchFamily="18" charset="0"/>
+              </a:rPr>
+              <a:t>Qossay</a:t>
+            </a:r>
+            <a:r>
+              <a:rPr lang="en-US" dirty="0">
+                <a:latin typeface="Times New Roman" pitchFamily="18" charset="0"/>
+                <a:cs typeface="Times New Roman" pitchFamily="18" charset="0"/>
+              </a:rPr>
+              <a:t> Abu </a:t>
+            </a:r>
+            <a:r>
+              <a:rPr lang="en-US" dirty="0" err="1">
+                <a:latin typeface="Times New Roman" pitchFamily="18" charset="0"/>
+                <a:cs typeface="Times New Roman" pitchFamily="18" charset="0"/>
+              </a:rPr>
+              <a:t>Rida</a:t>
+            </a:r>
+            <a:r>
+              <a:rPr lang="en-US" dirty="0">
+                <a:latin typeface="Times New Roman" pitchFamily="18" charset="0"/>
+                <a:cs typeface="Times New Roman" pitchFamily="18" charset="0"/>
+              </a:rPr>
+              <a:t> </a:t>
+            </a:r>
+          </a:p>
+        </p:txBody>
+      </p:sp>
+      <p:sp>
+        <p:nvSpPr>
+          <p:cNvPr id="4" name="Rectangle 3"/>
+          <p:cNvSpPr/>
+          <p:nvPr/>
+        </p:nvSpPr>
+        <p:spPr>
+          <a:xfrm>
+            <a:off x="1989547" y="1711696"/>
+            <a:ext cx="4414670" cy="369332"/>
+          </a:xfrm>
+          <a:prstGeom prst="rect">
+            <a:avLst/>
+          </a:prstGeom>
+        </p:spPr>
+        <p:txBody>
+          <a:bodyPr wrap="none">
+            <a:spAutoFit/>
+          </a:bodyPr>
+          <a:lstStyle/>
+          <a:p>
+            <a:r>
+              <a:rPr lang="en-US" b="1" dirty="0" smtClean="0">
+                <a:latin typeface="Times New Roman" pitchFamily="18" charset="0"/>
+                <a:cs typeface="Times New Roman" pitchFamily="18" charset="0"/>
+              </a:rPr>
+              <a:t>Proportional Integral Derivative </a:t>
+            </a:r>
+            <a:r>
+              <a:rPr lang="en-US" b="1" dirty="0">
+                <a:latin typeface="Times New Roman" pitchFamily="18" charset="0"/>
+                <a:cs typeface="Times New Roman" pitchFamily="18" charset="0"/>
+              </a:rPr>
+              <a:t>controller</a:t>
+            </a:r>
+            <a:endParaRPr lang="en-US" dirty="0">
+              <a:latin typeface="Times New Roman" pitchFamily="18" charset="0"/>
+              <a:cs typeface="Times New Roman" pitchFamily="18" charset="0"/>
+            </a:endParaRPr>
+          </a:p>
+        </p:txBody>
+      </p:sp>
+      <p:pic>
+        <p:nvPicPr>
+          <p:cNvPr id="7" name="Picture 2" descr="C:\Users\user\Downloads\0_6qwQPLegKNIOW_Et-removebg-preview.png"/>
+          <p:cNvPicPr>
+            <a:picLocks noChangeAspect="1" noChangeArrowheads="1"/>
+          </p:cNvPicPr>
+          <p:nvPr/>
+        </p:nvPicPr>
+        <p:blipFill>
+          <a:blip r:embed="rId5">
+            <a:extLst>
+              <a:ext uri="{28A0092B-C50C-407E-A947-70E740481C1C}">
+                <a14:useLocalDpi xmlns:a14="http://schemas.microsoft.com/office/drawing/2010/main" val="0"/>
+              </a:ext>
+            </a:extLst>
+          </a:blip>
+          <a:srcRect/>
+          <a:stretch>
+            <a:fillRect/>
+          </a:stretch>
+        </p:blipFill>
+        <p:spPr bwMode="auto">
+          <a:xfrm>
+            <a:off x="1786588" y="2081028"/>
+            <a:ext cx="4820587" cy="2448116"/>
           </a:xfrm>
           <a:prstGeom prst="rect">
             <a:avLst/>
@@ -13088,7 +13284,7 @@
           <p:cNvPr id="2" name="Title 1">
             <a:extLst>
               <a:ext uri="{FF2B5EF4-FFF2-40B4-BE49-F238E27FC236}">
-                <a16:creationId xmlns="" xmlns:a16="http://schemas.microsoft.com/office/drawing/2014/main" id="{6FE02FA0-5805-E9D5-E5A1-5B4B485CB096}"/>
+                <a16:creationId xmlns:a16="http://schemas.microsoft.com/office/drawing/2014/main" xmlns="" id="{6FE02FA0-5805-E9D5-E5A1-5B4B485CB096}"/>
               </a:ext>
             </a:extLst>
           </p:cNvPr>
@@ -13121,7 +13317,7 @@
           <p:cNvPr id="4" name="Content Placeholder 3">
             <a:extLst>
               <a:ext uri="{FF2B5EF4-FFF2-40B4-BE49-F238E27FC236}">
-                <a16:creationId xmlns="" xmlns:a16="http://schemas.microsoft.com/office/drawing/2014/main" id="{EAE9A705-E123-1C6C-EC93-CEE377B741CC}"/>
+                <a16:creationId xmlns:a16="http://schemas.microsoft.com/office/drawing/2014/main" xmlns="" id="{EAE9A705-E123-1C6C-EC93-CEE377B741CC}"/>
               </a:ext>
             </a:extLst>
           </p:cNvPr>
@@ -13260,7 +13456,7 @@
           <p:cNvPr id="2" name="Title 1">
             <a:extLst>
               <a:ext uri="{FF2B5EF4-FFF2-40B4-BE49-F238E27FC236}">
-                <a16:creationId xmlns="" xmlns:a16="http://schemas.microsoft.com/office/drawing/2014/main" id="{97DC00FF-6B42-7D84-7831-AACC4E189E93}"/>
+                <a16:creationId xmlns:a16="http://schemas.microsoft.com/office/drawing/2014/main" xmlns="" id="{97DC00FF-6B42-7D84-7831-AACC4E189E93}"/>
               </a:ext>
             </a:extLst>
           </p:cNvPr>
@@ -13293,7 +13489,7 @@
           <p:cNvPr id="7" name="Content Placeholder 6">
             <a:extLst>
               <a:ext uri="{FF2B5EF4-FFF2-40B4-BE49-F238E27FC236}">
-                <a16:creationId xmlns="" xmlns:a16="http://schemas.microsoft.com/office/drawing/2014/main" id="{CC7FC500-BBFB-3AA4-BEDE-038CB94FFF61}"/>
+                <a16:creationId xmlns:a16="http://schemas.microsoft.com/office/drawing/2014/main" xmlns="" id="{CC7FC500-BBFB-3AA4-BEDE-038CB94FFF61}"/>
               </a:ext>
             </a:extLst>
           </p:cNvPr>
@@ -13350,7 +13546,7 @@
           <p:cNvPr id="4" name="Content Placeholder 3">
             <a:extLst>
               <a:ext uri="{FF2B5EF4-FFF2-40B4-BE49-F238E27FC236}">
-                <a16:creationId xmlns="" xmlns:a16="http://schemas.microsoft.com/office/drawing/2014/main" id="{DE5C7B5A-A5C3-15D4-DF71-B692D28942FC}"/>
+                <a16:creationId xmlns:a16="http://schemas.microsoft.com/office/drawing/2014/main" xmlns="" id="{DE5C7B5A-A5C3-15D4-DF71-B692D28942FC}"/>
               </a:ext>
             </a:extLst>
           </p:cNvPr>
@@ -13516,7 +13712,7 @@
           <p:cNvPr id="2" name="Title 1">
             <a:extLst>
               <a:ext uri="{FF2B5EF4-FFF2-40B4-BE49-F238E27FC236}">
-                <a16:creationId xmlns="" xmlns:a16="http://schemas.microsoft.com/office/drawing/2014/main" id="{CB00786E-306F-FA21-4F87-81A032C68696}"/>
+                <a16:creationId xmlns:a16="http://schemas.microsoft.com/office/drawing/2014/main" xmlns="" id="{CB00786E-306F-FA21-4F87-81A032C68696}"/>
               </a:ext>
             </a:extLst>
           </p:cNvPr>
@@ -13546,7 +13742,7 @@
       </p:sp>
       <p:pic>
         <p:nvPicPr>
-          <p:cNvPr id="2050" name="Picture 2" descr="C:\Users\user\Downloads\0_6qwQPLegKNIOW_Et-removebg-preview.png"/>
+          <p:cNvPr id="5" name="Picture 2" descr="D:\kakush\Kakush_Logo\png\logo-no-background.png"/>
           <p:cNvPicPr>
             <a:picLocks noChangeAspect="1" noChangeArrowheads="1"/>
           </p:cNvPicPr>
@@ -13554,47 +13750,6 @@
         </p:nvPicPr>
         <p:blipFill>
           <a:blip r:embed="rId3">
-            <a:extLst>
-              <a:ext uri="{28A0092B-C50C-407E-A947-70E740481C1C}">
-                <a14:useLocalDpi xmlns:a14="http://schemas.microsoft.com/office/drawing/2010/main" val="0"/>
-              </a:ext>
-            </a:extLst>
-          </a:blip>
-          <a:srcRect/>
-          <a:stretch>
-            <a:fillRect/>
-          </a:stretch>
-        </p:blipFill>
-        <p:spPr bwMode="auto">
-          <a:xfrm>
-            <a:off x="1949912" y="2344114"/>
-            <a:ext cx="7737315" cy="3929364"/>
-          </a:xfrm>
-          <a:prstGeom prst="rect">
-            <a:avLst/>
-          </a:prstGeom>
-          <a:noFill/>
-          <a:extLst>
-            <a:ext uri="{909E8E84-426E-40DD-AFC4-6F175D3DCCD1}">
-              <a14:hiddenFill xmlns:a14="http://schemas.microsoft.com/office/drawing/2010/main">
-                <a:solidFill>
-                  <a:srgbClr val="FFFFFF"/>
-                </a:solidFill>
-              </a14:hiddenFill>
-            </a:ext>
-          </a:extLst>
-        </p:spPr>
-      </p:pic>
-      <p:pic>
-        <p:nvPicPr>
-          <p:cNvPr id="5" name="Picture 2" descr="D:\kakush\Kakush_Logo\png\logo-no-background.png"/>
-          <p:cNvPicPr>
-            <a:picLocks noChangeAspect="1" noChangeArrowheads="1"/>
-          </p:cNvPicPr>
-          <p:nvPr/>
-        </p:nvPicPr>
-        <p:blipFill>
-          <a:blip r:embed="rId4">
             <a:extLst>
               <a:ext uri="{28A0092B-C50C-407E-A947-70E740481C1C}">
                 <a14:useLocalDpi xmlns:a14="http://schemas.microsoft.com/office/drawing/2010/main" val="0"/>
@@ -13668,7 +13823,7 @@
           <p:cNvPr id="7" name="Title 6">
             <a:extLst>
               <a:ext uri="{FF2B5EF4-FFF2-40B4-BE49-F238E27FC236}">
-                <a16:creationId xmlns="" xmlns:a16="http://schemas.microsoft.com/office/drawing/2014/main" id="{81C753FD-96EC-101A-B8A4-5F69A189BEF4}"/>
+                <a16:creationId xmlns:a16="http://schemas.microsoft.com/office/drawing/2014/main" xmlns="" id="{81C753FD-96EC-101A-B8A4-5F69A189BEF4}"/>
               </a:ext>
             </a:extLst>
           </p:cNvPr>
@@ -13693,7 +13848,6 @@
               <a:rPr lang="en-US" dirty="0"/>
               <a:t>Contact us</a:t>
             </a:r>
-            <a:endParaRPr lang="en-US" dirty="0"/>
           </a:p>
         </p:txBody>
       </p:sp>
@@ -14032,7 +14186,7 @@
           <p:cNvPr id="2" name="Title 1">
             <a:extLst>
               <a:ext uri="{FF2B5EF4-FFF2-40B4-BE49-F238E27FC236}">
-                <a16:creationId xmlns="" xmlns:a16="http://schemas.microsoft.com/office/drawing/2014/main" id="{912DF434-28DB-4621-A497-D62C41CE0419}"/>
+                <a16:creationId xmlns:a16="http://schemas.microsoft.com/office/drawing/2014/main" xmlns="" id="{912DF434-28DB-4621-A497-D62C41CE0419}"/>
               </a:ext>
             </a:extLst>
           </p:cNvPr>
@@ -14065,7 +14219,7 @@
           <p:cNvPr id="3" name="Content Placeholder 2">
             <a:extLst>
               <a:ext uri="{FF2B5EF4-FFF2-40B4-BE49-F238E27FC236}">
-                <a16:creationId xmlns="" xmlns:a16="http://schemas.microsoft.com/office/drawing/2014/main" id="{22788C46-D0BC-4307-AE55-7601A139E7CB}"/>
+                <a16:creationId xmlns:a16="http://schemas.microsoft.com/office/drawing/2014/main" xmlns="" id="{22788C46-D0BC-4307-AE55-7601A139E7CB}"/>
               </a:ext>
             </a:extLst>
           </p:cNvPr>
@@ -14202,7 +14356,7 @@
           <p:cNvPr id="2" name="Title 1">
             <a:extLst>
               <a:ext uri="{FF2B5EF4-FFF2-40B4-BE49-F238E27FC236}">
-                <a16:creationId xmlns="" xmlns:a16="http://schemas.microsoft.com/office/drawing/2014/main" id="{6F148DD4-4828-CE87-0C5C-42BE175E8DA5}"/>
+                <a16:creationId xmlns:a16="http://schemas.microsoft.com/office/drawing/2014/main" xmlns="" id="{6F148DD4-4828-CE87-0C5C-42BE175E8DA5}"/>
               </a:ext>
             </a:extLst>
           </p:cNvPr>
@@ -14325,7 +14479,7 @@
           <p:cNvPr id="2" name="Title 1">
             <a:extLst>
               <a:ext uri="{FF2B5EF4-FFF2-40B4-BE49-F238E27FC236}">
-                <a16:creationId xmlns="" xmlns:a16="http://schemas.microsoft.com/office/drawing/2014/main" id="{E3CEE190-899A-46D2-989D-C4BC6A46F946}"/>
+                <a16:creationId xmlns:a16="http://schemas.microsoft.com/office/drawing/2014/main" xmlns="" id="{E3CEE190-899A-46D2-989D-C4BC6A46F946}"/>
               </a:ext>
             </a:extLst>
           </p:cNvPr>
@@ -14358,7 +14512,7 @@
           <p:cNvPr id="3" name="Subtitle 2">
             <a:extLst>
               <a:ext uri="{FF2B5EF4-FFF2-40B4-BE49-F238E27FC236}">
-                <a16:creationId xmlns="" xmlns:a16="http://schemas.microsoft.com/office/drawing/2014/main" id="{26BC9DE8-A5CC-4BE1-0DE5-CB15D01A7919}"/>
+                <a16:creationId xmlns:a16="http://schemas.microsoft.com/office/drawing/2014/main" xmlns="" id="{26BC9DE8-A5CC-4BE1-0DE5-CB15D01A7919}"/>
               </a:ext>
             </a:extLst>
           </p:cNvPr>
@@ -14481,7 +14635,7 @@
           <p:cNvPr id="5" name="Title 4">
             <a:extLst>
               <a:ext uri="{FF2B5EF4-FFF2-40B4-BE49-F238E27FC236}">
-                <a16:creationId xmlns="" xmlns:a16="http://schemas.microsoft.com/office/drawing/2014/main" id="{7FF5EE67-DE83-C00F-F31C-58A2B46234DB}"/>
+                <a16:creationId xmlns:a16="http://schemas.microsoft.com/office/drawing/2014/main" xmlns="" id="{7FF5EE67-DE83-C00F-F31C-58A2B46234DB}"/>
               </a:ext>
             </a:extLst>
           </p:cNvPr>
@@ -14514,7 +14668,7 @@
           <p:cNvPr id="3" name="Content Placeholder 2">
             <a:extLst>
               <a:ext uri="{FF2B5EF4-FFF2-40B4-BE49-F238E27FC236}">
-                <a16:creationId xmlns="" xmlns:a16="http://schemas.microsoft.com/office/drawing/2014/main" id="{DAF7743C-9A64-6DD7-26EC-7870E2484D2F}"/>
+                <a16:creationId xmlns:a16="http://schemas.microsoft.com/office/drawing/2014/main" xmlns="" id="{DAF7743C-9A64-6DD7-26EC-7870E2484D2F}"/>
               </a:ext>
             </a:extLst>
           </p:cNvPr>
@@ -14645,7 +14799,7 @@
           <p:cNvPr id="2" name="Title 1">
             <a:extLst>
               <a:ext uri="{FF2B5EF4-FFF2-40B4-BE49-F238E27FC236}">
-                <a16:creationId xmlns="" xmlns:a16="http://schemas.microsoft.com/office/drawing/2014/main" id="{12EAA093-E00B-31E9-0A13-71142E30E57C}"/>
+                <a16:creationId xmlns:a16="http://schemas.microsoft.com/office/drawing/2014/main" xmlns="" id="{12EAA093-E00B-31E9-0A13-71142E30E57C}"/>
               </a:ext>
             </a:extLst>
           </p:cNvPr>
@@ -14685,7 +14839,7 @@
           <p:cNvPr id="3" name="Subtitle 2">
             <a:extLst>
               <a:ext uri="{FF2B5EF4-FFF2-40B4-BE49-F238E27FC236}">
-                <a16:creationId xmlns="" xmlns:a16="http://schemas.microsoft.com/office/drawing/2014/main" id="{C62C8177-F0B6-B02C-3682-183D8307E999}"/>
+                <a16:creationId xmlns:a16="http://schemas.microsoft.com/office/drawing/2014/main" xmlns="" id="{C62C8177-F0B6-B02C-3682-183D8307E999}"/>
               </a:ext>
             </a:extLst>
           </p:cNvPr>
@@ -14796,7 +14950,7 @@
           <p:cNvPr id="6" name="Title 5">
             <a:extLst>
               <a:ext uri="{FF2B5EF4-FFF2-40B4-BE49-F238E27FC236}">
-                <a16:creationId xmlns="" xmlns:a16="http://schemas.microsoft.com/office/drawing/2014/main" id="{EDF9E134-98AA-3ECE-E40A-180C85ACD7D5}"/>
+                <a16:creationId xmlns:a16="http://schemas.microsoft.com/office/drawing/2014/main" xmlns="" id="{EDF9E134-98AA-3ECE-E40A-180C85ACD7D5}"/>
               </a:ext>
             </a:extLst>
           </p:cNvPr>
@@ -14829,7 +14983,7 @@
           <p:cNvPr id="3" name="Content Placeholder 2">
             <a:extLst>
               <a:ext uri="{FF2B5EF4-FFF2-40B4-BE49-F238E27FC236}">
-                <a16:creationId xmlns="" xmlns:a16="http://schemas.microsoft.com/office/drawing/2014/main" id="{D1455C0B-19FB-954B-532A-0A68CAC4E0E4}"/>
+                <a16:creationId xmlns:a16="http://schemas.microsoft.com/office/drawing/2014/main" xmlns="" id="{D1455C0B-19FB-954B-532A-0A68CAC4E0E4}"/>
               </a:ext>
             </a:extLst>
           </p:cNvPr>
@@ -14883,7 +15037,7 @@
           <p:cNvPr id="4" name="Content Placeholder 3">
             <a:extLst>
               <a:ext uri="{FF2B5EF4-FFF2-40B4-BE49-F238E27FC236}">
-                <a16:creationId xmlns="" xmlns:a16="http://schemas.microsoft.com/office/drawing/2014/main" id="{DBA34351-9D9C-8C32-5CC0-3F19A1CAC037}"/>
+                <a16:creationId xmlns:a16="http://schemas.microsoft.com/office/drawing/2014/main" xmlns="" id="{DBA34351-9D9C-8C32-5CC0-3F19A1CAC037}"/>
               </a:ext>
             </a:extLst>
           </p:cNvPr>
@@ -15027,7 +15181,7 @@
           <p:cNvPr id="6" name="Title 5">
             <a:extLst>
               <a:ext uri="{FF2B5EF4-FFF2-40B4-BE49-F238E27FC236}">
-                <a16:creationId xmlns="" xmlns:a16="http://schemas.microsoft.com/office/drawing/2014/main" id="{64CFB73D-B7C9-A177-04F3-E48E841A875E}"/>
+                <a16:creationId xmlns:a16="http://schemas.microsoft.com/office/drawing/2014/main" xmlns="" id="{64CFB73D-B7C9-A177-04F3-E48E841A875E}"/>
               </a:ext>
             </a:extLst>
           </p:cNvPr>
@@ -15060,7 +15214,7 @@
           <p:cNvPr id="4" name="Content Placeholder 3">
             <a:extLst>
               <a:ext uri="{FF2B5EF4-FFF2-40B4-BE49-F238E27FC236}">
-                <a16:creationId xmlns="" xmlns:a16="http://schemas.microsoft.com/office/drawing/2014/main" id="{DBA34351-9D9C-8C32-5CC0-3F19A1CAC037}"/>
+                <a16:creationId xmlns:a16="http://schemas.microsoft.com/office/drawing/2014/main" xmlns="" id="{DBA34351-9D9C-8C32-5CC0-3F19A1CAC037}"/>
               </a:ext>
             </a:extLst>
           </p:cNvPr>
@@ -15107,7 +15261,7 @@
           <p:cNvPr id="3" name="Content Placeholder 2">
             <a:extLst>
               <a:ext uri="{FF2B5EF4-FFF2-40B4-BE49-F238E27FC236}">
-                <a16:creationId xmlns="" xmlns:a16="http://schemas.microsoft.com/office/drawing/2014/main" id="{D1455C0B-19FB-954B-532A-0A68CAC4E0E4}"/>
+                <a16:creationId xmlns:a16="http://schemas.microsoft.com/office/drawing/2014/main" xmlns="" id="{D1455C0B-19FB-954B-532A-0A68CAC4E0E4}"/>
               </a:ext>
             </a:extLst>
           </p:cNvPr>
@@ -15210,7 +15364,7 @@
           <p:cNvPr id="2" name="Title 1">
             <a:extLst>
               <a:ext uri="{FF2B5EF4-FFF2-40B4-BE49-F238E27FC236}">
-                <a16:creationId xmlns="" xmlns:a16="http://schemas.microsoft.com/office/drawing/2014/main" id="{E97EF58C-138C-55F4-DA77-4C3F06C81A1C}"/>
+                <a16:creationId xmlns:a16="http://schemas.microsoft.com/office/drawing/2014/main" xmlns="" id="{E97EF58C-138C-55F4-DA77-4C3F06C81A1C}"/>
               </a:ext>
             </a:extLst>
           </p:cNvPr>
@@ -15243,7 +15397,7 @@
           <p:cNvPr id="3" name="Content Placeholder 2">
             <a:extLst>
               <a:ext uri="{FF2B5EF4-FFF2-40B4-BE49-F238E27FC236}">
-                <a16:creationId xmlns="" xmlns:a16="http://schemas.microsoft.com/office/drawing/2014/main" id="{9B5DDE7C-335B-FD23-E1E6-CDCB99B7878C}"/>
+                <a16:creationId xmlns:a16="http://schemas.microsoft.com/office/drawing/2014/main" xmlns="" id="{9B5DDE7C-335B-FD23-E1E6-CDCB99B7878C}"/>
               </a:ext>
             </a:extLst>
           </p:cNvPr>
@@ -15504,7 +15658,7 @@
   <a:extraClrSchemeLst/>
   <a:extLst>
     <a:ext uri="{05A4C25C-085E-4340-85A3-A5531E510DB2}">
-      <thm15:themeFamily xmlns="" xmlns:thm15="http://schemas.microsoft.com/office/thememl/2012/main" name="TM45331398_Win32_SL_V13" id="{C59E605D-C281-4A06-BDA0-E97A35AC3AA8}" vid="{25D1D206-DA25-4050-926A-BD6D3A1B506F}"/>
+      <thm15:themeFamily xmlns:thm15="http://schemas.microsoft.com/office/thememl/2012/main" xmlns="" name="TM45331398_Win32_SL_V13" id="{C59E605D-C281-4A06-BDA0-E97A35AC3AA8}" vid="{25D1D206-DA25-4050-926A-BD6D3A1B506F}"/>
     </a:ext>
   </a:extLst>
 </a:theme>
@@ -15799,7 +15953,7 @@
   <a:extraClrSchemeLst/>
   <a:extLst>
     <a:ext uri="{05A4C25C-085E-4340-85A3-A5531E510DB2}">
-      <thm15:themeFamily xmlns="" xmlns:thm15="http://schemas.microsoft.com/office/thememl/2012/main" name="Office Theme" id="{62F939B6-93AF-4DB8-9C6B-D6C7DFDC589F}" vid="{4A3C46E8-61CC-4603-A589-7422A47A8E4A}"/>
+      <thm15:themeFamily xmlns:thm15="http://schemas.microsoft.com/office/thememl/2012/main" xmlns="" name="Office Theme" id="{62F939B6-93AF-4DB8-9C6B-D6C7DFDC589F}" vid="{4A3C46E8-61CC-4603-A589-7422A47A8E4A}"/>
     </a:ext>
   </a:extLst>
 </a:theme>
@@ -16094,13 +16248,42 @@
   <a:extraClrSchemeLst/>
   <a:extLst>
     <a:ext uri="{05A4C25C-085E-4340-85A3-A5531E510DB2}">
-      <thm15:themeFamily xmlns="" xmlns:thm15="http://schemas.microsoft.com/office/thememl/2012/main" name="Office Theme" id="{62F939B6-93AF-4DB8-9C6B-D6C7DFDC589F}" vid="{4A3C46E8-61CC-4603-A589-7422A47A8E4A}"/>
+      <thm15:themeFamily xmlns:thm15="http://schemas.microsoft.com/office/thememl/2012/main" xmlns="" name="Office Theme" id="{62F939B6-93AF-4DB8-9C6B-D6C7DFDC589F}" vid="{4A3C46E8-61CC-4603-A589-7422A47A8E4A}"/>
     </a:ext>
   </a:extLst>
 </a:theme>
 </file>
 
 <file path=customXml/item1.xml><?xml version="1.0" encoding="utf-8"?>
+<p:properties xmlns:p="http://schemas.microsoft.com/office/2006/metadata/properties" xmlns:xsi="http://www.w3.org/2001/XMLSchema-instance" xmlns:pc="http://schemas.microsoft.com/office/infopath/2007/PartnerControls">
+  <documentManagement>
+    <_ip_UnifiedCompliancePolicyUIAction xmlns="http://schemas.microsoft.com/sharepoint/v3" xsi:nil="true"/>
+    <Image xmlns="71af3243-3dd4-4a8d-8c0d-dd76da1f02a5">
+      <Url xsi:nil="true"/>
+      <Description xsi:nil="true"/>
+    </Image>
+    <Status xmlns="71af3243-3dd4-4a8d-8c0d-dd76da1f02a5">Not started</Status>
+    <Background xmlns="71af3243-3dd4-4a8d-8c0d-dd76da1f02a5">false</Background>
+    <_ip_UnifiedCompliancePolicyProperties xmlns="http://schemas.microsoft.com/sharepoint/v3" xsi:nil="true"/>
+    <ImageTagsTaxHTField xmlns="71af3243-3dd4-4a8d-8c0d-dd76da1f02a5">
+      <Terms xmlns="http://schemas.microsoft.com/office/infopath/2007/PartnerControls"/>
+    </ImageTagsTaxHTField>
+    <TaxCatchAll xmlns="230e9df3-be65-4c73-a93b-d1236ebd677e" xsi:nil="true"/>
+    <MediaServiceKeyPoints xmlns="71af3243-3dd4-4a8d-8c0d-dd76da1f02a5" xsi:nil="true"/>
+  </documentManagement>
+</p:properties>
+</file>
+
+<file path=customXml/item2.xml><?xml version="1.0" encoding="utf-8"?>
+<?mso-contentType ?>
+<FormTemplates xmlns="http://schemas.microsoft.com/sharepoint/v3/contenttype/forms">
+  <Display>DocumentLibraryForm</Display>
+  <Edit>DocumentLibraryForm</Edit>
+  <New>DocumentLibraryForm</New>
+</FormTemplates>
+</file>
+
+<file path=customXml/item3.xml><?xml version="1.0" encoding="utf-8"?>
 <ct:contentTypeSchema xmlns:ct="http://schemas.microsoft.com/office/2006/metadata/contentType" xmlns:ma="http://schemas.microsoft.com/office/2006/metadata/properties/metaAttributes" ct:_="" ma:_="" ma:contentTypeName="Document" ma:contentTypeID="0x01010079F111ED35F8CC479449609E8A0923A6" ma:contentTypeVersion="28" ma:contentTypeDescription="Create a new document." ma:contentTypeScope="" ma:versionID="60f5a4f2d2b0abadcf532d48ebf9cb71">
   <xsd:schema xmlns:xsd="http://www.w3.org/2001/XMLSchema" xmlns:xs="http://www.w3.org/2001/XMLSchema" xmlns:p="http://schemas.microsoft.com/office/2006/metadata/properties" xmlns:ns1="http://schemas.microsoft.com/sharepoint/v3" xmlns:ns2="71af3243-3dd4-4a8d-8c0d-dd76da1f02a5" xmlns:ns3="16c05727-aa75-4e4a-9b5f-8a80a1165891" xmlns:ns4="230e9df3-be65-4c73-a93b-d1236ebd677e" targetNamespace="http://schemas.microsoft.com/office/2006/metadata/properties" ma:root="true" ma:fieldsID="7dd78129e6a1811f84807ad11c651531" ns1:_="" ns2:_="" ns3:_="" ns4:_="">
     <xsd:import namespace="http://schemas.microsoft.com/sharepoint/v3"/>
@@ -16412,36 +16595,34 @@
 </ct:contentTypeSchema>
 </file>
 
-<file path=customXml/item2.xml><?xml version="1.0" encoding="utf-8"?>
-<?mso-contentType ?>
-<FormTemplates xmlns="http://schemas.microsoft.com/sharepoint/v3/contenttype/forms">
-  <Display>DocumentLibraryForm</Display>
-  <Edit>DocumentLibraryForm</Edit>
-  <New>DocumentLibraryForm</New>
-</FormTemplates>
+<file path=customXml/itemProps1.xml><?xml version="1.0" encoding="utf-8"?>
+<ds:datastoreItem xmlns:ds="http://schemas.openxmlformats.org/officeDocument/2006/customXml" ds:itemID="{3CE52C7A-8834-4F18-859F-7167A187E138}">
+  <ds:schemaRefs>
+    <ds:schemaRef ds:uri="http://purl.org/dc/elements/1.1/"/>
+    <ds:schemaRef ds:uri="http://schemas.microsoft.com/office/2006/metadata/properties"/>
+    <ds:schemaRef ds:uri="http://schemas.microsoft.com/office/2006/documentManagement/types"/>
+    <ds:schemaRef ds:uri="http://schemas.microsoft.com/office/infopath/2007/PartnerControls"/>
+    <ds:schemaRef ds:uri="http://schemas.microsoft.com/sharepoint/v3"/>
+    <ds:schemaRef ds:uri="230e9df3-be65-4c73-a93b-d1236ebd677e"/>
+    <ds:schemaRef ds:uri="http://purl.org/dc/terms/"/>
+    <ds:schemaRef ds:uri="http://schemas.openxmlformats.org/package/2006/metadata/core-properties"/>
+    <ds:schemaRef ds:uri="16c05727-aa75-4e4a-9b5f-8a80a1165891"/>
+    <ds:schemaRef ds:uri="http://purl.org/dc/dcmitype/"/>
+    <ds:schemaRef ds:uri="71af3243-3dd4-4a8d-8c0d-dd76da1f02a5"/>
+    <ds:schemaRef ds:uri="http://www.w3.org/XML/1998/namespace"/>
+  </ds:schemaRefs>
+</ds:datastoreItem>
 </file>
 
-<file path=customXml/item3.xml><?xml version="1.0" encoding="utf-8"?>
-<p:properties xmlns:p="http://schemas.microsoft.com/office/2006/metadata/properties" xmlns:xsi="http://www.w3.org/2001/XMLSchema-instance" xmlns:pc="http://schemas.microsoft.com/office/infopath/2007/PartnerControls">
-  <documentManagement>
-    <_ip_UnifiedCompliancePolicyUIAction xmlns="http://schemas.microsoft.com/sharepoint/v3" xsi:nil="true"/>
-    <Image xmlns="71af3243-3dd4-4a8d-8c0d-dd76da1f02a5">
-      <Url xsi:nil="true"/>
-      <Description xsi:nil="true"/>
-    </Image>
-    <Status xmlns="71af3243-3dd4-4a8d-8c0d-dd76da1f02a5">Not started</Status>
-    <Background xmlns="71af3243-3dd4-4a8d-8c0d-dd76da1f02a5">false</Background>
-    <_ip_UnifiedCompliancePolicyProperties xmlns="http://schemas.microsoft.com/sharepoint/v3" xsi:nil="true"/>
-    <ImageTagsTaxHTField xmlns="71af3243-3dd4-4a8d-8c0d-dd76da1f02a5">
-      <Terms xmlns="http://schemas.microsoft.com/office/infopath/2007/PartnerControls"/>
-    </ImageTagsTaxHTField>
-    <TaxCatchAll xmlns="230e9df3-be65-4c73-a93b-d1236ebd677e" xsi:nil="true"/>
-    <MediaServiceKeyPoints xmlns="71af3243-3dd4-4a8d-8c0d-dd76da1f02a5" xsi:nil="true"/>
-  </documentManagement>
-</p:properties>
+<file path=customXml/itemProps2.xml><?xml version="1.0" encoding="utf-8"?>
+<ds:datastoreItem xmlns:ds="http://schemas.openxmlformats.org/officeDocument/2006/customXml" ds:itemID="{731D3D4E-040D-4F59-9215-B1F04B81B9FE}">
+  <ds:schemaRefs>
+    <ds:schemaRef ds:uri="http://schemas.microsoft.com/sharepoint/v3/contenttype/forms"/>
+  </ds:schemaRefs>
+</ds:datastoreItem>
 </file>
 
-<file path=customXml/itemProps1.xml><?xml version="1.0" encoding="utf-8"?>
+<file path=customXml/itemProps3.xml><?xml version="1.0" encoding="utf-8"?>
 <ds:datastoreItem xmlns:ds="http://schemas.openxmlformats.org/officeDocument/2006/customXml" ds:itemID="{5A7188B1-CB43-4216-A332-EE7733BC2215}">
   <ds:schemaRefs>
     <ds:schemaRef ds:uri="http://schemas.microsoft.com/office/2006/metadata/contentType"/>
@@ -16462,33 +16643,6 @@
 </ds:datastoreItem>
 </file>
 
-<file path=customXml/itemProps2.xml><?xml version="1.0" encoding="utf-8"?>
-<ds:datastoreItem xmlns:ds="http://schemas.openxmlformats.org/officeDocument/2006/customXml" ds:itemID="{731D3D4E-040D-4F59-9215-B1F04B81B9FE}">
-  <ds:schemaRefs>
-    <ds:schemaRef ds:uri="http://schemas.microsoft.com/sharepoint/v3/contenttype/forms"/>
-  </ds:schemaRefs>
-</ds:datastoreItem>
-</file>
-
-<file path=customXml/itemProps3.xml><?xml version="1.0" encoding="utf-8"?>
-<ds:datastoreItem xmlns:ds="http://schemas.openxmlformats.org/officeDocument/2006/customXml" ds:itemID="{3CE52C7A-8834-4F18-859F-7167A187E138}">
-  <ds:schemaRefs>
-    <ds:schemaRef ds:uri="http://purl.org/dc/elements/1.1/"/>
-    <ds:schemaRef ds:uri="http://schemas.microsoft.com/office/2006/metadata/properties"/>
-    <ds:schemaRef ds:uri="http://schemas.microsoft.com/office/2006/documentManagement/types"/>
-    <ds:schemaRef ds:uri="http://schemas.microsoft.com/office/infopath/2007/PartnerControls"/>
-    <ds:schemaRef ds:uri="http://schemas.microsoft.com/sharepoint/v3"/>
-    <ds:schemaRef ds:uri="230e9df3-be65-4c73-a93b-d1236ebd677e"/>
-    <ds:schemaRef ds:uri="http://purl.org/dc/terms/"/>
-    <ds:schemaRef ds:uri="http://schemas.openxmlformats.org/package/2006/metadata/core-properties"/>
-    <ds:schemaRef ds:uri="16c05727-aa75-4e4a-9b5f-8a80a1165891"/>
-    <ds:schemaRef ds:uri="http://purl.org/dc/dcmitype/"/>
-    <ds:schemaRef ds:uri="71af3243-3dd4-4a8d-8c0d-dd76da1f02a5"/>
-    <ds:schemaRef ds:uri="http://www.w3.org/XML/1998/namespace"/>
-  </ds:schemaRefs>
-</ds:datastoreItem>
-</file>
-
 <file path=docMetadata/LabelInfo.xml><?xml version="1.0" encoding="utf-8"?>
 <clbl:labelList xmlns:clbl="http://schemas.microsoft.com/office/2020/mipLabelMetadata"/>
 </file>
--- a/PID_Course/PID.pptx
+++ b/PID_Course/PID.pptx
@@ -114,10 +114,10 @@
   </p:defaultTextStyle>
   <p:extLst>
     <p:ext uri="{EFAFB233-063F-42B5-8137-9DF3F51BA10A}">
-      <p15:sldGuideLst xmlns="" xmlns:p15="http://schemas.microsoft.com/office/powerpoint/2012/main"/>
+      <p15:sldGuideLst xmlns:p15="http://schemas.microsoft.com/office/powerpoint/2012/main" xmlns=""/>
     </p:ext>
     <p:ext uri="{2D200454-40CA-4A62-9FC3-DE9A4176ACB9}">
-      <p15:notesGuideLst xmlns="" xmlns:p15="http://schemas.microsoft.com/office/powerpoint/2012/main"/>
+      <p15:notesGuideLst xmlns:p15="http://schemas.microsoft.com/office/powerpoint/2012/main" xmlns=""/>
     </p:ext>
   </p:extLst>
 </p:presentation>
@@ -162,7 +162,7 @@
           <p:cNvPr id="2" name="Header Placeholder 1">
             <a:extLst>
               <a:ext uri="{FF2B5EF4-FFF2-40B4-BE49-F238E27FC236}">
-                <a16:creationId xmlns="" xmlns:a16="http://schemas.microsoft.com/office/drawing/2014/main" id="{7FB8B65A-D69F-C26C-B67E-036EF77BF1FA}"/>
+                <a16:creationId xmlns:a16="http://schemas.microsoft.com/office/drawing/2014/main" xmlns="" id="{7FB8B65A-D69F-C26C-B67E-036EF77BF1FA}"/>
               </a:ext>
             </a:extLst>
           </p:cNvPr>
@@ -199,7 +199,7 @@
           <p:cNvPr id="3" name="Date Placeholder 2">
             <a:extLst>
               <a:ext uri="{FF2B5EF4-FFF2-40B4-BE49-F238E27FC236}">
-                <a16:creationId xmlns="" xmlns:a16="http://schemas.microsoft.com/office/drawing/2014/main" id="{652B9064-AE57-427F-E5AF-71DE7D52FE6E}"/>
+                <a16:creationId xmlns:a16="http://schemas.microsoft.com/office/drawing/2014/main" xmlns="" id="{652B9064-AE57-427F-E5AF-71DE7D52FE6E}"/>
               </a:ext>
             </a:extLst>
           </p:cNvPr>
@@ -229,7 +229,7 @@
           <a:p>
             <a:fld id="{9D8190EA-5EEC-4300-B6AE-D9734C6C648E}" type="datetimeFigureOut">
               <a:rPr lang="en-US" smtClean="0"/>
-              <a:t>7/27/2024</a:t>
+              <a:t>7/30/2024</a:t>
             </a:fld>
             <a:endParaRPr lang="en-US" dirty="0"/>
           </a:p>
@@ -240,7 +240,7 @@
           <p:cNvPr id="4" name="Footer Placeholder 3">
             <a:extLst>
               <a:ext uri="{FF2B5EF4-FFF2-40B4-BE49-F238E27FC236}">
-                <a16:creationId xmlns="" xmlns:a16="http://schemas.microsoft.com/office/drawing/2014/main" id="{8186157A-CEB9-B0FC-3A49-BE950AEAD6F3}"/>
+                <a16:creationId xmlns:a16="http://schemas.microsoft.com/office/drawing/2014/main" xmlns="" id="{8186157A-CEB9-B0FC-3A49-BE950AEAD6F3}"/>
               </a:ext>
             </a:extLst>
           </p:cNvPr>
@@ -277,7 +277,7 @@
           <p:cNvPr id="5" name="Slide Number Placeholder 4">
             <a:extLst>
               <a:ext uri="{FF2B5EF4-FFF2-40B4-BE49-F238E27FC236}">
-                <a16:creationId xmlns="" xmlns:a16="http://schemas.microsoft.com/office/drawing/2014/main" id="{E0819CA0-A57D-42D7-A625-56C22D0FA7C6}"/>
+                <a16:creationId xmlns:a16="http://schemas.microsoft.com/office/drawing/2014/main" xmlns="" id="{E0819CA0-A57D-42D7-A625-56C22D0FA7C6}"/>
               </a:ext>
             </a:extLst>
           </p:cNvPr>
@@ -406,7 +406,7 @@
           <a:p>
             <a:fld id="{7487ADD9-2083-264C-A652-8D52D02F7E72}" type="datetimeFigureOut">
               <a:rPr lang="en-US" smtClean="0"/>
-              <a:t>7/27/2024</a:t>
+              <a:t>7/30/2024</a:t>
             </a:fld>
             <a:endParaRPr lang="en-US" dirty="0"/>
           </a:p>
@@ -962,10 +962,10 @@
           <p:cNvPr id="4" name="Rectangle 3">
             <a:extLst>
               <a:ext uri="{FF2B5EF4-FFF2-40B4-BE49-F238E27FC236}">
-                <a16:creationId xmlns="" xmlns:a16="http://schemas.microsoft.com/office/drawing/2014/main" id="{9AC79249-FDC0-364D-A734-AE1DE1605D28}"/>
+                <a16:creationId xmlns:a16="http://schemas.microsoft.com/office/drawing/2014/main" xmlns="" id="{9AC79249-FDC0-364D-A734-AE1DE1605D28}"/>
               </a:ext>
               <a:ext uri="{C183D7F6-B498-43B3-948B-1728B52AA6E4}">
-                <adec:decorative xmlns="" xmlns:adec="http://schemas.microsoft.com/office/drawing/2017/decorative" val="1"/>
+                <adec:decorative xmlns:adec="http://schemas.microsoft.com/office/drawing/2017/decorative" xmlns="" val="1"/>
               </a:ext>
             </a:extLst>
           </p:cNvPr>
@@ -1017,10 +1017,10 @@
           <p:cNvPr id="7" name="Group 6">
             <a:extLst>
               <a:ext uri="{FF2B5EF4-FFF2-40B4-BE49-F238E27FC236}">
-                <a16:creationId xmlns="" xmlns:a16="http://schemas.microsoft.com/office/drawing/2014/main" id="{13537B6D-42A5-F449-2691-321A167F7C08}"/>
+                <a16:creationId xmlns:a16="http://schemas.microsoft.com/office/drawing/2014/main" xmlns="" id="{13537B6D-42A5-F449-2691-321A167F7C08}"/>
               </a:ext>
               <a:ext uri="{C183D7F6-B498-43B3-948B-1728B52AA6E4}">
-                <adec:decorative xmlns="" xmlns:adec="http://schemas.microsoft.com/office/drawing/2017/decorative" val="1"/>
+                <adec:decorative xmlns:adec="http://schemas.microsoft.com/office/drawing/2017/decorative" xmlns="" val="1"/>
               </a:ext>
             </a:extLst>
           </p:cNvPr>
@@ -1040,7 +1040,7 @@
             <p:cNvPr id="5" name="Oval 4">
               <a:extLst>
                 <a:ext uri="{FF2B5EF4-FFF2-40B4-BE49-F238E27FC236}">
-                  <a16:creationId xmlns="" xmlns:a16="http://schemas.microsoft.com/office/drawing/2014/main" id="{902465C8-266D-104C-9C49-323DF4A8277E}"/>
+                  <a16:creationId xmlns:a16="http://schemas.microsoft.com/office/drawing/2014/main" xmlns="" id="{902465C8-266D-104C-9C49-323DF4A8277E}"/>
                 </a:ext>
               </a:extLst>
             </p:cNvPr>
@@ -1089,7 +1089,7 @@
             <p:cNvPr id="11" name="Freeform 10">
               <a:extLst>
                 <a:ext uri="{FF2B5EF4-FFF2-40B4-BE49-F238E27FC236}">
-                  <a16:creationId xmlns="" xmlns:a16="http://schemas.microsoft.com/office/drawing/2014/main" id="{37979A1C-BF60-B345-A664-2E4F7A3461EB}"/>
+                  <a16:creationId xmlns:a16="http://schemas.microsoft.com/office/drawing/2014/main" xmlns="" id="{37979A1C-BF60-B345-A664-2E4F7A3461EB}"/>
                 </a:ext>
               </a:extLst>
             </p:cNvPr>
@@ -1188,7 +1188,7 @@
             <p:cNvPr id="9" name="Freeform 8">
               <a:extLst>
                 <a:ext uri="{FF2B5EF4-FFF2-40B4-BE49-F238E27FC236}">
-                  <a16:creationId xmlns="" xmlns:a16="http://schemas.microsoft.com/office/drawing/2014/main" id="{58080B3E-915C-2D4C-8608-596E1BFD6387}"/>
+                  <a16:creationId xmlns:a16="http://schemas.microsoft.com/office/drawing/2014/main" xmlns="" id="{58080B3E-915C-2D4C-8608-596E1BFD6387}"/>
                 </a:ext>
               </a:extLst>
             </p:cNvPr>
@@ -1287,7 +1287,7 @@
             <p:cNvPr id="6" name="Group 5">
               <a:extLst>
                 <a:ext uri="{FF2B5EF4-FFF2-40B4-BE49-F238E27FC236}">
-                  <a16:creationId xmlns="" xmlns:a16="http://schemas.microsoft.com/office/drawing/2014/main" id="{F15FBB50-09C8-B64E-AE57-67C5E70810CB}"/>
+                  <a16:creationId xmlns:a16="http://schemas.microsoft.com/office/drawing/2014/main" xmlns="" id="{F15FBB50-09C8-B64E-AE57-67C5E70810CB}"/>
                 </a:ext>
               </a:extLst>
             </p:cNvPr>
@@ -1307,7 +1307,7 @@
               <p:cNvPr id="15" name="Freeform 14">
                 <a:extLst>
                   <a:ext uri="{FF2B5EF4-FFF2-40B4-BE49-F238E27FC236}">
-                    <a16:creationId xmlns="" xmlns:a16="http://schemas.microsoft.com/office/drawing/2014/main" id="{EFBF1E52-11FA-DC48-B7AD-75734232FFE8}"/>
+                    <a16:creationId xmlns:a16="http://schemas.microsoft.com/office/drawing/2014/main" xmlns="" id="{EFBF1E52-11FA-DC48-B7AD-75734232FFE8}"/>
                   </a:ext>
                 </a:extLst>
               </p:cNvPr>
@@ -1432,7 +1432,7 @@
               <p:cNvPr id="16" name="Freeform 15">
                 <a:extLst>
                   <a:ext uri="{FF2B5EF4-FFF2-40B4-BE49-F238E27FC236}">
-                    <a16:creationId xmlns="" xmlns:a16="http://schemas.microsoft.com/office/drawing/2014/main" id="{4850B620-49F5-3748-84AF-682555D52792}"/>
+                    <a16:creationId xmlns:a16="http://schemas.microsoft.com/office/drawing/2014/main" xmlns="" id="{4850B620-49F5-3748-84AF-682555D52792}"/>
                   </a:ext>
                 </a:extLst>
               </p:cNvPr>
@@ -1558,7 +1558,7 @@
             <p:cNvPr id="22" name="Freeform 21">
               <a:extLst>
                 <a:ext uri="{FF2B5EF4-FFF2-40B4-BE49-F238E27FC236}">
-                  <a16:creationId xmlns="" xmlns:a16="http://schemas.microsoft.com/office/drawing/2014/main" id="{BC68F289-2744-2F48-893A-3F17911625C8}"/>
+                  <a16:creationId xmlns:a16="http://schemas.microsoft.com/office/drawing/2014/main" xmlns="" id="{BC68F289-2744-2F48-893A-3F17911625C8}"/>
                 </a:ext>
               </a:extLst>
             </p:cNvPr>
@@ -1657,7 +1657,7 @@
             <p:cNvPr id="28" name="Freeform 27">
               <a:extLst>
                 <a:ext uri="{FF2B5EF4-FFF2-40B4-BE49-F238E27FC236}">
-                  <a16:creationId xmlns="" xmlns:a16="http://schemas.microsoft.com/office/drawing/2014/main" id="{9E240E8A-950E-7946-826C-415CB5DACA43}"/>
+                  <a16:creationId xmlns:a16="http://schemas.microsoft.com/office/drawing/2014/main" xmlns="" id="{9E240E8A-950E-7946-826C-415CB5DACA43}"/>
                 </a:ext>
               </a:extLst>
             </p:cNvPr>
@@ -1810,7 +1810,7 @@
           <p:cNvPr id="2" name="Title 1">
             <a:extLst>
               <a:ext uri="{FF2B5EF4-FFF2-40B4-BE49-F238E27FC236}">
-                <a16:creationId xmlns="" xmlns:a16="http://schemas.microsoft.com/office/drawing/2014/main" id="{494248F2-5264-4601-AA0B-6C092F77F2DD}"/>
+                <a16:creationId xmlns:a16="http://schemas.microsoft.com/office/drawing/2014/main" xmlns="" id="{494248F2-5264-4601-AA0B-6C092F77F2DD}"/>
               </a:ext>
             </a:extLst>
           </p:cNvPr>
@@ -1881,10 +1881,10 @@
           <p:cNvPr id="13" name="Group 12">
             <a:extLst>
               <a:ext uri="{FF2B5EF4-FFF2-40B4-BE49-F238E27FC236}">
-                <a16:creationId xmlns="" xmlns:a16="http://schemas.microsoft.com/office/drawing/2014/main" id="{AC10D125-AB73-D276-4947-94204736A30D}"/>
+                <a16:creationId xmlns:a16="http://schemas.microsoft.com/office/drawing/2014/main" xmlns="" id="{AC10D125-AB73-D276-4947-94204736A30D}"/>
               </a:ext>
               <a:ext uri="{C183D7F6-B498-43B3-948B-1728B52AA6E4}">
-                <adec:decorative xmlns="" xmlns:adec="http://schemas.microsoft.com/office/drawing/2017/decorative" val="1"/>
+                <adec:decorative xmlns:adec="http://schemas.microsoft.com/office/drawing/2017/decorative" xmlns="" val="1"/>
               </a:ext>
             </a:extLst>
           </p:cNvPr>
@@ -1904,10 +1904,10 @@
             <p:cNvPr id="4" name="Freeform 3">
               <a:extLst>
                 <a:ext uri="{FF2B5EF4-FFF2-40B4-BE49-F238E27FC236}">
-                  <a16:creationId xmlns="" xmlns:a16="http://schemas.microsoft.com/office/drawing/2014/main" id="{6A7F6A3F-E1DD-A246-9A6D-5F9B18BA2588}"/>
+                  <a16:creationId xmlns:a16="http://schemas.microsoft.com/office/drawing/2014/main" xmlns="" id="{6A7F6A3F-E1DD-A246-9A6D-5F9B18BA2588}"/>
                 </a:ext>
                 <a:ext uri="{C183D7F6-B498-43B3-948B-1728B52AA6E4}">
-                  <adec:decorative xmlns="" xmlns:adec="http://schemas.microsoft.com/office/drawing/2017/decorative" val="1"/>
+                  <adec:decorative xmlns:adec="http://schemas.microsoft.com/office/drawing/2017/decorative" xmlns="" val="1"/>
                 </a:ext>
               </a:extLst>
             </p:cNvPr>
@@ -2006,10 +2006,10 @@
             <p:cNvPr id="5" name="Freeform 4">
               <a:extLst>
                 <a:ext uri="{FF2B5EF4-FFF2-40B4-BE49-F238E27FC236}">
-                  <a16:creationId xmlns="" xmlns:a16="http://schemas.microsoft.com/office/drawing/2014/main" id="{055FD0FC-C8FF-6741-A364-A29CDC6F9495}"/>
+                  <a16:creationId xmlns:a16="http://schemas.microsoft.com/office/drawing/2014/main" xmlns="" id="{055FD0FC-C8FF-6741-A364-A29CDC6F9495}"/>
                 </a:ext>
                 <a:ext uri="{C183D7F6-B498-43B3-948B-1728B52AA6E4}">
-                  <adec:decorative xmlns="" xmlns:adec="http://schemas.microsoft.com/office/drawing/2017/decorative" val="1"/>
+                  <adec:decorative xmlns:adec="http://schemas.microsoft.com/office/drawing/2017/decorative" xmlns="" val="1"/>
                 </a:ext>
               </a:extLst>
             </p:cNvPr>
@@ -2110,10 +2110,10 @@
             <p:cNvPr id="6" name="Freeform 5">
               <a:extLst>
                 <a:ext uri="{FF2B5EF4-FFF2-40B4-BE49-F238E27FC236}">
-                  <a16:creationId xmlns="" xmlns:a16="http://schemas.microsoft.com/office/drawing/2014/main" id="{D11C9832-A021-954E-A34F-2988D1189AE9}"/>
+                  <a16:creationId xmlns:a16="http://schemas.microsoft.com/office/drawing/2014/main" xmlns="" id="{D11C9832-A021-954E-A34F-2988D1189AE9}"/>
                 </a:ext>
                 <a:ext uri="{C183D7F6-B498-43B3-948B-1728B52AA6E4}">
-                  <adec:decorative xmlns="" xmlns:adec="http://schemas.microsoft.com/office/drawing/2017/decorative" val="1"/>
+                  <adec:decorative xmlns:adec="http://schemas.microsoft.com/office/drawing/2017/decorative" xmlns="" val="1"/>
                 </a:ext>
               </a:extLst>
             </p:cNvPr>
@@ -2212,10 +2212,10 @@
             <p:cNvPr id="9" name="Group 8">
               <a:extLst>
                 <a:ext uri="{FF2B5EF4-FFF2-40B4-BE49-F238E27FC236}">
-                  <a16:creationId xmlns="" xmlns:a16="http://schemas.microsoft.com/office/drawing/2014/main" id="{9861BC34-DFBF-2D4F-B463-FCFBC08391FF}"/>
+                  <a16:creationId xmlns:a16="http://schemas.microsoft.com/office/drawing/2014/main" xmlns="" id="{9861BC34-DFBF-2D4F-B463-FCFBC08391FF}"/>
                 </a:ext>
                 <a:ext uri="{C183D7F6-B498-43B3-948B-1728B52AA6E4}">
-                  <adec:decorative xmlns="" xmlns:adec="http://schemas.microsoft.com/office/drawing/2017/decorative" val="1"/>
+                  <adec:decorative xmlns:adec="http://schemas.microsoft.com/office/drawing/2017/decorative" xmlns="" val="1"/>
                 </a:ext>
               </a:extLst>
             </p:cNvPr>
@@ -2235,7 +2235,7 @@
               <p:cNvPr id="7" name="Freeform 6">
                 <a:extLst>
                   <a:ext uri="{FF2B5EF4-FFF2-40B4-BE49-F238E27FC236}">
-                    <a16:creationId xmlns="" xmlns:a16="http://schemas.microsoft.com/office/drawing/2014/main" id="{55C37C19-F268-4A43-A0D4-3B1B38D48952}"/>
+                    <a16:creationId xmlns:a16="http://schemas.microsoft.com/office/drawing/2014/main" xmlns="" id="{55C37C19-F268-4A43-A0D4-3B1B38D48952}"/>
                   </a:ext>
                 </a:extLst>
               </p:cNvPr>
@@ -2362,7 +2362,7 @@
               <p:cNvPr id="8" name="Freeform 7">
                 <a:extLst>
                   <a:ext uri="{FF2B5EF4-FFF2-40B4-BE49-F238E27FC236}">
-                    <a16:creationId xmlns="" xmlns:a16="http://schemas.microsoft.com/office/drawing/2014/main" id="{E4F760E5-9D5D-E44F-AEBF-20CA8DE87D11}"/>
+                    <a16:creationId xmlns:a16="http://schemas.microsoft.com/office/drawing/2014/main" xmlns="" id="{E4F760E5-9D5D-E44F-AEBF-20CA8DE87D11}"/>
                   </a:ext>
                 </a:extLst>
               </p:cNvPr>
@@ -2491,7 +2491,7 @@
           <p:cNvPr id="2" name="Title 1">
             <a:extLst>
               <a:ext uri="{FF2B5EF4-FFF2-40B4-BE49-F238E27FC236}">
-                <a16:creationId xmlns="" xmlns:a16="http://schemas.microsoft.com/office/drawing/2014/main" id="{3CD97974-B93C-4C96-B3F6-F69E3D6DE6CA}"/>
+                <a16:creationId xmlns:a16="http://schemas.microsoft.com/office/drawing/2014/main" xmlns="" id="{3CD97974-B93C-4C96-B3F6-F69E3D6DE6CA}"/>
               </a:ext>
             </a:extLst>
           </p:cNvPr>
@@ -2532,7 +2532,7 @@
           <p:cNvPr id="3" name="Content Placeholder 2">
             <a:extLst>
               <a:ext uri="{FF2B5EF4-FFF2-40B4-BE49-F238E27FC236}">
-                <a16:creationId xmlns="" xmlns:a16="http://schemas.microsoft.com/office/drawing/2014/main" id="{8A6FC6F2-80B4-49A7-9448-33FE2DF0E967}"/>
+                <a16:creationId xmlns:a16="http://schemas.microsoft.com/office/drawing/2014/main" xmlns="" id="{8A6FC6F2-80B4-49A7-9448-33FE2DF0E967}"/>
               </a:ext>
             </a:extLst>
           </p:cNvPr>
@@ -2627,7 +2627,7 @@
           <p:cNvPr id="10" name="Date Placeholder 3">
             <a:extLst>
               <a:ext uri="{FF2B5EF4-FFF2-40B4-BE49-F238E27FC236}">
-                <a16:creationId xmlns="" xmlns:a16="http://schemas.microsoft.com/office/drawing/2014/main" id="{7536C149-3EFE-A94E-902D-57CED00B2C0F}"/>
+                <a16:creationId xmlns:a16="http://schemas.microsoft.com/office/drawing/2014/main" xmlns="" id="{7536C149-3EFE-A94E-902D-57CED00B2C0F}"/>
               </a:ext>
             </a:extLst>
           </p:cNvPr>
@@ -2674,7 +2674,7 @@
           <p:cNvPr id="11" name="Footer Placeholder 4">
             <a:extLst>
               <a:ext uri="{FF2B5EF4-FFF2-40B4-BE49-F238E27FC236}">
-                <a16:creationId xmlns="" xmlns:a16="http://schemas.microsoft.com/office/drawing/2014/main" id="{53CA1E78-F17D-F34D-9F81-0DBF44F37894}"/>
+                <a16:creationId xmlns:a16="http://schemas.microsoft.com/office/drawing/2014/main" xmlns="" id="{53CA1E78-F17D-F34D-9F81-0DBF44F37894}"/>
               </a:ext>
             </a:extLst>
           </p:cNvPr>
@@ -2718,7 +2718,7 @@
           <p:cNvPr id="12" name="Slide Number Placeholder 5">
             <a:extLst>
               <a:ext uri="{FF2B5EF4-FFF2-40B4-BE49-F238E27FC236}">
-                <a16:creationId xmlns="" xmlns:a16="http://schemas.microsoft.com/office/drawing/2014/main" id="{1FE54918-A625-F64F-A42E-A427E9B2D489}"/>
+                <a16:creationId xmlns:a16="http://schemas.microsoft.com/office/drawing/2014/main" xmlns="" id="{1FE54918-A625-F64F-A42E-A427E9B2D489}"/>
               </a:ext>
             </a:extLst>
           </p:cNvPr>
@@ -2805,10 +2805,10 @@
           <p:cNvPr id="2" name="Group 1">
             <a:extLst>
               <a:ext uri="{FF2B5EF4-FFF2-40B4-BE49-F238E27FC236}">
-                <a16:creationId xmlns="" xmlns:a16="http://schemas.microsoft.com/office/drawing/2014/main" id="{CCEDB282-8288-C81F-52B5-048A3E80C931}"/>
+                <a16:creationId xmlns:a16="http://schemas.microsoft.com/office/drawing/2014/main" xmlns="" id="{CCEDB282-8288-C81F-52B5-048A3E80C931}"/>
               </a:ext>
               <a:ext uri="{C183D7F6-B498-43B3-948B-1728B52AA6E4}">
-                <adec:decorative xmlns="" xmlns:adec="http://schemas.microsoft.com/office/drawing/2017/decorative" val="1"/>
+                <adec:decorative xmlns:adec="http://schemas.microsoft.com/office/drawing/2017/decorative" xmlns="" val="1"/>
               </a:ext>
             </a:extLst>
           </p:cNvPr>
@@ -2828,7 +2828,7 @@
             <p:cNvPr id="7" name="Rectangle 6">
               <a:extLst>
                 <a:ext uri="{FF2B5EF4-FFF2-40B4-BE49-F238E27FC236}">
-                  <a16:creationId xmlns="" xmlns:a16="http://schemas.microsoft.com/office/drawing/2014/main" id="{2A62587F-7496-384A-AF40-18FC8CF0709D}"/>
+                  <a16:creationId xmlns:a16="http://schemas.microsoft.com/office/drawing/2014/main" xmlns="" id="{2A62587F-7496-384A-AF40-18FC8CF0709D}"/>
                 </a:ext>
               </a:extLst>
             </p:cNvPr>
@@ -2877,7 +2877,7 @@
             <p:cNvPr id="12" name="Freeform 11">
               <a:extLst>
                 <a:ext uri="{FF2B5EF4-FFF2-40B4-BE49-F238E27FC236}">
-                  <a16:creationId xmlns="" xmlns:a16="http://schemas.microsoft.com/office/drawing/2014/main" id="{84DB028B-A475-224B-B675-A15A56CAD0BF}"/>
+                  <a16:creationId xmlns:a16="http://schemas.microsoft.com/office/drawing/2014/main" xmlns="" id="{84DB028B-A475-224B-B675-A15A56CAD0BF}"/>
                 </a:ext>
               </a:extLst>
             </p:cNvPr>
@@ -2976,7 +2976,7 @@
             <p:cNvPr id="14" name="Freeform 13">
               <a:extLst>
                 <a:ext uri="{FF2B5EF4-FFF2-40B4-BE49-F238E27FC236}">
-                  <a16:creationId xmlns="" xmlns:a16="http://schemas.microsoft.com/office/drawing/2014/main" id="{61C34955-105B-4D4D-B51D-754C5D38A85D}"/>
+                  <a16:creationId xmlns:a16="http://schemas.microsoft.com/office/drawing/2014/main" xmlns="" id="{61C34955-105B-4D4D-B51D-754C5D38A85D}"/>
                 </a:ext>
               </a:extLst>
             </p:cNvPr>
@@ -3075,7 +3075,7 @@
             <p:cNvPr id="15" name="Freeform 14">
               <a:extLst>
                 <a:ext uri="{FF2B5EF4-FFF2-40B4-BE49-F238E27FC236}">
-                  <a16:creationId xmlns="" xmlns:a16="http://schemas.microsoft.com/office/drawing/2014/main" id="{2734DEB1-EC02-2E42-9292-4ADD115060A5}"/>
+                  <a16:creationId xmlns:a16="http://schemas.microsoft.com/office/drawing/2014/main" xmlns="" id="{2734DEB1-EC02-2E42-9292-4ADD115060A5}"/>
                 </a:ext>
               </a:extLst>
             </p:cNvPr>
@@ -3201,7 +3201,7 @@
           <p:cNvPr id="13" name="Title 1">
             <a:extLst>
               <a:ext uri="{FF2B5EF4-FFF2-40B4-BE49-F238E27FC236}">
-                <a16:creationId xmlns="" xmlns:a16="http://schemas.microsoft.com/office/drawing/2014/main" id="{5E932F0D-7FC3-634B-932C-3625C16C8DE2}"/>
+                <a16:creationId xmlns:a16="http://schemas.microsoft.com/office/drawing/2014/main" xmlns="" id="{5E932F0D-7FC3-634B-932C-3625C16C8DE2}"/>
               </a:ext>
             </a:extLst>
           </p:cNvPr>
@@ -3242,7 +3242,7 @@
           <p:cNvPr id="3" name="Content Placeholder 2">
             <a:extLst>
               <a:ext uri="{FF2B5EF4-FFF2-40B4-BE49-F238E27FC236}">
-                <a16:creationId xmlns="" xmlns:a16="http://schemas.microsoft.com/office/drawing/2014/main" id="{CA1EED44-783E-8705-4119-D7E9F7D4F2B4}"/>
+                <a16:creationId xmlns:a16="http://schemas.microsoft.com/office/drawing/2014/main" xmlns="" id="{CA1EED44-783E-8705-4119-D7E9F7D4F2B4}"/>
               </a:ext>
             </a:extLst>
           </p:cNvPr>
@@ -3372,7 +3372,7 @@
           <p:cNvPr id="4" name="Date Placeholder 3">
             <a:extLst>
               <a:ext uri="{FF2B5EF4-FFF2-40B4-BE49-F238E27FC236}">
-                <a16:creationId xmlns="" xmlns:a16="http://schemas.microsoft.com/office/drawing/2014/main" id="{8E95D4F5-F69B-42F6-8A9D-330F696E144B}"/>
+                <a16:creationId xmlns:a16="http://schemas.microsoft.com/office/drawing/2014/main" xmlns="" id="{8E95D4F5-F69B-42F6-8A9D-330F696E144B}"/>
               </a:ext>
             </a:extLst>
           </p:cNvPr>
@@ -3411,7 +3411,7 @@
           <p:cNvPr id="5" name="Footer Placeholder 4">
             <a:extLst>
               <a:ext uri="{FF2B5EF4-FFF2-40B4-BE49-F238E27FC236}">
-                <a16:creationId xmlns="" xmlns:a16="http://schemas.microsoft.com/office/drawing/2014/main" id="{FA79A23A-2238-4904-8692-9F2DAE8B8FC9}"/>
+                <a16:creationId xmlns:a16="http://schemas.microsoft.com/office/drawing/2014/main" xmlns="" id="{FA79A23A-2238-4904-8692-9F2DAE8B8FC9}"/>
               </a:ext>
             </a:extLst>
           </p:cNvPr>
@@ -3447,7 +3447,7 @@
           <p:cNvPr id="6" name="Slide Number Placeholder 5">
             <a:extLst>
               <a:ext uri="{FF2B5EF4-FFF2-40B4-BE49-F238E27FC236}">
-                <a16:creationId xmlns="" xmlns:a16="http://schemas.microsoft.com/office/drawing/2014/main" id="{DB69FC35-DDC8-45FB-8ACB-21C15F57C1F1}"/>
+                <a16:creationId xmlns:a16="http://schemas.microsoft.com/office/drawing/2014/main" xmlns="" id="{DB69FC35-DDC8-45FB-8ACB-21C15F57C1F1}"/>
               </a:ext>
             </a:extLst>
           </p:cNvPr>
@@ -3523,10 +3523,10 @@
           <p:cNvPr id="4" name="Group 3">
             <a:extLst>
               <a:ext uri="{FF2B5EF4-FFF2-40B4-BE49-F238E27FC236}">
-                <a16:creationId xmlns="" xmlns:a16="http://schemas.microsoft.com/office/drawing/2014/main" id="{95FBCE6F-2AA9-31FE-8148-33B480735599}"/>
+                <a16:creationId xmlns:a16="http://schemas.microsoft.com/office/drawing/2014/main" xmlns="" id="{95FBCE6F-2AA9-31FE-8148-33B480735599}"/>
               </a:ext>
               <a:ext uri="{C183D7F6-B498-43B3-948B-1728B52AA6E4}">
-                <adec:decorative xmlns="" xmlns:adec="http://schemas.microsoft.com/office/drawing/2017/decorative" val="1"/>
+                <adec:decorative xmlns:adec="http://schemas.microsoft.com/office/drawing/2017/decorative" xmlns="" val="1"/>
               </a:ext>
             </a:extLst>
           </p:cNvPr>
@@ -3546,7 +3546,7 @@
             <p:cNvPr id="23" name="Freeform 22">
               <a:extLst>
                 <a:ext uri="{FF2B5EF4-FFF2-40B4-BE49-F238E27FC236}">
-                  <a16:creationId xmlns="" xmlns:a16="http://schemas.microsoft.com/office/drawing/2014/main" id="{067EACEC-C2DD-EA42-8504-176673AD1F20}"/>
+                  <a16:creationId xmlns:a16="http://schemas.microsoft.com/office/drawing/2014/main" xmlns="" id="{067EACEC-C2DD-EA42-8504-176673AD1F20}"/>
                 </a:ext>
               </a:extLst>
             </p:cNvPr>
@@ -3652,7 +3652,7 @@
             <p:cNvPr id="6" name="Group 5">
               <a:extLst>
                 <a:ext uri="{FF2B5EF4-FFF2-40B4-BE49-F238E27FC236}">
-                  <a16:creationId xmlns="" xmlns:a16="http://schemas.microsoft.com/office/drawing/2014/main" id="{89843C7E-5704-7A46-8974-F3BFA42E7310}"/>
+                  <a16:creationId xmlns:a16="http://schemas.microsoft.com/office/drawing/2014/main" xmlns="" id="{89843C7E-5704-7A46-8974-F3BFA42E7310}"/>
                 </a:ext>
               </a:extLst>
             </p:cNvPr>
@@ -3672,7 +3672,7 @@
               <p:cNvPr id="15" name="Freeform 14">
                 <a:extLst>
                   <a:ext uri="{FF2B5EF4-FFF2-40B4-BE49-F238E27FC236}">
-                    <a16:creationId xmlns="" xmlns:a16="http://schemas.microsoft.com/office/drawing/2014/main" id="{EFBF1E52-11FA-DC48-B7AD-75734232FFE8}"/>
+                    <a16:creationId xmlns:a16="http://schemas.microsoft.com/office/drawing/2014/main" xmlns="" id="{EFBF1E52-11FA-DC48-B7AD-75734232FFE8}"/>
                   </a:ext>
                 </a:extLst>
               </p:cNvPr>
@@ -3797,7 +3797,7 @@
               <p:cNvPr id="16" name="Freeform 15">
                 <a:extLst>
                   <a:ext uri="{FF2B5EF4-FFF2-40B4-BE49-F238E27FC236}">
-                    <a16:creationId xmlns="" xmlns:a16="http://schemas.microsoft.com/office/drawing/2014/main" id="{4850B620-49F5-3748-84AF-682555D52792}"/>
+                    <a16:creationId xmlns:a16="http://schemas.microsoft.com/office/drawing/2014/main" xmlns="" id="{4850B620-49F5-3748-84AF-682555D52792}"/>
                   </a:ext>
                 </a:extLst>
               </p:cNvPr>
@@ -3923,7 +3923,7 @@
             <p:cNvPr id="17" name="Freeform 16">
               <a:extLst>
                 <a:ext uri="{FF2B5EF4-FFF2-40B4-BE49-F238E27FC236}">
-                  <a16:creationId xmlns="" xmlns:a16="http://schemas.microsoft.com/office/drawing/2014/main" id="{0B179973-08D2-EF40-B516-35E75E906394}"/>
+                  <a16:creationId xmlns:a16="http://schemas.microsoft.com/office/drawing/2014/main" xmlns="" id="{0B179973-08D2-EF40-B516-35E75E906394}"/>
                 </a:ext>
               </a:extLst>
             </p:cNvPr>
@@ -4022,7 +4022,7 @@
             <p:cNvPr id="18" name="Freeform 17">
               <a:extLst>
                 <a:ext uri="{FF2B5EF4-FFF2-40B4-BE49-F238E27FC236}">
-                  <a16:creationId xmlns="" xmlns:a16="http://schemas.microsoft.com/office/drawing/2014/main" id="{6C811FF3-E48A-194D-8022-65F8C3A17449}"/>
+                  <a16:creationId xmlns:a16="http://schemas.microsoft.com/office/drawing/2014/main" xmlns="" id="{6C811FF3-E48A-194D-8022-65F8C3A17449}"/>
                 </a:ext>
               </a:extLst>
             </p:cNvPr>
@@ -4122,7 +4122,7 @@
           <p:cNvPr id="2" name="Title 1">
             <a:extLst>
               <a:ext uri="{FF2B5EF4-FFF2-40B4-BE49-F238E27FC236}">
-                <a16:creationId xmlns="" xmlns:a16="http://schemas.microsoft.com/office/drawing/2014/main" id="{494248F2-5264-4601-AA0B-6C092F77F2DD}"/>
+                <a16:creationId xmlns:a16="http://schemas.microsoft.com/office/drawing/2014/main" xmlns="" id="{494248F2-5264-4601-AA0B-6C092F77F2DD}"/>
               </a:ext>
             </a:extLst>
           </p:cNvPr>
@@ -4166,7 +4166,7 @@
           <p:cNvPr id="3" name="Subtitle 2">
             <a:extLst>
               <a:ext uri="{FF2B5EF4-FFF2-40B4-BE49-F238E27FC236}">
-                <a16:creationId xmlns="" xmlns:a16="http://schemas.microsoft.com/office/drawing/2014/main" id="{DCFB69D3-5632-4285-A209-9DCA67DA668C}"/>
+                <a16:creationId xmlns:a16="http://schemas.microsoft.com/office/drawing/2014/main" xmlns="" id="{DCFB69D3-5632-4285-A209-9DCA67DA668C}"/>
               </a:ext>
             </a:extLst>
           </p:cNvPr>
@@ -4273,10 +4273,10 @@
           <p:cNvPr id="16" name="Group 15">
             <a:extLst>
               <a:ext uri="{FF2B5EF4-FFF2-40B4-BE49-F238E27FC236}">
-                <a16:creationId xmlns="" xmlns:a16="http://schemas.microsoft.com/office/drawing/2014/main" id="{14DB56B5-5DD7-95E3-52B2-EDC4B3F13058}"/>
+                <a16:creationId xmlns:a16="http://schemas.microsoft.com/office/drawing/2014/main" xmlns="" id="{14DB56B5-5DD7-95E3-52B2-EDC4B3F13058}"/>
               </a:ext>
               <a:ext uri="{C183D7F6-B498-43B3-948B-1728B52AA6E4}">
-                <adec:decorative xmlns="" xmlns:adec="http://schemas.microsoft.com/office/drawing/2017/decorative" val="1"/>
+                <adec:decorative xmlns:adec="http://schemas.microsoft.com/office/drawing/2017/decorative" xmlns="" val="1"/>
               </a:ext>
             </a:extLst>
           </p:cNvPr>
@@ -4296,7 +4296,7 @@
             <p:cNvPr id="4" name="Freeform 3">
               <a:extLst>
                 <a:ext uri="{FF2B5EF4-FFF2-40B4-BE49-F238E27FC236}">
-                  <a16:creationId xmlns="" xmlns:a16="http://schemas.microsoft.com/office/drawing/2014/main" id="{6A7F6A3F-E1DD-A246-9A6D-5F9B18BA2588}"/>
+                  <a16:creationId xmlns:a16="http://schemas.microsoft.com/office/drawing/2014/main" xmlns="" id="{6A7F6A3F-E1DD-A246-9A6D-5F9B18BA2588}"/>
                 </a:ext>
               </a:extLst>
             </p:cNvPr>
@@ -4395,7 +4395,7 @@
             <p:cNvPr id="5" name="Freeform 4">
               <a:extLst>
                 <a:ext uri="{FF2B5EF4-FFF2-40B4-BE49-F238E27FC236}">
-                  <a16:creationId xmlns="" xmlns:a16="http://schemas.microsoft.com/office/drawing/2014/main" id="{055FD0FC-C8FF-6741-A364-A29CDC6F9495}"/>
+                  <a16:creationId xmlns:a16="http://schemas.microsoft.com/office/drawing/2014/main" xmlns="" id="{055FD0FC-C8FF-6741-A364-A29CDC6F9495}"/>
                 </a:ext>
               </a:extLst>
             </p:cNvPr>
@@ -4494,7 +4494,7 @@
             <p:cNvPr id="6" name="Freeform 5">
               <a:extLst>
                 <a:ext uri="{FF2B5EF4-FFF2-40B4-BE49-F238E27FC236}">
-                  <a16:creationId xmlns="" xmlns:a16="http://schemas.microsoft.com/office/drawing/2014/main" id="{D11C9832-A021-954E-A34F-2988D1189AE9}"/>
+                  <a16:creationId xmlns:a16="http://schemas.microsoft.com/office/drawing/2014/main" xmlns="" id="{D11C9832-A021-954E-A34F-2988D1189AE9}"/>
                 </a:ext>
               </a:extLst>
             </p:cNvPr>
@@ -4593,7 +4593,7 @@
             <p:cNvPr id="9" name="Group 8">
               <a:extLst>
                 <a:ext uri="{FF2B5EF4-FFF2-40B4-BE49-F238E27FC236}">
-                  <a16:creationId xmlns="" xmlns:a16="http://schemas.microsoft.com/office/drawing/2014/main" id="{9861BC34-DFBF-2D4F-B463-FCFBC08391FF}"/>
+                  <a16:creationId xmlns:a16="http://schemas.microsoft.com/office/drawing/2014/main" xmlns="" id="{9861BC34-DFBF-2D4F-B463-FCFBC08391FF}"/>
                 </a:ext>
               </a:extLst>
             </p:cNvPr>
@@ -4613,7 +4613,7 @@
               <p:cNvPr id="7" name="Freeform 6">
                 <a:extLst>
                   <a:ext uri="{FF2B5EF4-FFF2-40B4-BE49-F238E27FC236}">
-                    <a16:creationId xmlns="" xmlns:a16="http://schemas.microsoft.com/office/drawing/2014/main" id="{55C37C19-F268-4A43-A0D4-3B1B38D48952}"/>
+                    <a16:creationId xmlns:a16="http://schemas.microsoft.com/office/drawing/2014/main" xmlns="" id="{55C37C19-F268-4A43-A0D4-3B1B38D48952}"/>
                   </a:ext>
                 </a:extLst>
               </p:cNvPr>
@@ -4740,7 +4740,7 @@
               <p:cNvPr id="8" name="Freeform 7">
                 <a:extLst>
                   <a:ext uri="{FF2B5EF4-FFF2-40B4-BE49-F238E27FC236}">
-                    <a16:creationId xmlns="" xmlns:a16="http://schemas.microsoft.com/office/drawing/2014/main" id="{E4F760E5-9D5D-E44F-AEBF-20CA8DE87D11}"/>
+                    <a16:creationId xmlns:a16="http://schemas.microsoft.com/office/drawing/2014/main" xmlns="" id="{E4F760E5-9D5D-E44F-AEBF-20CA8DE87D11}"/>
                   </a:ext>
                 </a:extLst>
               </p:cNvPr>
@@ -4869,7 +4869,7 @@
           <p:cNvPr id="2" name="Title 1">
             <a:extLst>
               <a:ext uri="{FF2B5EF4-FFF2-40B4-BE49-F238E27FC236}">
-                <a16:creationId xmlns="" xmlns:a16="http://schemas.microsoft.com/office/drawing/2014/main" id="{3CD97974-B93C-4C96-B3F6-F69E3D6DE6CA}"/>
+                <a16:creationId xmlns:a16="http://schemas.microsoft.com/office/drawing/2014/main" xmlns="" id="{3CD97974-B93C-4C96-B3F6-F69E3D6DE6CA}"/>
               </a:ext>
             </a:extLst>
           </p:cNvPr>
@@ -4910,7 +4910,7 @@
           <p:cNvPr id="3" name="Content Placeholder 2">
             <a:extLst>
               <a:ext uri="{FF2B5EF4-FFF2-40B4-BE49-F238E27FC236}">
-                <a16:creationId xmlns="" xmlns:a16="http://schemas.microsoft.com/office/drawing/2014/main" id="{8A6FC6F2-80B4-49A7-9448-33FE2DF0E967}"/>
+                <a16:creationId xmlns:a16="http://schemas.microsoft.com/office/drawing/2014/main" xmlns="" id="{8A6FC6F2-80B4-49A7-9448-33FE2DF0E967}"/>
               </a:ext>
             </a:extLst>
           </p:cNvPr>
@@ -5025,7 +5025,7 @@
           <p:cNvPr id="13" name="Content Placeholder 2">
             <a:extLst>
               <a:ext uri="{FF2B5EF4-FFF2-40B4-BE49-F238E27FC236}">
-                <a16:creationId xmlns="" xmlns:a16="http://schemas.microsoft.com/office/drawing/2014/main" id="{94CA559C-3355-DE44-ACF9-BDB6083C4225}"/>
+                <a16:creationId xmlns:a16="http://schemas.microsoft.com/office/drawing/2014/main" xmlns="" id="{94CA559C-3355-DE44-ACF9-BDB6083C4225}"/>
               </a:ext>
             </a:extLst>
           </p:cNvPr>
@@ -5140,7 +5140,7 @@
           <p:cNvPr id="10" name="Date Placeholder 3">
             <a:extLst>
               <a:ext uri="{FF2B5EF4-FFF2-40B4-BE49-F238E27FC236}">
-                <a16:creationId xmlns="" xmlns:a16="http://schemas.microsoft.com/office/drawing/2014/main" id="{7536C149-3EFE-A94E-902D-57CED00B2C0F}"/>
+                <a16:creationId xmlns:a16="http://schemas.microsoft.com/office/drawing/2014/main" xmlns="" id="{7536C149-3EFE-A94E-902D-57CED00B2C0F}"/>
               </a:ext>
             </a:extLst>
           </p:cNvPr>
@@ -5187,7 +5187,7 @@
           <p:cNvPr id="11" name="Footer Placeholder 4">
             <a:extLst>
               <a:ext uri="{FF2B5EF4-FFF2-40B4-BE49-F238E27FC236}">
-                <a16:creationId xmlns="" xmlns:a16="http://schemas.microsoft.com/office/drawing/2014/main" id="{53CA1E78-F17D-F34D-9F81-0DBF44F37894}"/>
+                <a16:creationId xmlns:a16="http://schemas.microsoft.com/office/drawing/2014/main" xmlns="" id="{53CA1E78-F17D-F34D-9F81-0DBF44F37894}"/>
               </a:ext>
             </a:extLst>
           </p:cNvPr>
@@ -5231,7 +5231,7 @@
           <p:cNvPr id="12" name="Slide Number Placeholder 5">
             <a:extLst>
               <a:ext uri="{FF2B5EF4-FFF2-40B4-BE49-F238E27FC236}">
-                <a16:creationId xmlns="" xmlns:a16="http://schemas.microsoft.com/office/drawing/2014/main" id="{1FE54918-A625-F64F-A42E-A427E9B2D489}"/>
+                <a16:creationId xmlns:a16="http://schemas.microsoft.com/office/drawing/2014/main" xmlns="" id="{1FE54918-A625-F64F-A42E-A427E9B2D489}"/>
               </a:ext>
             </a:extLst>
           </p:cNvPr>
@@ -5318,10 +5318,10 @@
           <p:cNvPr id="6" name="Group 5">
             <a:extLst>
               <a:ext uri="{FF2B5EF4-FFF2-40B4-BE49-F238E27FC236}">
-                <a16:creationId xmlns="" xmlns:a16="http://schemas.microsoft.com/office/drawing/2014/main" id="{1A0E8D4A-B13C-C7EE-5E27-278124A1276E}"/>
+                <a16:creationId xmlns:a16="http://schemas.microsoft.com/office/drawing/2014/main" xmlns="" id="{1A0E8D4A-B13C-C7EE-5E27-278124A1276E}"/>
               </a:ext>
               <a:ext uri="{C183D7F6-B498-43B3-948B-1728B52AA6E4}">
-                <adec:decorative xmlns="" xmlns:adec="http://schemas.microsoft.com/office/drawing/2017/decorative" val="1"/>
+                <adec:decorative xmlns:adec="http://schemas.microsoft.com/office/drawing/2017/decorative" xmlns="" val="1"/>
               </a:ext>
             </a:extLst>
           </p:cNvPr>
@@ -5341,7 +5341,7 @@
             <p:cNvPr id="4" name="Freeform 3">
               <a:extLst>
                 <a:ext uri="{FF2B5EF4-FFF2-40B4-BE49-F238E27FC236}">
-                  <a16:creationId xmlns="" xmlns:a16="http://schemas.microsoft.com/office/drawing/2014/main" id="{6A7F6A3F-E1DD-A246-9A6D-5F9B18BA2588}"/>
+                  <a16:creationId xmlns:a16="http://schemas.microsoft.com/office/drawing/2014/main" xmlns="" id="{6A7F6A3F-E1DD-A246-9A6D-5F9B18BA2588}"/>
                 </a:ext>
               </a:extLst>
             </p:cNvPr>
@@ -5440,7 +5440,7 @@
             <p:cNvPr id="5" name="Freeform 4">
               <a:extLst>
                 <a:ext uri="{FF2B5EF4-FFF2-40B4-BE49-F238E27FC236}">
-                  <a16:creationId xmlns="" xmlns:a16="http://schemas.microsoft.com/office/drawing/2014/main" id="{055FD0FC-C8FF-6741-A364-A29CDC6F9495}"/>
+                  <a16:creationId xmlns:a16="http://schemas.microsoft.com/office/drawing/2014/main" xmlns="" id="{055FD0FC-C8FF-6741-A364-A29CDC6F9495}"/>
                 </a:ext>
               </a:extLst>
             </p:cNvPr>
@@ -5540,7 +5540,7 @@
           <p:cNvPr id="2" name="Title 1">
             <a:extLst>
               <a:ext uri="{FF2B5EF4-FFF2-40B4-BE49-F238E27FC236}">
-                <a16:creationId xmlns="" xmlns:a16="http://schemas.microsoft.com/office/drawing/2014/main" id="{3CD97974-B93C-4C96-B3F6-F69E3D6DE6CA}"/>
+                <a16:creationId xmlns:a16="http://schemas.microsoft.com/office/drawing/2014/main" xmlns="" id="{3CD97974-B93C-4C96-B3F6-F69E3D6DE6CA}"/>
               </a:ext>
             </a:extLst>
           </p:cNvPr>
@@ -5584,7 +5584,7 @@
           <p:cNvPr id="14" name="Content Placeholder 2">
             <a:extLst>
               <a:ext uri="{FF2B5EF4-FFF2-40B4-BE49-F238E27FC236}">
-                <a16:creationId xmlns="" xmlns:a16="http://schemas.microsoft.com/office/drawing/2014/main" id="{926B296A-EB6A-9BE9-E813-B15C46524F4D}"/>
+                <a16:creationId xmlns:a16="http://schemas.microsoft.com/office/drawing/2014/main" xmlns="" id="{926B296A-EB6A-9BE9-E813-B15C46524F4D}"/>
               </a:ext>
             </a:extLst>
           </p:cNvPr>
@@ -5714,7 +5714,7 @@
           <p:cNvPr id="9" name="Content Placeholder 2">
             <a:extLst>
               <a:ext uri="{FF2B5EF4-FFF2-40B4-BE49-F238E27FC236}">
-                <a16:creationId xmlns="" xmlns:a16="http://schemas.microsoft.com/office/drawing/2014/main" id="{9435B7D5-E7F8-1267-8942-3C97BE836B98}"/>
+                <a16:creationId xmlns:a16="http://schemas.microsoft.com/office/drawing/2014/main" xmlns="" id="{9435B7D5-E7F8-1267-8942-3C97BE836B98}"/>
               </a:ext>
             </a:extLst>
           </p:cNvPr>
@@ -5844,7 +5844,7 @@
           <p:cNvPr id="10" name="Date Placeholder 3">
             <a:extLst>
               <a:ext uri="{FF2B5EF4-FFF2-40B4-BE49-F238E27FC236}">
-                <a16:creationId xmlns="" xmlns:a16="http://schemas.microsoft.com/office/drawing/2014/main" id="{7536C149-3EFE-A94E-902D-57CED00B2C0F}"/>
+                <a16:creationId xmlns:a16="http://schemas.microsoft.com/office/drawing/2014/main" xmlns="" id="{7536C149-3EFE-A94E-902D-57CED00B2C0F}"/>
               </a:ext>
             </a:extLst>
           </p:cNvPr>
@@ -5891,7 +5891,7 @@
           <p:cNvPr id="11" name="Footer Placeholder 4">
             <a:extLst>
               <a:ext uri="{FF2B5EF4-FFF2-40B4-BE49-F238E27FC236}">
-                <a16:creationId xmlns="" xmlns:a16="http://schemas.microsoft.com/office/drawing/2014/main" id="{53CA1E78-F17D-F34D-9F81-0DBF44F37894}"/>
+                <a16:creationId xmlns:a16="http://schemas.microsoft.com/office/drawing/2014/main" xmlns="" id="{53CA1E78-F17D-F34D-9F81-0DBF44F37894}"/>
               </a:ext>
             </a:extLst>
           </p:cNvPr>
@@ -5935,7 +5935,7 @@
           <p:cNvPr id="12" name="Slide Number Placeholder 5">
             <a:extLst>
               <a:ext uri="{FF2B5EF4-FFF2-40B4-BE49-F238E27FC236}">
-                <a16:creationId xmlns="" xmlns:a16="http://schemas.microsoft.com/office/drawing/2014/main" id="{1FE54918-A625-F64F-A42E-A427E9B2D489}"/>
+                <a16:creationId xmlns:a16="http://schemas.microsoft.com/office/drawing/2014/main" xmlns="" id="{1FE54918-A625-F64F-A42E-A427E9B2D489}"/>
               </a:ext>
             </a:extLst>
           </p:cNvPr>
@@ -6022,10 +6022,10 @@
           <p:cNvPr id="9" name="Group 8">
             <a:extLst>
               <a:ext uri="{FF2B5EF4-FFF2-40B4-BE49-F238E27FC236}">
-                <a16:creationId xmlns="" xmlns:a16="http://schemas.microsoft.com/office/drawing/2014/main" id="{ABA2A58C-57B7-834C-8F5C-3299322411B1}"/>
+                <a16:creationId xmlns:a16="http://schemas.microsoft.com/office/drawing/2014/main" xmlns="" id="{ABA2A58C-57B7-834C-8F5C-3299322411B1}"/>
               </a:ext>
               <a:ext uri="{C183D7F6-B498-43B3-948B-1728B52AA6E4}">
-                <adec:decorative xmlns="" xmlns:adec="http://schemas.microsoft.com/office/drawing/2017/decorative" val="1"/>
+                <adec:decorative xmlns:adec="http://schemas.microsoft.com/office/drawing/2017/decorative" xmlns="" val="1"/>
               </a:ext>
             </a:extLst>
           </p:cNvPr>
@@ -6045,7 +6045,7 @@
             <p:cNvPr id="13" name="Freeform 12">
               <a:extLst>
                 <a:ext uri="{FF2B5EF4-FFF2-40B4-BE49-F238E27FC236}">
-                  <a16:creationId xmlns="" xmlns:a16="http://schemas.microsoft.com/office/drawing/2014/main" id="{801D8067-144A-FE48-AF1E-529B662DCAD3}"/>
+                  <a16:creationId xmlns:a16="http://schemas.microsoft.com/office/drawing/2014/main" xmlns="" id="{801D8067-144A-FE48-AF1E-529B662DCAD3}"/>
                 </a:ext>
               </a:extLst>
             </p:cNvPr>
@@ -6170,7 +6170,7 @@
             <p:cNvPr id="14" name="Freeform 13">
               <a:extLst>
                 <a:ext uri="{FF2B5EF4-FFF2-40B4-BE49-F238E27FC236}">
-                  <a16:creationId xmlns="" xmlns:a16="http://schemas.microsoft.com/office/drawing/2014/main" id="{2ECA7D87-C78C-C140-AA28-C0FB20209045}"/>
+                  <a16:creationId xmlns:a16="http://schemas.microsoft.com/office/drawing/2014/main" xmlns="" id="{2ECA7D87-C78C-C140-AA28-C0FB20209045}"/>
                 </a:ext>
               </a:extLst>
             </p:cNvPr>
@@ -6296,7 +6296,7 @@
           <p:cNvPr id="2" name="Title 1">
             <a:extLst>
               <a:ext uri="{FF2B5EF4-FFF2-40B4-BE49-F238E27FC236}">
-                <a16:creationId xmlns="" xmlns:a16="http://schemas.microsoft.com/office/drawing/2014/main" id="{3CD97974-B93C-4C96-B3F6-F69E3D6DE6CA}"/>
+                <a16:creationId xmlns:a16="http://schemas.microsoft.com/office/drawing/2014/main" xmlns="" id="{3CD97974-B93C-4C96-B3F6-F69E3D6DE6CA}"/>
               </a:ext>
             </a:extLst>
           </p:cNvPr>
@@ -6337,7 +6337,7 @@
           <p:cNvPr id="3" name="Content Placeholder 2">
             <a:extLst>
               <a:ext uri="{FF2B5EF4-FFF2-40B4-BE49-F238E27FC236}">
-                <a16:creationId xmlns="" xmlns:a16="http://schemas.microsoft.com/office/drawing/2014/main" id="{8A6FC6F2-80B4-49A7-9448-33FE2DF0E967}"/>
+                <a16:creationId xmlns:a16="http://schemas.microsoft.com/office/drawing/2014/main" xmlns="" id="{8A6FC6F2-80B4-49A7-9448-33FE2DF0E967}"/>
               </a:ext>
             </a:extLst>
           </p:cNvPr>
@@ -6432,7 +6432,7 @@
           <p:cNvPr id="10" name="Date Placeholder 3">
             <a:extLst>
               <a:ext uri="{FF2B5EF4-FFF2-40B4-BE49-F238E27FC236}">
-                <a16:creationId xmlns="" xmlns:a16="http://schemas.microsoft.com/office/drawing/2014/main" id="{7536C149-3EFE-A94E-902D-57CED00B2C0F}"/>
+                <a16:creationId xmlns:a16="http://schemas.microsoft.com/office/drawing/2014/main" xmlns="" id="{7536C149-3EFE-A94E-902D-57CED00B2C0F}"/>
               </a:ext>
             </a:extLst>
           </p:cNvPr>
@@ -6479,7 +6479,7 @@
           <p:cNvPr id="11" name="Footer Placeholder 4">
             <a:extLst>
               <a:ext uri="{FF2B5EF4-FFF2-40B4-BE49-F238E27FC236}">
-                <a16:creationId xmlns="" xmlns:a16="http://schemas.microsoft.com/office/drawing/2014/main" id="{53CA1E78-F17D-F34D-9F81-0DBF44F37894}"/>
+                <a16:creationId xmlns:a16="http://schemas.microsoft.com/office/drawing/2014/main" xmlns="" id="{53CA1E78-F17D-F34D-9F81-0DBF44F37894}"/>
               </a:ext>
             </a:extLst>
           </p:cNvPr>
@@ -6523,7 +6523,7 @@
           <p:cNvPr id="12" name="Slide Number Placeholder 5">
             <a:extLst>
               <a:ext uri="{FF2B5EF4-FFF2-40B4-BE49-F238E27FC236}">
-                <a16:creationId xmlns="" xmlns:a16="http://schemas.microsoft.com/office/drawing/2014/main" id="{1FE54918-A625-F64F-A42E-A427E9B2D489}"/>
+                <a16:creationId xmlns:a16="http://schemas.microsoft.com/office/drawing/2014/main" xmlns="" id="{1FE54918-A625-F64F-A42E-A427E9B2D489}"/>
               </a:ext>
             </a:extLst>
           </p:cNvPr>
@@ -6602,10 +6602,10 @@
           <p:cNvPr id="5" name="Group 4">
             <a:extLst>
               <a:ext uri="{FF2B5EF4-FFF2-40B4-BE49-F238E27FC236}">
-                <a16:creationId xmlns="" xmlns:a16="http://schemas.microsoft.com/office/drawing/2014/main" id="{78AD52EA-B01E-8D38-D87A-BF7EB5B58A82}"/>
+                <a16:creationId xmlns:a16="http://schemas.microsoft.com/office/drawing/2014/main" xmlns="" id="{78AD52EA-B01E-8D38-D87A-BF7EB5B58A82}"/>
               </a:ext>
               <a:ext uri="{C183D7F6-B498-43B3-948B-1728B52AA6E4}">
-                <adec:decorative xmlns="" xmlns:adec="http://schemas.microsoft.com/office/drawing/2017/decorative" val="1"/>
+                <adec:decorative xmlns:adec="http://schemas.microsoft.com/office/drawing/2017/decorative" xmlns="" val="1"/>
               </a:ext>
             </a:extLst>
           </p:cNvPr>
@@ -6625,7 +6625,7 @@
             <p:cNvPr id="4" name="Rectangle 3">
               <a:extLst>
                 <a:ext uri="{FF2B5EF4-FFF2-40B4-BE49-F238E27FC236}">
-                  <a16:creationId xmlns="" xmlns:a16="http://schemas.microsoft.com/office/drawing/2014/main" id="{9AC79249-FDC0-364D-A734-AE1DE1605D28}"/>
+                  <a16:creationId xmlns:a16="http://schemas.microsoft.com/office/drawing/2014/main" xmlns="" id="{9AC79249-FDC0-364D-A734-AE1DE1605D28}"/>
                 </a:ext>
               </a:extLst>
             </p:cNvPr>
@@ -6677,7 +6677,7 @@
             <p:cNvPr id="6" name="Group 5">
               <a:extLst>
                 <a:ext uri="{FF2B5EF4-FFF2-40B4-BE49-F238E27FC236}">
-                  <a16:creationId xmlns="" xmlns:a16="http://schemas.microsoft.com/office/drawing/2014/main" id="{F15FBB50-09C8-B64E-AE57-67C5E70810CB}"/>
+                  <a16:creationId xmlns:a16="http://schemas.microsoft.com/office/drawing/2014/main" xmlns="" id="{F15FBB50-09C8-B64E-AE57-67C5E70810CB}"/>
                 </a:ext>
               </a:extLst>
             </p:cNvPr>
@@ -6697,7 +6697,7 @@
               <p:cNvPr id="15" name="Freeform 14">
                 <a:extLst>
                   <a:ext uri="{FF2B5EF4-FFF2-40B4-BE49-F238E27FC236}">
-                    <a16:creationId xmlns="" xmlns:a16="http://schemas.microsoft.com/office/drawing/2014/main" id="{EFBF1E52-11FA-DC48-B7AD-75734232FFE8}"/>
+                    <a16:creationId xmlns:a16="http://schemas.microsoft.com/office/drawing/2014/main" xmlns="" id="{EFBF1E52-11FA-DC48-B7AD-75734232FFE8}"/>
                   </a:ext>
                 </a:extLst>
               </p:cNvPr>
@@ -6822,7 +6822,7 @@
               <p:cNvPr id="16" name="Freeform 15">
                 <a:extLst>
                   <a:ext uri="{FF2B5EF4-FFF2-40B4-BE49-F238E27FC236}">
-                    <a16:creationId xmlns="" xmlns:a16="http://schemas.microsoft.com/office/drawing/2014/main" id="{4850B620-49F5-3748-84AF-682555D52792}"/>
+                    <a16:creationId xmlns:a16="http://schemas.microsoft.com/office/drawing/2014/main" xmlns="" id="{4850B620-49F5-3748-84AF-682555D52792}"/>
                   </a:ext>
                 </a:extLst>
               </p:cNvPr>
@@ -6948,7 +6948,7 @@
             <p:cNvPr id="22" name="Freeform 21">
               <a:extLst>
                 <a:ext uri="{FF2B5EF4-FFF2-40B4-BE49-F238E27FC236}">
-                  <a16:creationId xmlns="" xmlns:a16="http://schemas.microsoft.com/office/drawing/2014/main" id="{BC68F289-2744-2F48-893A-3F17911625C8}"/>
+                  <a16:creationId xmlns:a16="http://schemas.microsoft.com/office/drawing/2014/main" xmlns="" id="{BC68F289-2744-2F48-893A-3F17911625C8}"/>
                 </a:ext>
               </a:extLst>
             </p:cNvPr>
@@ -7047,7 +7047,7 @@
             <p:cNvPr id="17" name="Freeform 16">
               <a:extLst>
                 <a:ext uri="{FF2B5EF4-FFF2-40B4-BE49-F238E27FC236}">
-                  <a16:creationId xmlns="" xmlns:a16="http://schemas.microsoft.com/office/drawing/2014/main" id="{39563C76-BC00-DE47-88F5-C24D3CE3325A}"/>
+                  <a16:creationId xmlns:a16="http://schemas.microsoft.com/office/drawing/2014/main" xmlns="" id="{39563C76-BC00-DE47-88F5-C24D3CE3325A}"/>
                 </a:ext>
               </a:extLst>
             </p:cNvPr>
@@ -7192,7 +7192,7 @@
           <p:cNvPr id="2" name="Title 1">
             <a:extLst>
               <a:ext uri="{FF2B5EF4-FFF2-40B4-BE49-F238E27FC236}">
-                <a16:creationId xmlns="" xmlns:a16="http://schemas.microsoft.com/office/drawing/2014/main" id="{494248F2-5264-4601-AA0B-6C092F77F2DD}"/>
+                <a16:creationId xmlns:a16="http://schemas.microsoft.com/office/drawing/2014/main" xmlns="" id="{494248F2-5264-4601-AA0B-6C092F77F2DD}"/>
               </a:ext>
             </a:extLst>
           </p:cNvPr>
@@ -7233,7 +7233,7 @@
           <p:cNvPr id="3" name="Subtitle 2">
             <a:extLst>
               <a:ext uri="{FF2B5EF4-FFF2-40B4-BE49-F238E27FC236}">
-                <a16:creationId xmlns="" xmlns:a16="http://schemas.microsoft.com/office/drawing/2014/main" id="{DCFB69D3-5632-4285-A209-9DCA67DA668C}"/>
+                <a16:creationId xmlns:a16="http://schemas.microsoft.com/office/drawing/2014/main" xmlns="" id="{DCFB69D3-5632-4285-A209-9DCA67DA668C}"/>
               </a:ext>
             </a:extLst>
           </p:cNvPr>
@@ -7343,7 +7343,7 @@
           <p:cNvPr id="2" name="Title Placeholder 1">
             <a:extLst>
               <a:ext uri="{FF2B5EF4-FFF2-40B4-BE49-F238E27FC236}">
-                <a16:creationId xmlns="" xmlns:a16="http://schemas.microsoft.com/office/drawing/2014/main" id="{9198F9AA-2C87-421D-97C1-B4248DFDC2C2}"/>
+                <a16:creationId xmlns:a16="http://schemas.microsoft.com/office/drawing/2014/main" xmlns="" id="{9198F9AA-2C87-421D-97C1-B4248DFDC2C2}"/>
               </a:ext>
             </a:extLst>
           </p:cNvPr>
@@ -7381,7 +7381,7 @@
           <p:cNvPr id="3" name="Text Placeholder 2">
             <a:extLst>
               <a:ext uri="{FF2B5EF4-FFF2-40B4-BE49-F238E27FC236}">
-                <a16:creationId xmlns="" xmlns:a16="http://schemas.microsoft.com/office/drawing/2014/main" id="{AE98FC63-C8D2-4CE6-A3F1-EE8ED24590C4}"/>
+                <a16:creationId xmlns:a16="http://schemas.microsoft.com/office/drawing/2014/main" xmlns="" id="{AE98FC63-C8D2-4CE6-A3F1-EE8ED24590C4}"/>
               </a:ext>
             </a:extLst>
           </p:cNvPr>
@@ -7448,7 +7448,7 @@
           <p:cNvPr id="4" name="Date Placeholder 3">
             <a:extLst>
               <a:ext uri="{FF2B5EF4-FFF2-40B4-BE49-F238E27FC236}">
-                <a16:creationId xmlns="" xmlns:a16="http://schemas.microsoft.com/office/drawing/2014/main" id="{EED77A09-15C2-4E47-948E-AACAFCA47D40}"/>
+                <a16:creationId xmlns:a16="http://schemas.microsoft.com/office/drawing/2014/main" xmlns="" id="{EED77A09-15C2-4E47-948E-AACAFCA47D40}"/>
               </a:ext>
             </a:extLst>
           </p:cNvPr>
@@ -7495,7 +7495,7 @@
           <p:cNvPr id="5" name="Footer Placeholder 4">
             <a:extLst>
               <a:ext uri="{FF2B5EF4-FFF2-40B4-BE49-F238E27FC236}">
-                <a16:creationId xmlns="" xmlns:a16="http://schemas.microsoft.com/office/drawing/2014/main" id="{60567522-C3B6-46EB-A361-BEC2510B00CA}"/>
+                <a16:creationId xmlns:a16="http://schemas.microsoft.com/office/drawing/2014/main" xmlns="" id="{60567522-C3B6-46EB-A361-BEC2510B00CA}"/>
               </a:ext>
             </a:extLst>
           </p:cNvPr>
@@ -7539,7 +7539,7 @@
           <p:cNvPr id="6" name="Slide Number Placeholder 5">
             <a:extLst>
               <a:ext uri="{FF2B5EF4-FFF2-40B4-BE49-F238E27FC236}">
-                <a16:creationId xmlns="" xmlns:a16="http://schemas.microsoft.com/office/drawing/2014/main" id="{CDC57CF0-034F-450D-937C-718D5AF1A059}"/>
+                <a16:creationId xmlns:a16="http://schemas.microsoft.com/office/drawing/2014/main" xmlns="" id="{CDC57CF0-034F-450D-937C-718D5AF1A059}"/>
               </a:ext>
             </a:extLst>
           </p:cNvPr>
@@ -7884,7 +7884,7 @@
   </p:txStyles>
   <p:extLst mod="1">
     <p:ext uri="{27BBF7A9-308A-43DC-89C8-2F10F3537804}">
-      <p15:sldGuideLst xmlns="" xmlns:p15="http://schemas.microsoft.com/office/powerpoint/2012/main">
+      <p15:sldGuideLst xmlns:p15="http://schemas.microsoft.com/office/powerpoint/2012/main" xmlns="">
         <p15:guide id="1" orient="horz" pos="2160" userDrawn="1">
           <p15:clr>
             <a:srgbClr val="A4A3A4"/>
@@ -7993,7 +7993,7 @@
           <p:cNvPr id="2" name="Title 1">
             <a:extLst>
               <a:ext uri="{FF2B5EF4-FFF2-40B4-BE49-F238E27FC236}">
-                <a16:creationId xmlns="" xmlns:a16="http://schemas.microsoft.com/office/drawing/2014/main" id="{51DF3D98-3C30-4CFC-8643-C81E829C8C25}"/>
+                <a16:creationId xmlns:a16="http://schemas.microsoft.com/office/drawing/2014/main" xmlns="" id="{51DF3D98-3C30-4CFC-8643-C81E829C8C25}"/>
               </a:ext>
             </a:extLst>
           </p:cNvPr>
@@ -8301,7 +8301,7 @@
           <p:cNvPr id="2" name="Title 1">
             <a:extLst>
               <a:ext uri="{FF2B5EF4-FFF2-40B4-BE49-F238E27FC236}">
-                <a16:creationId xmlns="" xmlns:a16="http://schemas.microsoft.com/office/drawing/2014/main" id="{912DF434-28DB-4621-A497-D62C41CE0419}"/>
+                <a16:creationId xmlns:a16="http://schemas.microsoft.com/office/drawing/2014/main" xmlns="" id="{912DF434-28DB-4621-A497-D62C41CE0419}"/>
               </a:ext>
             </a:extLst>
           </p:cNvPr>
@@ -8326,38 +8326,6 @@
               <a:rPr lang="en-US" dirty="0"/>
               <a:t>Agenda</a:t>
             </a:r>
-          </a:p>
-        </p:txBody>
-      </p:sp>
-      <p:sp>
-        <p:nvSpPr>
-          <p:cNvPr id="3" name="Content Placeholder 2">
-            <a:extLst>
-              <a:ext uri="{FF2B5EF4-FFF2-40B4-BE49-F238E27FC236}">
-                <a16:creationId xmlns="" xmlns:a16="http://schemas.microsoft.com/office/drawing/2014/main" id="{22788C46-D0BC-4307-AE55-7601A139E7CB}"/>
-              </a:ext>
-            </a:extLst>
-          </p:cNvPr>
-          <p:cNvSpPr>
-            <a:spLocks noGrp="1"/>
-          </p:cNvSpPr>
-          <p:nvPr>
-            <p:ph idx="1"/>
-          </p:nvPr>
-        </p:nvSpPr>
-        <p:spPr>
-          <a:xfrm>
-            <a:off x="1129894" y="2151968"/>
-            <a:ext cx="9534703" cy="3591269"/>
-          </a:xfrm>
-        </p:spPr>
-        <p:txBody>
-          <a:bodyPr vert="horz" lIns="91440" tIns="45720" rIns="91440" bIns="45720" rtlCol="0" anchor="t">
-            <a:normAutofit/>
-          </a:bodyPr>
-          <a:lstStyle/>
-          <a:p>
-            <a:endParaRPr lang="en-US" dirty="0"/>
           </a:p>
         </p:txBody>
       </p:sp>
@@ -8444,7 +8412,7 @@
           <p:cNvPr id="7" name="Title 6">
             <a:extLst>
               <a:ext uri="{FF2B5EF4-FFF2-40B4-BE49-F238E27FC236}">
-                <a16:creationId xmlns="" xmlns:a16="http://schemas.microsoft.com/office/drawing/2014/main" id="{81C753FD-96EC-101A-B8A4-5F69A189BEF4}"/>
+                <a16:creationId xmlns:a16="http://schemas.microsoft.com/office/drawing/2014/main" xmlns="" id="{81C753FD-96EC-101A-B8A4-5F69A189BEF4}"/>
               </a:ext>
             </a:extLst>
           </p:cNvPr>
@@ -8980,7 +8948,7 @@
   <a:extraClrSchemeLst/>
   <a:extLst>
     <a:ext uri="{05A4C25C-085E-4340-85A3-A5531E510DB2}">
-      <thm15:themeFamily xmlns="" xmlns:thm15="http://schemas.microsoft.com/office/thememl/2012/main" name="TM45331398_Win32_SL_V13" id="{C59E605D-C281-4A06-BDA0-E97A35AC3AA8}" vid="{25D1D206-DA25-4050-926A-BD6D3A1B506F}"/>
+      <thm15:themeFamily xmlns:thm15="http://schemas.microsoft.com/office/thememl/2012/main" xmlns="" name="TM45331398_Win32_SL_V13" id="{C59E605D-C281-4A06-BDA0-E97A35AC3AA8}" vid="{25D1D206-DA25-4050-926A-BD6D3A1B506F}"/>
     </a:ext>
   </a:extLst>
 </a:theme>
@@ -9275,7 +9243,7 @@
   <a:extraClrSchemeLst/>
   <a:extLst>
     <a:ext uri="{05A4C25C-085E-4340-85A3-A5531E510DB2}">
-      <thm15:themeFamily xmlns="" xmlns:thm15="http://schemas.microsoft.com/office/thememl/2012/main" name="Office Theme" id="{62F939B6-93AF-4DB8-9C6B-D6C7DFDC589F}" vid="{4A3C46E8-61CC-4603-A589-7422A47A8E4A}"/>
+      <thm15:themeFamily xmlns:thm15="http://schemas.microsoft.com/office/thememl/2012/main" xmlns="" name="Office Theme" id="{62F939B6-93AF-4DB8-9C6B-D6C7DFDC589F}" vid="{4A3C46E8-61CC-4603-A589-7422A47A8E4A}"/>
     </a:ext>
   </a:extLst>
 </a:theme>
@@ -9570,13 +9538,42 @@
   <a:extraClrSchemeLst/>
   <a:extLst>
     <a:ext uri="{05A4C25C-085E-4340-85A3-A5531E510DB2}">
-      <thm15:themeFamily xmlns="" xmlns:thm15="http://schemas.microsoft.com/office/thememl/2012/main" name="Office Theme" id="{62F939B6-93AF-4DB8-9C6B-D6C7DFDC589F}" vid="{4A3C46E8-61CC-4603-A589-7422A47A8E4A}"/>
+      <thm15:themeFamily xmlns:thm15="http://schemas.microsoft.com/office/thememl/2012/main" xmlns="" name="Office Theme" id="{62F939B6-93AF-4DB8-9C6B-D6C7DFDC589F}" vid="{4A3C46E8-61CC-4603-A589-7422A47A8E4A}"/>
     </a:ext>
   </a:extLst>
 </a:theme>
 </file>
 
 <file path=customXml/item1.xml><?xml version="1.0" encoding="utf-8"?>
+<p:properties xmlns:p="http://schemas.microsoft.com/office/2006/metadata/properties" xmlns:xsi="http://www.w3.org/2001/XMLSchema-instance" xmlns:pc="http://schemas.microsoft.com/office/infopath/2007/PartnerControls">
+  <documentManagement>
+    <_ip_UnifiedCompliancePolicyUIAction xmlns="http://schemas.microsoft.com/sharepoint/v3" xsi:nil="true"/>
+    <Image xmlns="71af3243-3dd4-4a8d-8c0d-dd76da1f02a5">
+      <Url xsi:nil="true"/>
+      <Description xsi:nil="true"/>
+    </Image>
+    <Status xmlns="71af3243-3dd4-4a8d-8c0d-dd76da1f02a5">Not started</Status>
+    <Background xmlns="71af3243-3dd4-4a8d-8c0d-dd76da1f02a5">false</Background>
+    <_ip_UnifiedCompliancePolicyProperties xmlns="http://schemas.microsoft.com/sharepoint/v3" xsi:nil="true"/>
+    <ImageTagsTaxHTField xmlns="71af3243-3dd4-4a8d-8c0d-dd76da1f02a5">
+      <Terms xmlns="http://schemas.microsoft.com/office/infopath/2007/PartnerControls"/>
+    </ImageTagsTaxHTField>
+    <TaxCatchAll xmlns="230e9df3-be65-4c73-a93b-d1236ebd677e" xsi:nil="true"/>
+    <MediaServiceKeyPoints xmlns="71af3243-3dd4-4a8d-8c0d-dd76da1f02a5" xsi:nil="true"/>
+  </documentManagement>
+</p:properties>
+</file>
+
+<file path=customXml/item2.xml><?xml version="1.0" encoding="utf-8"?>
+<?mso-contentType ?>
+<FormTemplates xmlns="http://schemas.microsoft.com/sharepoint/v3/contenttype/forms">
+  <Display>DocumentLibraryForm</Display>
+  <Edit>DocumentLibraryForm</Edit>
+  <New>DocumentLibraryForm</New>
+</FormTemplates>
+</file>
+
+<file path=customXml/item3.xml><?xml version="1.0" encoding="utf-8"?>
 <ct:contentTypeSchema xmlns:ct="http://schemas.microsoft.com/office/2006/metadata/contentType" xmlns:ma="http://schemas.microsoft.com/office/2006/metadata/properties/metaAttributes" ct:_="" ma:_="" ma:contentTypeName="Document" ma:contentTypeID="0x01010079F111ED35F8CC479449609E8A0923A6" ma:contentTypeVersion="28" ma:contentTypeDescription="Create a new document." ma:contentTypeScope="" ma:versionID="60f5a4f2d2b0abadcf532d48ebf9cb71">
   <xsd:schema xmlns:xsd="http://www.w3.org/2001/XMLSchema" xmlns:xs="http://www.w3.org/2001/XMLSchema" xmlns:p="http://schemas.microsoft.com/office/2006/metadata/properties" xmlns:ns1="http://schemas.microsoft.com/sharepoint/v3" xmlns:ns2="71af3243-3dd4-4a8d-8c0d-dd76da1f02a5" xmlns:ns3="16c05727-aa75-4e4a-9b5f-8a80a1165891" xmlns:ns4="230e9df3-be65-4c73-a93b-d1236ebd677e" targetNamespace="http://schemas.microsoft.com/office/2006/metadata/properties" ma:root="true" ma:fieldsID="7dd78129e6a1811f84807ad11c651531" ns1:_="" ns2:_="" ns3:_="" ns4:_="">
     <xsd:import namespace="http://schemas.microsoft.com/sharepoint/v3"/>
@@ -9888,36 +9885,34 @@
 </ct:contentTypeSchema>
 </file>
 
-<file path=customXml/item2.xml><?xml version="1.0" encoding="utf-8"?>
-<?mso-contentType ?>
-<FormTemplates xmlns="http://schemas.microsoft.com/sharepoint/v3/contenttype/forms">
-  <Display>DocumentLibraryForm</Display>
-  <Edit>DocumentLibraryForm</Edit>
-  <New>DocumentLibraryForm</New>
-</FormTemplates>
+<file path=customXml/itemProps1.xml><?xml version="1.0" encoding="utf-8"?>
+<ds:datastoreItem xmlns:ds="http://schemas.openxmlformats.org/officeDocument/2006/customXml" ds:itemID="{3CE52C7A-8834-4F18-859F-7167A187E138}">
+  <ds:schemaRefs>
+    <ds:schemaRef ds:uri="http://purl.org/dc/elements/1.1/"/>
+    <ds:schemaRef ds:uri="http://schemas.microsoft.com/office/2006/metadata/properties"/>
+    <ds:schemaRef ds:uri="http://schemas.microsoft.com/office/2006/documentManagement/types"/>
+    <ds:schemaRef ds:uri="http://schemas.microsoft.com/office/infopath/2007/PartnerControls"/>
+    <ds:schemaRef ds:uri="http://schemas.microsoft.com/sharepoint/v3"/>
+    <ds:schemaRef ds:uri="230e9df3-be65-4c73-a93b-d1236ebd677e"/>
+    <ds:schemaRef ds:uri="http://purl.org/dc/terms/"/>
+    <ds:schemaRef ds:uri="http://schemas.openxmlformats.org/package/2006/metadata/core-properties"/>
+    <ds:schemaRef ds:uri="16c05727-aa75-4e4a-9b5f-8a80a1165891"/>
+    <ds:schemaRef ds:uri="http://purl.org/dc/dcmitype/"/>
+    <ds:schemaRef ds:uri="71af3243-3dd4-4a8d-8c0d-dd76da1f02a5"/>
+    <ds:schemaRef ds:uri="http://www.w3.org/XML/1998/namespace"/>
+  </ds:schemaRefs>
+</ds:datastoreItem>
 </file>
 
-<file path=customXml/item3.xml><?xml version="1.0" encoding="utf-8"?>
-<p:properties xmlns:p="http://schemas.microsoft.com/office/2006/metadata/properties" xmlns:xsi="http://www.w3.org/2001/XMLSchema-instance" xmlns:pc="http://schemas.microsoft.com/office/infopath/2007/PartnerControls">
-  <documentManagement>
-    <_ip_UnifiedCompliancePolicyUIAction xmlns="http://schemas.microsoft.com/sharepoint/v3" xsi:nil="true"/>
-    <Image xmlns="71af3243-3dd4-4a8d-8c0d-dd76da1f02a5">
-      <Url xsi:nil="true"/>
-      <Description xsi:nil="true"/>
-    </Image>
-    <Status xmlns="71af3243-3dd4-4a8d-8c0d-dd76da1f02a5">Not started</Status>
-    <Background xmlns="71af3243-3dd4-4a8d-8c0d-dd76da1f02a5">false</Background>
-    <_ip_UnifiedCompliancePolicyProperties xmlns="http://schemas.microsoft.com/sharepoint/v3" xsi:nil="true"/>
-    <ImageTagsTaxHTField xmlns="71af3243-3dd4-4a8d-8c0d-dd76da1f02a5">
-      <Terms xmlns="http://schemas.microsoft.com/office/infopath/2007/PartnerControls"/>
-    </ImageTagsTaxHTField>
-    <TaxCatchAll xmlns="230e9df3-be65-4c73-a93b-d1236ebd677e" xsi:nil="true"/>
-    <MediaServiceKeyPoints xmlns="71af3243-3dd4-4a8d-8c0d-dd76da1f02a5" xsi:nil="true"/>
-  </documentManagement>
-</p:properties>
+<file path=customXml/itemProps2.xml><?xml version="1.0" encoding="utf-8"?>
+<ds:datastoreItem xmlns:ds="http://schemas.openxmlformats.org/officeDocument/2006/customXml" ds:itemID="{731D3D4E-040D-4F59-9215-B1F04B81B9FE}">
+  <ds:schemaRefs>
+    <ds:schemaRef ds:uri="http://schemas.microsoft.com/sharepoint/v3/contenttype/forms"/>
+  </ds:schemaRefs>
+</ds:datastoreItem>
 </file>
 
-<file path=customXml/itemProps1.xml><?xml version="1.0" encoding="utf-8"?>
+<file path=customXml/itemProps3.xml><?xml version="1.0" encoding="utf-8"?>
 <ds:datastoreItem xmlns:ds="http://schemas.openxmlformats.org/officeDocument/2006/customXml" ds:itemID="{5A7188B1-CB43-4216-A332-EE7733BC2215}">
   <ds:schemaRefs>
     <ds:schemaRef ds:uri="http://schemas.microsoft.com/office/2006/metadata/contentType"/>
@@ -9938,33 +9933,6 @@
 </ds:datastoreItem>
 </file>
 
-<file path=customXml/itemProps2.xml><?xml version="1.0" encoding="utf-8"?>
-<ds:datastoreItem xmlns:ds="http://schemas.openxmlformats.org/officeDocument/2006/customXml" ds:itemID="{731D3D4E-040D-4F59-9215-B1F04B81B9FE}">
-  <ds:schemaRefs>
-    <ds:schemaRef ds:uri="http://schemas.microsoft.com/sharepoint/v3/contenttype/forms"/>
-  </ds:schemaRefs>
-</ds:datastoreItem>
-</file>
-
-<file path=customXml/itemProps3.xml><?xml version="1.0" encoding="utf-8"?>
-<ds:datastoreItem xmlns:ds="http://schemas.openxmlformats.org/officeDocument/2006/customXml" ds:itemID="{3CE52C7A-8834-4F18-859F-7167A187E138}">
-  <ds:schemaRefs>
-    <ds:schemaRef ds:uri="http://purl.org/dc/elements/1.1/"/>
-    <ds:schemaRef ds:uri="http://schemas.microsoft.com/office/2006/metadata/properties"/>
-    <ds:schemaRef ds:uri="http://schemas.microsoft.com/office/2006/documentManagement/types"/>
-    <ds:schemaRef ds:uri="http://schemas.microsoft.com/office/infopath/2007/PartnerControls"/>
-    <ds:schemaRef ds:uri="http://schemas.microsoft.com/sharepoint/v3"/>
-    <ds:schemaRef ds:uri="230e9df3-be65-4c73-a93b-d1236ebd677e"/>
-    <ds:schemaRef ds:uri="http://purl.org/dc/terms/"/>
-    <ds:schemaRef ds:uri="http://schemas.openxmlformats.org/package/2006/metadata/core-properties"/>
-    <ds:schemaRef ds:uri="16c05727-aa75-4e4a-9b5f-8a80a1165891"/>
-    <ds:schemaRef ds:uri="http://purl.org/dc/dcmitype/"/>
-    <ds:schemaRef ds:uri="71af3243-3dd4-4a8d-8c0d-dd76da1f02a5"/>
-    <ds:schemaRef ds:uri="http://www.w3.org/XML/1998/namespace"/>
-  </ds:schemaRefs>
-</ds:datastoreItem>
-</file>
-
 <file path=docMetadata/LabelInfo.xml><?xml version="1.0" encoding="utf-8"?>
 <clbl:labelList xmlns:clbl="http://schemas.microsoft.com/office/2020/mipLabelMetadata"/>
 </file>